--- a/diplom_preza.pptx
+++ b/diplom_preza.pptx
@@ -20,9 +20,8 @@
     <p:sldId id="269" r:id="rId14"/>
     <p:sldId id="270" r:id="rId15"/>
     <p:sldId id="271" r:id="rId16"/>
-    <p:sldId id="272" r:id="rId17"/>
-    <p:sldId id="273" r:id="rId18"/>
-    <p:sldId id="274" r:id="rId19"/>
+    <p:sldId id="273" r:id="rId17"/>
+    <p:sldId id="274" r:id="rId18"/>
   </p:sldIdLst>
   <p:sldSz cx="12192000" cy="6858000"/>
   <p:notesSz cx="6858000" cy="9144000"/>
@@ -121,6 +120,11 @@
       </a:defRPr>
     </a:lvl9pPr>
   </p:defaultTextStyle>
+  <p:extLst>
+    <p:ext uri="{EFAFB233-063F-42B5-8137-9DF3F51BA10A}">
+      <p15:sldGuideLst xmlns:p15="http://schemas.microsoft.com/office/powerpoint/2012/main"/>
+    </p:ext>
+  </p:extLst>
 </p:presentation>
 </file>
 
@@ -3469,6 +3473,13 @@
         </dgm:presLayoutVars>
       </dgm:prSet>
       <dgm:spPr/>
+      <dgm:t>
+        <a:bodyPr/>
+        <a:lstStyle/>
+        <a:p>
+          <a:endParaRPr lang="ru-RU"/>
+        </a:p>
+      </dgm:t>
     </dgm:pt>
     <dgm:pt modelId="{7A93B8EF-FDF2-4048-83C8-8CC7C921A69E}" type="pres">
       <dgm:prSet presAssocID="{C9D6B289-939C-48E6-B523-2ED267DB5067}" presName="children" presStyleCnt="0"/>
@@ -3658,6 +3669,13 @@
         </dgm:presLayoutVars>
       </dgm:prSet>
       <dgm:spPr/>
+      <dgm:t>
+        <a:bodyPr/>
+        <a:lstStyle/>
+        <a:p>
+          <a:endParaRPr lang="ru-RU"/>
+        </a:p>
+      </dgm:t>
     </dgm:pt>
     <dgm:pt modelId="{6DC5A455-EA94-4B14-AF13-7D3DD0FA05F7}" type="pres">
       <dgm:prSet presAssocID="{C9D6B289-939C-48E6-B523-2ED267DB5067}" presName="quadrantPlaceholder" presStyleCnt="0"/>
@@ -3691,8 +3709,8 @@
     <dgm:cxn modelId="{18646E02-FA68-4827-AC1F-F99C078EC933}" srcId="{78BA8999-6569-4D07-ACAA-0491E013C956}" destId="{CD2A494E-7BFB-4A44-89D9-7B2ECBE71497}" srcOrd="1" destOrd="0" parTransId="{A7B1E9D8-CE68-4DAE-8EB0-599DF275405A}" sibTransId="{F797B760-C495-474C-AEC8-387BD72A87B8}"/>
     <dgm:cxn modelId="{CAC48ABD-D2A8-4FC4-AF45-BDA087D592FF}" srcId="{49B3833A-00D0-47EC-8721-C6D0B0B6D5B7}" destId="{CC32C69B-FFE0-4CAF-88C2-45C0A217C1CB}" srcOrd="0" destOrd="0" parTransId="{1187583A-380A-4C2A-A8F2-BE50A0D10DB6}" sibTransId="{A7AF79DC-D6F0-4C86-A67C-358B17DA05D9}"/>
     <dgm:cxn modelId="{8FB0E99C-F859-434E-9D09-4702211A477C}" srcId="{2930AC1D-574E-49C7-8813-7A86429FF9EC}" destId="{9370C06E-A7FC-458D-B0BD-B3D295ABC206}" srcOrd="0" destOrd="0" parTransId="{B07C6A44-D6BB-4DA8-B3F5-BD905D50229C}" sibTransId="{7819D161-7C9B-4F4C-9EC9-2CA0845E96B4}"/>
+    <dgm:cxn modelId="{F5B4B8F3-2ECB-480B-A549-3E1325B24985}" type="presOf" srcId="{9370C06E-A7FC-458D-B0BD-B3D295ABC206}" destId="{F0F0BDF2-BB46-4AE2-A40C-D91AB5157A38}" srcOrd="1" destOrd="0" presId="urn:microsoft.com/office/officeart/2005/8/layout/cycle4"/>
     <dgm:cxn modelId="{2E93E6B3-9537-4F0B-9AD5-E76B1281C067}" type="presOf" srcId="{5FCDC3D5-9257-41C1-9D83-E3EDB67F4DEF}" destId="{A3F3C4E5-2DE4-49B6-863C-BC4C2F32CF49}" srcOrd="0" destOrd="0" presId="urn:microsoft.com/office/officeart/2005/8/layout/cycle4"/>
-    <dgm:cxn modelId="{F5B4B8F3-2ECB-480B-A549-3E1325B24985}" type="presOf" srcId="{9370C06E-A7FC-458D-B0BD-B3D295ABC206}" destId="{F0F0BDF2-BB46-4AE2-A40C-D91AB5157A38}" srcOrd="1" destOrd="0" presId="urn:microsoft.com/office/officeart/2005/8/layout/cycle4"/>
     <dgm:cxn modelId="{86769CC0-FFB4-48D4-9577-CC234C44D483}" type="presOf" srcId="{2930AC1D-574E-49C7-8813-7A86429FF9EC}" destId="{61753310-0391-4F44-84C7-7F77AFE4A098}" srcOrd="0" destOrd="0" presId="urn:microsoft.com/office/officeart/2005/8/layout/cycle4"/>
     <dgm:cxn modelId="{1BBB9ED7-C34D-441C-95C4-494BBE0F6F36}" type="presOf" srcId="{78BA8999-6569-4D07-ACAA-0491E013C956}" destId="{3AD7D90A-D9AC-41B5-91D0-613C56348FBC}" srcOrd="0" destOrd="0" presId="urn:microsoft.com/office/officeart/2005/8/layout/cycle4"/>
     <dgm:cxn modelId="{0B37FA91-C4A3-40B4-B04B-D7471CC170F3}" type="presOf" srcId="{CC32C69B-FFE0-4CAF-88C2-45C0A217C1CB}" destId="{B5C2A129-F0B4-4C9E-A136-E5CF51A55E81}" srcOrd="1" destOrd="0" presId="urn:microsoft.com/office/officeart/2005/8/layout/cycle4"/>
@@ -4005,6 +4023,13 @@
         </dgm:presLayoutVars>
       </dgm:prSet>
       <dgm:spPr/>
+      <dgm:t>
+        <a:bodyPr/>
+        <a:lstStyle/>
+        <a:p>
+          <a:endParaRPr lang="ru-RU"/>
+        </a:p>
+      </dgm:t>
     </dgm:pt>
     <dgm:pt modelId="{379AA6D2-3528-496D-8A4B-4FD99D685D04}" type="pres">
       <dgm:prSet presAssocID="{AB19B7C7-8643-4DC7-B76D-A9C4E28FB179}" presName="line4" presStyleLbl="callout" presStyleIdx="6" presStyleCnt="8"/>
@@ -4231,6 +4256,13 @@
         </dgm:presLayoutVars>
       </dgm:prSet>
       <dgm:spPr/>
+      <dgm:t>
+        <a:bodyPr/>
+        <a:lstStyle/>
+        <a:p>
+          <a:endParaRPr lang="ru-RU"/>
+        </a:p>
+      </dgm:t>
     </dgm:pt>
     <dgm:pt modelId="{AC7CE65C-AFA7-4D56-A5EF-3A46B0E9D743}" type="pres">
       <dgm:prSet presAssocID="{89E0DCE8-E1BF-489B-AF70-591524DFF6BA}" presName="parSpace" presStyleCnt="0"/>
@@ -4281,18 +4313,25 @@
         </dgm:presLayoutVars>
       </dgm:prSet>
       <dgm:spPr/>
+      <dgm:t>
+        <a:bodyPr/>
+        <a:lstStyle/>
+        <a:p>
+          <a:endParaRPr lang="ru-RU"/>
+        </a:p>
+      </dgm:t>
     </dgm:pt>
   </dgm:ptLst>
   <dgm:cxnLst>
+    <dgm:cxn modelId="{5CCFAF5B-CA1B-4E1B-BED2-254F550D4854}" type="presOf" srcId="{31DE10A4-C799-40EA-85D7-288D77CFE688}" destId="{65C8D83B-D3EA-4639-8A32-786F71A9A4DF}" srcOrd="0" destOrd="0" presId="urn:microsoft.com/office/officeart/2005/8/layout/hChevron3"/>
+    <dgm:cxn modelId="{2579814F-CD3B-4655-B028-EAEA0C0C0DA3}" srcId="{65841F4C-6CB6-426D-B4B2-6657EB3000E2}" destId="{B6288387-6B58-4DE8-982B-0286BC8217D3}" srcOrd="2" destOrd="0" parTransId="{34613E7A-BE7B-411B-BB31-561FED02F3BC}" sibTransId="{2DD80795-75A3-4810-80D2-8DD2A28C2D5F}"/>
+    <dgm:cxn modelId="{431C5B42-0FF2-44D2-8106-13869B294E23}" srcId="{65841F4C-6CB6-426D-B4B2-6657EB3000E2}" destId="{31DE10A4-C799-40EA-85D7-288D77CFE688}" srcOrd="0" destOrd="0" parTransId="{98A31B4A-5D60-4C1F-B6CF-D09382216539}" sibTransId="{89E0DCE8-E1BF-489B-AF70-591524DFF6BA}"/>
+    <dgm:cxn modelId="{DE062020-5E6D-4BBE-9040-DC15C49B9644}" type="presOf" srcId="{B6288387-6B58-4DE8-982B-0286BC8217D3}" destId="{675C22CC-AAAF-4F05-ABDC-9270F130530A}" srcOrd="0" destOrd="0" presId="urn:microsoft.com/office/officeart/2005/8/layout/hChevron3"/>
+    <dgm:cxn modelId="{A898D2C6-3959-4340-B48A-7B2AE68E4B38}" type="presOf" srcId="{261A2205-DAD7-4C06-A4C0-2F385C48C183}" destId="{BFCD55AC-43B3-4C2E-8343-9B09272AD94A}" srcOrd="0" destOrd="0" presId="urn:microsoft.com/office/officeart/2005/8/layout/hChevron3"/>
     <dgm:cxn modelId="{05633F94-0BAF-4BE2-9447-19F58B9E74E8}" srcId="{65841F4C-6CB6-426D-B4B2-6657EB3000E2}" destId="{261A2205-DAD7-4C06-A4C0-2F385C48C183}" srcOrd="3" destOrd="0" parTransId="{8A6A5D3A-C3B6-437B-B962-33840CE49E96}" sibTransId="{01C4F82B-8527-4639-BBA9-9C3A8D4B4921}"/>
+    <dgm:cxn modelId="{CE8149C2-140B-449E-B7EA-A6DF669B953B}" type="presOf" srcId="{65841F4C-6CB6-426D-B4B2-6657EB3000E2}" destId="{5036A26A-BEED-4B16-8504-9C956ED1DF05}" srcOrd="0" destOrd="0" presId="urn:microsoft.com/office/officeart/2005/8/layout/hChevron3"/>
     <dgm:cxn modelId="{B90F5524-6EE6-45D4-BBDE-78509A1F4FB8}" srcId="{65841F4C-6CB6-426D-B4B2-6657EB3000E2}" destId="{778B5332-BDF8-430B-9CC4-7957ADA108DE}" srcOrd="1" destOrd="0" parTransId="{BE8978AC-16BF-43FF-B23F-60281A55833A}" sibTransId="{F2250A05-669C-4569-B7F7-C6087EFA7C9D}"/>
-    <dgm:cxn modelId="{2579814F-CD3B-4655-B028-EAEA0C0C0DA3}" srcId="{65841F4C-6CB6-426D-B4B2-6657EB3000E2}" destId="{B6288387-6B58-4DE8-982B-0286BC8217D3}" srcOrd="2" destOrd="0" parTransId="{34613E7A-BE7B-411B-BB31-561FED02F3BC}" sibTransId="{2DD80795-75A3-4810-80D2-8DD2A28C2D5F}"/>
-    <dgm:cxn modelId="{CE8149C2-140B-449E-B7EA-A6DF669B953B}" type="presOf" srcId="{65841F4C-6CB6-426D-B4B2-6657EB3000E2}" destId="{5036A26A-BEED-4B16-8504-9C956ED1DF05}" srcOrd="0" destOrd="0" presId="urn:microsoft.com/office/officeart/2005/8/layout/hChevron3"/>
-    <dgm:cxn modelId="{A898D2C6-3959-4340-B48A-7B2AE68E4B38}" type="presOf" srcId="{261A2205-DAD7-4C06-A4C0-2F385C48C183}" destId="{BFCD55AC-43B3-4C2E-8343-9B09272AD94A}" srcOrd="0" destOrd="0" presId="urn:microsoft.com/office/officeart/2005/8/layout/hChevron3"/>
     <dgm:cxn modelId="{129E8FE0-1A90-4565-ABAF-BF20C95674C8}" type="presOf" srcId="{778B5332-BDF8-430B-9CC4-7957ADA108DE}" destId="{B8FAA12B-1DF1-4FB5-BC84-2C51119C9417}" srcOrd="0" destOrd="0" presId="urn:microsoft.com/office/officeart/2005/8/layout/hChevron3"/>
-    <dgm:cxn modelId="{DE062020-5E6D-4BBE-9040-DC15C49B9644}" type="presOf" srcId="{B6288387-6B58-4DE8-982B-0286BC8217D3}" destId="{675C22CC-AAAF-4F05-ABDC-9270F130530A}" srcOrd="0" destOrd="0" presId="urn:microsoft.com/office/officeart/2005/8/layout/hChevron3"/>
-    <dgm:cxn modelId="{5CCFAF5B-CA1B-4E1B-BED2-254F550D4854}" type="presOf" srcId="{31DE10A4-C799-40EA-85D7-288D77CFE688}" destId="{65C8D83B-D3EA-4639-8A32-786F71A9A4DF}" srcOrd="0" destOrd="0" presId="urn:microsoft.com/office/officeart/2005/8/layout/hChevron3"/>
-    <dgm:cxn modelId="{431C5B42-0FF2-44D2-8106-13869B294E23}" srcId="{65841F4C-6CB6-426D-B4B2-6657EB3000E2}" destId="{31DE10A4-C799-40EA-85D7-288D77CFE688}" srcOrd="0" destOrd="0" parTransId="{98A31B4A-5D60-4C1F-B6CF-D09382216539}" sibTransId="{89E0DCE8-E1BF-489B-AF70-591524DFF6BA}"/>
     <dgm:cxn modelId="{B235551B-F881-4D57-9F82-46557B412C35}" type="presParOf" srcId="{5036A26A-BEED-4B16-8504-9C956ED1DF05}" destId="{65C8D83B-D3EA-4639-8A32-786F71A9A4DF}" srcOrd="0" destOrd="0" presId="urn:microsoft.com/office/officeart/2005/8/layout/hChevron3"/>
     <dgm:cxn modelId="{93FFA467-8403-40AA-BBC4-436D8E2365BC}" type="presParOf" srcId="{5036A26A-BEED-4B16-8504-9C956ED1DF05}" destId="{AC7CE65C-AFA7-4D56-A5EF-3A46B0E9D743}" srcOrd="1" destOrd="0" presId="urn:microsoft.com/office/officeart/2005/8/layout/hChevron3"/>
     <dgm:cxn modelId="{83B979AE-D3FC-448C-B64B-DBCCE7E8991C}" type="presParOf" srcId="{5036A26A-BEED-4B16-8504-9C956ED1DF05}" destId="{B8FAA12B-1DF1-4FB5-BC84-2C51119C9417}" srcOrd="2" destOrd="0" presId="urn:microsoft.com/office/officeart/2005/8/layout/hChevron3"/>
@@ -4501,6 +4540,13 @@
     <dgm:pt modelId="{66C934CE-B9CA-4197-8FC0-9EA3DDB4EE42}" type="pres">
       <dgm:prSet presAssocID="{5E02E3AB-CB39-43E7-85E9-D37242C55776}" presName="sibTrans" presStyleLbl="sibTrans2D1" presStyleIdx="0" presStyleCnt="3"/>
       <dgm:spPr/>
+      <dgm:t>
+        <a:bodyPr/>
+        <a:lstStyle/>
+        <a:p>
+          <a:endParaRPr lang="ru-RU"/>
+        </a:p>
+      </dgm:t>
     </dgm:pt>
     <dgm:pt modelId="{5BCDE626-F66C-4558-B8FC-40CC2EE7A11D}" type="pres">
       <dgm:prSet presAssocID="{5E02E3AB-CB39-43E7-85E9-D37242C55776}" presName="spacerB" presStyleCnt="0"/>
@@ -4513,6 +4559,13 @@
         </dgm:presLayoutVars>
       </dgm:prSet>
       <dgm:spPr/>
+      <dgm:t>
+        <a:bodyPr/>
+        <a:lstStyle/>
+        <a:p>
+          <a:endParaRPr lang="ru-RU"/>
+        </a:p>
+      </dgm:t>
     </dgm:pt>
     <dgm:pt modelId="{8F937C6E-D0B7-43E7-B4F8-8C479B3B55E8}" type="pres">
       <dgm:prSet presAssocID="{CF20C69B-DA64-4915-8C58-090C103802D0}" presName="spacerT" presStyleCnt="0"/>
@@ -4521,6 +4574,13 @@
     <dgm:pt modelId="{48525D7E-D006-47E3-BA1F-E2D41B4498F9}" type="pres">
       <dgm:prSet presAssocID="{CF20C69B-DA64-4915-8C58-090C103802D0}" presName="sibTrans" presStyleLbl="sibTrans2D1" presStyleIdx="1" presStyleCnt="3"/>
       <dgm:spPr/>
+      <dgm:t>
+        <a:bodyPr/>
+        <a:lstStyle/>
+        <a:p>
+          <a:endParaRPr lang="ru-RU"/>
+        </a:p>
+      </dgm:t>
     </dgm:pt>
     <dgm:pt modelId="{758F8F8B-B4EA-4B97-A698-FBC9DA1243C2}" type="pres">
       <dgm:prSet presAssocID="{CF20C69B-DA64-4915-8C58-090C103802D0}" presName="spacerB" presStyleCnt="0"/>
@@ -4533,14 +4593,35 @@
         </dgm:presLayoutVars>
       </dgm:prSet>
       <dgm:spPr/>
+      <dgm:t>
+        <a:bodyPr/>
+        <a:lstStyle/>
+        <a:p>
+          <a:endParaRPr lang="ru-RU"/>
+        </a:p>
+      </dgm:t>
     </dgm:pt>
     <dgm:pt modelId="{AB4F43DD-DD56-4085-A4FD-32D308BB5986}" type="pres">
       <dgm:prSet presAssocID="{42CC372A-EA18-4709-A76C-BAEE1FA22F2A}" presName="sibTransLast" presStyleLbl="sibTrans2D1" presStyleIdx="2" presStyleCnt="3"/>
       <dgm:spPr/>
+      <dgm:t>
+        <a:bodyPr/>
+        <a:lstStyle/>
+        <a:p>
+          <a:endParaRPr lang="ru-RU"/>
+        </a:p>
+      </dgm:t>
     </dgm:pt>
     <dgm:pt modelId="{DE8D7D8D-DFD5-4506-98E5-91F1F587A046}" type="pres">
       <dgm:prSet presAssocID="{42CC372A-EA18-4709-A76C-BAEE1FA22F2A}" presName="connectorText" presStyleLbl="sibTrans2D1" presStyleIdx="2" presStyleCnt="3"/>
       <dgm:spPr/>
+      <dgm:t>
+        <a:bodyPr/>
+        <a:lstStyle/>
+        <a:p>
+          <a:endParaRPr lang="ru-RU"/>
+        </a:p>
+      </dgm:t>
     </dgm:pt>
     <dgm:pt modelId="{0E3F3EF8-E410-446C-9C06-5329ABF58990}" type="pres">
       <dgm:prSet presAssocID="{42CC372A-EA18-4709-A76C-BAEE1FA22F2A}" presName="lastNode" presStyleLbl="node1" presStyleIdx="3" presStyleCnt="4">
@@ -5355,808 +5436,6 @@
       <dsp:cNvGrpSpPr/>
     </dsp:nvGrpSpPr>
     <dsp:grpSpPr/>
-    <dsp:sp modelId="{DD529D1C-308A-4C1C-AB31-023FE156B311}">
-      <dsp:nvSpPr>
-        <dsp:cNvPr id="0" name=""/>
-        <dsp:cNvSpPr/>
-      </dsp:nvSpPr>
-      <dsp:spPr>
-        <a:xfrm>
-          <a:off x="0" y="964576"/>
-          <a:ext cx="2311191" cy="2311191"/>
-        </a:xfrm>
-        <a:prstGeom prst="ellipse">
-          <a:avLst/>
-        </a:prstGeom>
-        <a:solidFill>
-          <a:schemeClr val="accent2">
-            <a:lumMod val="50000"/>
-          </a:schemeClr>
-        </a:solidFill>
-        <a:ln w="15875" cap="rnd" cmpd="sng" algn="ctr">
-          <a:solidFill>
-            <a:schemeClr val="lt1">
-              <a:hueOff val="0"/>
-              <a:satOff val="0"/>
-              <a:lumOff val="0"/>
-              <a:alphaOff val="0"/>
-            </a:schemeClr>
-          </a:solidFill>
-          <a:prstDash val="solid"/>
-        </a:ln>
-        <a:effectLst/>
-      </dsp:spPr>
-      <dsp:style>
-        <a:lnRef idx="2">
-          <a:scrgbClr r="0" g="0" b="0"/>
-        </a:lnRef>
-        <a:fillRef idx="1">
-          <a:scrgbClr r="0" g="0" b="0"/>
-        </a:fillRef>
-        <a:effectRef idx="0">
-          <a:scrgbClr r="0" g="0" b="0"/>
-        </a:effectRef>
-        <a:fontRef idx="minor">
-          <a:schemeClr val="lt1"/>
-        </a:fontRef>
-      </dsp:style>
-    </dsp:sp>
-    <dsp:sp modelId="{A375DEC3-1766-4ED4-AE66-B215F0A25038}">
-      <dsp:nvSpPr>
-        <dsp:cNvPr id="0" name=""/>
-        <dsp:cNvSpPr/>
-      </dsp:nvSpPr>
-      <dsp:spPr>
-        <a:xfrm>
-          <a:off x="330307" y="1294884"/>
-          <a:ext cx="1650576" cy="1650576"/>
-        </a:xfrm>
-        <a:prstGeom prst="ellipse">
-          <a:avLst/>
-        </a:prstGeom>
-        <a:solidFill>
-          <a:srgbClr val="0070C0"/>
-        </a:solidFill>
-        <a:ln w="15875" cap="rnd" cmpd="sng" algn="ctr">
-          <a:solidFill>
-            <a:schemeClr val="lt1">
-              <a:hueOff val="0"/>
-              <a:satOff val="0"/>
-              <a:lumOff val="0"/>
-              <a:alphaOff val="0"/>
-            </a:schemeClr>
-          </a:solidFill>
-          <a:prstDash val="solid"/>
-        </a:ln>
-        <a:effectLst/>
-      </dsp:spPr>
-      <dsp:style>
-        <a:lnRef idx="2">
-          <a:scrgbClr r="0" g="0" b="0"/>
-        </a:lnRef>
-        <a:fillRef idx="1">
-          <a:scrgbClr r="0" g="0" b="0"/>
-        </a:fillRef>
-        <a:effectRef idx="0">
-          <a:scrgbClr r="0" g="0" b="0"/>
-        </a:effectRef>
-        <a:fontRef idx="minor">
-          <a:schemeClr val="lt1"/>
-        </a:fontRef>
-      </dsp:style>
-    </dsp:sp>
-    <dsp:sp modelId="{871EA9BD-8F46-4E5F-9C79-F143C65ED6B8}">
-      <dsp:nvSpPr>
-        <dsp:cNvPr id="0" name=""/>
-        <dsp:cNvSpPr/>
-      </dsp:nvSpPr>
-      <dsp:spPr>
-        <a:xfrm>
-          <a:off x="660422" y="1624999"/>
-          <a:ext cx="990345" cy="990345"/>
-        </a:xfrm>
-        <a:prstGeom prst="ellipse">
-          <a:avLst/>
-        </a:prstGeom>
-        <a:solidFill>
-          <a:schemeClr val="accent4"/>
-        </a:solidFill>
-        <a:ln w="15875" cap="rnd" cmpd="sng" algn="ctr">
-          <a:solidFill>
-            <a:schemeClr val="lt1">
-              <a:hueOff val="0"/>
-              <a:satOff val="0"/>
-              <a:lumOff val="0"/>
-              <a:alphaOff val="0"/>
-            </a:schemeClr>
-          </a:solidFill>
-          <a:prstDash val="solid"/>
-        </a:ln>
-        <a:effectLst/>
-      </dsp:spPr>
-      <dsp:style>
-        <a:lnRef idx="2">
-          <a:scrgbClr r="0" g="0" b="0"/>
-        </a:lnRef>
-        <a:fillRef idx="1">
-          <a:scrgbClr r="0" g="0" b="0"/>
-        </a:fillRef>
-        <a:effectRef idx="0">
-          <a:scrgbClr r="0" g="0" b="0"/>
-        </a:effectRef>
-        <a:fontRef idx="minor">
-          <a:schemeClr val="lt1"/>
-        </a:fontRef>
-      </dsp:style>
-    </dsp:sp>
-    <dsp:sp modelId="{450E683A-0A2B-4525-A542-80025EEBFB0E}">
-      <dsp:nvSpPr>
-        <dsp:cNvPr id="0" name=""/>
-        <dsp:cNvSpPr/>
-      </dsp:nvSpPr>
-      <dsp:spPr>
-        <a:xfrm>
-          <a:off x="990538" y="1955114"/>
-          <a:ext cx="330115" cy="330115"/>
-        </a:xfrm>
-        <a:prstGeom prst="ellipse">
-          <a:avLst/>
-        </a:prstGeom>
-        <a:solidFill>
-          <a:srgbClr val="FFFF00"/>
-        </a:solidFill>
-        <a:ln w="15875" cap="rnd" cmpd="sng" algn="ctr">
-          <a:solidFill>
-            <a:schemeClr val="lt1">
-              <a:hueOff val="0"/>
-              <a:satOff val="0"/>
-              <a:lumOff val="0"/>
-              <a:alphaOff val="0"/>
-            </a:schemeClr>
-          </a:solidFill>
-          <a:prstDash val="solid"/>
-        </a:ln>
-        <a:effectLst/>
-      </dsp:spPr>
-      <dsp:style>
-        <a:lnRef idx="2">
-          <a:scrgbClr r="0" g="0" b="0"/>
-        </a:lnRef>
-        <a:fillRef idx="1">
-          <a:scrgbClr r="0" g="0" b="0"/>
-        </a:fillRef>
-        <a:effectRef idx="0">
-          <a:scrgbClr r="0" g="0" b="0"/>
-        </a:effectRef>
-        <a:fontRef idx="minor">
-          <a:schemeClr val="lt1"/>
-        </a:fontRef>
-      </dsp:style>
-    </dsp:sp>
-    <dsp:sp modelId="{FE20CCA5-B8E5-4226-A4EB-0A0723D51230}">
-      <dsp:nvSpPr>
-        <dsp:cNvPr id="0" name=""/>
-        <dsp:cNvSpPr/>
-      </dsp:nvSpPr>
-      <dsp:spPr>
-        <a:xfrm>
-          <a:off x="2696390" y="194179"/>
-          <a:ext cx="1155595" cy="552759"/>
-        </a:xfrm>
-        <a:prstGeom prst="rect">
-          <a:avLst/>
-        </a:prstGeom>
-        <a:noFill/>
-        <a:ln>
-          <a:noFill/>
-        </a:ln>
-        <a:effectLst/>
-      </dsp:spPr>
-      <dsp:style>
-        <a:lnRef idx="0">
-          <a:scrgbClr r="0" g="0" b="0"/>
-        </a:lnRef>
-        <a:fillRef idx="0">
-          <a:scrgbClr r="0" g="0" b="0"/>
-        </a:fillRef>
-        <a:effectRef idx="0">
-          <a:scrgbClr r="0" g="0" b="0"/>
-        </a:effectRef>
-        <a:fontRef idx="minor"/>
-      </dsp:style>
-      <dsp:txBody>
-        <a:bodyPr spcFirstLastPara="0" vert="horz" wrap="square" lIns="106680" tIns="19050" rIns="19050" bIns="19050" numCol="1" spcCol="1270" anchor="ctr" anchorCtr="0">
-          <a:noAutofit/>
-        </a:bodyPr>
-        <a:lstStyle/>
-        <a:p>
-          <a:pPr lvl="0" algn="l" defTabSz="666750">
-            <a:lnSpc>
-              <a:spcPct val="90000"/>
-            </a:lnSpc>
-            <a:spcBef>
-              <a:spcPct val="0"/>
-            </a:spcBef>
-            <a:spcAft>
-              <a:spcPct val="35000"/>
-            </a:spcAft>
-          </a:pPr>
-          <a:r>
-            <a:rPr lang="ru-RU" sz="1500" kern="1200" dirty="0" smtClean="0"/>
-            <a:t>Клиент</a:t>
-          </a:r>
-          <a:endParaRPr lang="ru-RU" sz="1500" kern="1200" dirty="0"/>
-        </a:p>
-      </dsp:txBody>
-      <dsp:txXfrm>
-        <a:off x="2696390" y="194179"/>
-        <a:ext cx="1155595" cy="552759"/>
-      </dsp:txXfrm>
-    </dsp:sp>
-    <dsp:sp modelId="{3E7C733D-2475-402B-A4F8-539FDE9ABF80}">
-      <dsp:nvSpPr>
-        <dsp:cNvPr id="0" name=""/>
-        <dsp:cNvSpPr/>
-      </dsp:nvSpPr>
-      <dsp:spPr>
-        <a:xfrm>
-          <a:off x="2407491" y="470559"/>
-          <a:ext cx="288898" cy="0"/>
-        </a:xfrm>
-        <a:prstGeom prst="line">
-          <a:avLst/>
-        </a:prstGeom>
-        <a:solidFill>
-          <a:schemeClr val="accent1">
-            <a:hueOff val="0"/>
-            <a:satOff val="0"/>
-            <a:lumOff val="0"/>
-            <a:alphaOff val="0"/>
-          </a:schemeClr>
-        </a:solidFill>
-        <a:ln w="15875" cap="rnd" cmpd="sng" algn="ctr">
-          <a:solidFill>
-            <a:schemeClr val="accent1">
-              <a:tint val="50000"/>
-              <a:hueOff val="0"/>
-              <a:satOff val="0"/>
-              <a:lumOff val="0"/>
-              <a:alphaOff val="0"/>
-            </a:schemeClr>
-          </a:solidFill>
-          <a:prstDash val="solid"/>
-        </a:ln>
-        <a:effectLst/>
-      </dsp:spPr>
-      <dsp:style>
-        <a:lnRef idx="2">
-          <a:scrgbClr r="0" g="0" b="0"/>
-        </a:lnRef>
-        <a:fillRef idx="1">
-          <a:scrgbClr r="0" g="0" b="0"/>
-        </a:fillRef>
-        <a:effectRef idx="0">
-          <a:scrgbClr r="0" g="0" b="0"/>
-        </a:effectRef>
-        <a:fontRef idx="minor"/>
-      </dsp:style>
-    </dsp:sp>
-    <dsp:sp modelId="{DD70077E-954B-4F45-ABEB-69805EE06D07}">
-      <dsp:nvSpPr>
-        <dsp:cNvPr id="0" name=""/>
-        <dsp:cNvSpPr/>
-      </dsp:nvSpPr>
-      <dsp:spPr>
-        <a:xfrm rot="5400000">
-          <a:off x="955292" y="652565"/>
-          <a:ext cx="1633242" cy="1271155"/>
-        </a:xfrm>
-        <a:prstGeom prst="line">
-          <a:avLst/>
-        </a:prstGeom>
-        <a:solidFill>
-          <a:schemeClr val="accent1">
-            <a:hueOff val="0"/>
-            <a:satOff val="0"/>
-            <a:lumOff val="0"/>
-            <a:alphaOff val="0"/>
-          </a:schemeClr>
-        </a:solidFill>
-        <a:ln w="15875" cap="rnd" cmpd="sng" algn="ctr">
-          <a:solidFill>
-            <a:schemeClr val="accent1">
-              <a:tint val="50000"/>
-              <a:hueOff val="0"/>
-              <a:satOff val="0"/>
-              <a:lumOff val="0"/>
-              <a:alphaOff val="0"/>
-            </a:schemeClr>
-          </a:solidFill>
-          <a:prstDash val="solid"/>
-        </a:ln>
-        <a:effectLst/>
-      </dsp:spPr>
-      <dsp:style>
-        <a:lnRef idx="2">
-          <a:scrgbClr r="0" g="0" b="0"/>
-        </a:lnRef>
-        <a:fillRef idx="1">
-          <a:scrgbClr r="0" g="0" b="0"/>
-        </a:fillRef>
-        <a:effectRef idx="0">
-          <a:scrgbClr r="0" g="0" b="0"/>
-        </a:effectRef>
-        <a:fontRef idx="minor"/>
-      </dsp:style>
-    </dsp:sp>
-    <dsp:sp modelId="{3674DEE0-5A49-456E-AD47-01715C42BD64}">
-      <dsp:nvSpPr>
-        <dsp:cNvPr id="0" name=""/>
-        <dsp:cNvSpPr/>
-      </dsp:nvSpPr>
-      <dsp:spPr>
-        <a:xfrm>
-          <a:off x="2696390" y="746939"/>
-          <a:ext cx="1155595" cy="552759"/>
-        </a:xfrm>
-        <a:prstGeom prst="rect">
-          <a:avLst/>
-        </a:prstGeom>
-        <a:noFill/>
-        <a:ln>
-          <a:noFill/>
-        </a:ln>
-        <a:effectLst/>
-      </dsp:spPr>
-      <dsp:style>
-        <a:lnRef idx="0">
-          <a:scrgbClr r="0" g="0" b="0"/>
-        </a:lnRef>
-        <a:fillRef idx="0">
-          <a:scrgbClr r="0" g="0" b="0"/>
-        </a:fillRef>
-        <a:effectRef idx="0">
-          <a:scrgbClr r="0" g="0" b="0"/>
-        </a:effectRef>
-        <a:fontRef idx="minor"/>
-      </dsp:style>
-      <dsp:txBody>
-        <a:bodyPr spcFirstLastPara="0" vert="horz" wrap="square" lIns="106680" tIns="19050" rIns="19050" bIns="19050" numCol="1" spcCol="1270" anchor="ctr" anchorCtr="0">
-          <a:noAutofit/>
-        </a:bodyPr>
-        <a:lstStyle/>
-        <a:p>
-          <a:pPr lvl="0" algn="l" defTabSz="666750">
-            <a:lnSpc>
-              <a:spcPct val="90000"/>
-            </a:lnSpc>
-            <a:spcBef>
-              <a:spcPct val="0"/>
-            </a:spcBef>
-            <a:spcAft>
-              <a:spcPct val="35000"/>
-            </a:spcAft>
-          </a:pPr>
-          <a:r>
-            <a:rPr lang="ru-RU" sz="1500" kern="1200" dirty="0" smtClean="0"/>
-            <a:t>Продажи</a:t>
-          </a:r>
-          <a:endParaRPr lang="ru-RU" sz="1500" kern="1200" dirty="0"/>
-        </a:p>
-      </dsp:txBody>
-      <dsp:txXfrm>
-        <a:off x="2696390" y="746939"/>
-        <a:ext cx="1155595" cy="552759"/>
-      </dsp:txXfrm>
-    </dsp:sp>
-    <dsp:sp modelId="{1A7EBBCB-953E-4304-92FF-3E48CB0BD29F}">
-      <dsp:nvSpPr>
-        <dsp:cNvPr id="0" name=""/>
-        <dsp:cNvSpPr/>
-      </dsp:nvSpPr>
-      <dsp:spPr>
-        <a:xfrm>
-          <a:off x="2407491" y="1023319"/>
-          <a:ext cx="288898" cy="0"/>
-        </a:xfrm>
-        <a:prstGeom prst="line">
-          <a:avLst/>
-        </a:prstGeom>
-        <a:solidFill>
-          <a:schemeClr val="accent1">
-            <a:hueOff val="0"/>
-            <a:satOff val="0"/>
-            <a:lumOff val="0"/>
-            <a:alphaOff val="0"/>
-          </a:schemeClr>
-        </a:solidFill>
-        <a:ln w="15875" cap="rnd" cmpd="sng" algn="ctr">
-          <a:solidFill>
-            <a:schemeClr val="accent1">
-              <a:tint val="50000"/>
-              <a:hueOff val="0"/>
-              <a:satOff val="0"/>
-              <a:lumOff val="0"/>
-              <a:alphaOff val="0"/>
-            </a:schemeClr>
-          </a:solidFill>
-          <a:prstDash val="solid"/>
-        </a:ln>
-        <a:effectLst/>
-      </dsp:spPr>
-      <dsp:style>
-        <a:lnRef idx="2">
-          <a:scrgbClr r="0" g="0" b="0"/>
-        </a:lnRef>
-        <a:fillRef idx="1">
-          <a:scrgbClr r="0" g="0" b="0"/>
-        </a:fillRef>
-        <a:effectRef idx="0">
-          <a:scrgbClr r="0" g="0" b="0"/>
-        </a:effectRef>
-        <a:fontRef idx="minor"/>
-      </dsp:style>
-    </dsp:sp>
-    <dsp:sp modelId="{1A4D85C7-C7BD-4261-97F0-E6E3B0AD7C5E}">
-      <dsp:nvSpPr>
-        <dsp:cNvPr id="0" name=""/>
-        <dsp:cNvSpPr/>
-      </dsp:nvSpPr>
-      <dsp:spPr>
-        <a:xfrm rot="5400000">
-          <a:off x="1238028" y="1196273"/>
-          <a:ext cx="1341261" cy="995738"/>
-        </a:xfrm>
-        <a:prstGeom prst="line">
-          <a:avLst/>
-        </a:prstGeom>
-        <a:solidFill>
-          <a:schemeClr val="accent1">
-            <a:hueOff val="0"/>
-            <a:satOff val="0"/>
-            <a:lumOff val="0"/>
-            <a:alphaOff val="0"/>
-          </a:schemeClr>
-        </a:solidFill>
-        <a:ln w="15875" cap="rnd" cmpd="sng" algn="ctr">
-          <a:solidFill>
-            <a:schemeClr val="accent1">
-              <a:tint val="50000"/>
-              <a:hueOff val="0"/>
-              <a:satOff val="0"/>
-              <a:lumOff val="0"/>
-              <a:alphaOff val="0"/>
-            </a:schemeClr>
-          </a:solidFill>
-          <a:prstDash val="solid"/>
-        </a:ln>
-        <a:effectLst/>
-      </dsp:spPr>
-      <dsp:style>
-        <a:lnRef idx="2">
-          <a:scrgbClr r="0" g="0" b="0"/>
-        </a:lnRef>
-        <a:fillRef idx="1">
-          <a:scrgbClr r="0" g="0" b="0"/>
-        </a:fillRef>
-        <a:effectRef idx="0">
-          <a:scrgbClr r="0" g="0" b="0"/>
-        </a:effectRef>
-        <a:fontRef idx="minor"/>
-      </dsp:style>
-    </dsp:sp>
-    <dsp:sp modelId="{17451792-6453-4988-B7E4-C2B954753467}">
-      <dsp:nvSpPr>
-        <dsp:cNvPr id="0" name=""/>
-        <dsp:cNvSpPr/>
-      </dsp:nvSpPr>
-      <dsp:spPr>
-        <a:xfrm>
-          <a:off x="2696390" y="1299699"/>
-          <a:ext cx="1155595" cy="552759"/>
-        </a:xfrm>
-        <a:prstGeom prst="rect">
-          <a:avLst/>
-        </a:prstGeom>
-        <a:noFill/>
-        <a:ln>
-          <a:noFill/>
-        </a:ln>
-        <a:effectLst/>
-      </dsp:spPr>
-      <dsp:style>
-        <a:lnRef idx="0">
-          <a:scrgbClr r="0" g="0" b="0"/>
-        </a:lnRef>
-        <a:fillRef idx="0">
-          <a:scrgbClr r="0" g="0" b="0"/>
-        </a:fillRef>
-        <a:effectRef idx="0">
-          <a:scrgbClr r="0" g="0" b="0"/>
-        </a:effectRef>
-        <a:fontRef idx="minor"/>
-      </dsp:style>
-      <dsp:txBody>
-        <a:bodyPr spcFirstLastPara="0" vert="horz" wrap="square" lIns="106680" tIns="19050" rIns="19050" bIns="19050" numCol="1" spcCol="1270" anchor="ctr" anchorCtr="0">
-          <a:noAutofit/>
-        </a:bodyPr>
-        <a:lstStyle/>
-        <a:p>
-          <a:pPr lvl="0" algn="l" defTabSz="666750">
-            <a:lnSpc>
-              <a:spcPct val="90000"/>
-            </a:lnSpc>
-            <a:spcBef>
-              <a:spcPct val="0"/>
-            </a:spcBef>
-            <a:spcAft>
-              <a:spcPct val="35000"/>
-            </a:spcAft>
-          </a:pPr>
-          <a:r>
-            <a:rPr lang="ru-RU" sz="1500" kern="1200" dirty="0" smtClean="0"/>
-            <a:t>Анализ </a:t>
-          </a:r>
-          <a:endParaRPr lang="ru-RU" sz="1500" kern="1200" dirty="0"/>
-        </a:p>
-      </dsp:txBody>
-      <dsp:txXfrm>
-        <a:off x="2696390" y="1299699"/>
-        <a:ext cx="1155595" cy="552759"/>
-      </dsp:txXfrm>
-    </dsp:sp>
-    <dsp:sp modelId="{A7766914-FFDF-4D2D-9A3C-86EFB2BE44CC}">
-      <dsp:nvSpPr>
-        <dsp:cNvPr id="0" name=""/>
-        <dsp:cNvSpPr/>
-      </dsp:nvSpPr>
-      <dsp:spPr>
-        <a:xfrm>
-          <a:off x="2407491" y="1576079"/>
-          <a:ext cx="288898" cy="0"/>
-        </a:xfrm>
-        <a:prstGeom prst="line">
-          <a:avLst/>
-        </a:prstGeom>
-        <a:solidFill>
-          <a:schemeClr val="accent1">
-            <a:hueOff val="0"/>
-            <a:satOff val="0"/>
-            <a:lumOff val="0"/>
-            <a:alphaOff val="0"/>
-          </a:schemeClr>
-        </a:solidFill>
-        <a:ln w="15875" cap="rnd" cmpd="sng" algn="ctr">
-          <a:solidFill>
-            <a:schemeClr val="accent1">
-              <a:tint val="50000"/>
-              <a:hueOff val="0"/>
-              <a:satOff val="0"/>
-              <a:lumOff val="0"/>
-              <a:alphaOff val="0"/>
-            </a:schemeClr>
-          </a:solidFill>
-          <a:prstDash val="solid"/>
-        </a:ln>
-        <a:effectLst/>
-      </dsp:spPr>
-      <dsp:style>
-        <a:lnRef idx="2">
-          <a:scrgbClr r="0" g="0" b="0"/>
-        </a:lnRef>
-        <a:fillRef idx="1">
-          <a:scrgbClr r="0" g="0" b="0"/>
-        </a:fillRef>
-        <a:effectRef idx="0">
-          <a:scrgbClr r="0" g="0" b="0"/>
-        </a:effectRef>
-        <a:fontRef idx="minor"/>
-      </dsp:style>
-    </dsp:sp>
-    <dsp:sp modelId="{C421E15E-D1FA-4816-B95B-CAAB921165DA}">
-      <dsp:nvSpPr>
-        <dsp:cNvPr id="0" name=""/>
-        <dsp:cNvSpPr/>
-      </dsp:nvSpPr>
-      <dsp:spPr>
-        <a:xfrm rot="5400000">
-          <a:off x="1511711" y="1703002"/>
-          <a:ext cx="1023087" cy="768471"/>
-        </a:xfrm>
-        <a:prstGeom prst="line">
-          <a:avLst/>
-        </a:prstGeom>
-        <a:solidFill>
-          <a:schemeClr val="accent1">
-            <a:hueOff val="0"/>
-            <a:satOff val="0"/>
-            <a:lumOff val="0"/>
-            <a:alphaOff val="0"/>
-          </a:schemeClr>
-        </a:solidFill>
-        <a:ln w="15875" cap="rnd" cmpd="sng" algn="ctr">
-          <a:solidFill>
-            <a:schemeClr val="accent1">
-              <a:tint val="50000"/>
-              <a:hueOff val="0"/>
-              <a:satOff val="0"/>
-              <a:lumOff val="0"/>
-              <a:alphaOff val="0"/>
-            </a:schemeClr>
-          </a:solidFill>
-          <a:prstDash val="solid"/>
-        </a:ln>
-        <a:effectLst/>
-      </dsp:spPr>
-      <dsp:style>
-        <a:lnRef idx="2">
-          <a:scrgbClr r="0" g="0" b="0"/>
-        </a:lnRef>
-        <a:fillRef idx="1">
-          <a:scrgbClr r="0" g="0" b="0"/>
-        </a:fillRef>
-        <a:effectRef idx="0">
-          <a:scrgbClr r="0" g="0" b="0"/>
-        </a:effectRef>
-        <a:fontRef idx="minor"/>
-      </dsp:style>
-    </dsp:sp>
-    <dsp:sp modelId="{9094CCCD-7E10-45C2-AC14-CD4E7B7A8276}">
-      <dsp:nvSpPr>
-        <dsp:cNvPr id="0" name=""/>
-        <dsp:cNvSpPr/>
-      </dsp:nvSpPr>
-      <dsp:spPr>
-        <a:xfrm>
-          <a:off x="2696390" y="1852459"/>
-          <a:ext cx="1155595" cy="552759"/>
-        </a:xfrm>
-        <a:prstGeom prst="rect">
-          <a:avLst/>
-        </a:prstGeom>
-        <a:noFill/>
-        <a:ln>
-          <a:noFill/>
-        </a:ln>
-        <a:effectLst/>
-      </dsp:spPr>
-      <dsp:style>
-        <a:lnRef idx="0">
-          <a:scrgbClr r="0" g="0" b="0"/>
-        </a:lnRef>
-        <a:fillRef idx="0">
-          <a:scrgbClr r="0" g="0" b="0"/>
-        </a:fillRef>
-        <a:effectRef idx="0">
-          <a:scrgbClr r="0" g="0" b="0"/>
-        </a:effectRef>
-        <a:fontRef idx="minor"/>
-      </dsp:style>
-      <dsp:txBody>
-        <a:bodyPr spcFirstLastPara="0" vert="horz" wrap="square" lIns="106680" tIns="19050" rIns="19050" bIns="19050" numCol="1" spcCol="1270" anchor="ctr" anchorCtr="0">
-          <a:noAutofit/>
-        </a:bodyPr>
-        <a:lstStyle/>
-        <a:p>
-          <a:pPr lvl="0" algn="l" defTabSz="666750">
-            <a:lnSpc>
-              <a:spcPct val="90000"/>
-            </a:lnSpc>
-            <a:spcBef>
-              <a:spcPct val="0"/>
-            </a:spcBef>
-            <a:spcAft>
-              <a:spcPct val="35000"/>
-            </a:spcAft>
-          </a:pPr>
-          <a:r>
-            <a:rPr lang="ru-RU" sz="1500" kern="1200" dirty="0" smtClean="0"/>
-            <a:t>Управление</a:t>
-          </a:r>
-          <a:endParaRPr lang="ru-RU" sz="1500" kern="1200" dirty="0"/>
-        </a:p>
-      </dsp:txBody>
-      <dsp:txXfrm>
-        <a:off x="2696390" y="1852459"/>
-        <a:ext cx="1155595" cy="552759"/>
-      </dsp:txXfrm>
-    </dsp:sp>
-    <dsp:sp modelId="{379AA6D2-3528-496D-8A4B-4FD99D685D04}">
-      <dsp:nvSpPr>
-        <dsp:cNvPr id="0" name=""/>
-        <dsp:cNvSpPr/>
-      </dsp:nvSpPr>
-      <dsp:spPr>
-        <a:xfrm>
-          <a:off x="2407491" y="2128839"/>
-          <a:ext cx="288898" cy="0"/>
-        </a:xfrm>
-        <a:prstGeom prst="line">
-          <a:avLst/>
-        </a:prstGeom>
-        <a:solidFill>
-          <a:schemeClr val="accent1">
-            <a:hueOff val="0"/>
-            <a:satOff val="0"/>
-            <a:lumOff val="0"/>
-            <a:alphaOff val="0"/>
-          </a:schemeClr>
-        </a:solidFill>
-        <a:ln w="15875" cap="rnd" cmpd="sng" algn="ctr">
-          <a:solidFill>
-            <a:schemeClr val="accent1">
-              <a:tint val="50000"/>
-              <a:hueOff val="0"/>
-              <a:satOff val="0"/>
-              <a:lumOff val="0"/>
-              <a:alphaOff val="0"/>
-            </a:schemeClr>
-          </a:solidFill>
-          <a:prstDash val="solid"/>
-        </a:ln>
-        <a:effectLst/>
-      </dsp:spPr>
-      <dsp:style>
-        <a:lnRef idx="2">
-          <a:scrgbClr r="0" g="0" b="0"/>
-        </a:lnRef>
-        <a:fillRef idx="1">
-          <a:scrgbClr r="0" g="0" b="0"/>
-        </a:fillRef>
-        <a:effectRef idx="0">
-          <a:scrgbClr r="0" g="0" b="0"/>
-        </a:effectRef>
-        <a:fontRef idx="minor"/>
-      </dsp:style>
-    </dsp:sp>
-    <dsp:sp modelId="{31CC2B5A-0933-459F-981C-D2E0DD0D6E6E}">
-      <dsp:nvSpPr>
-        <dsp:cNvPr id="0" name=""/>
-        <dsp:cNvSpPr/>
-      </dsp:nvSpPr>
-      <dsp:spPr>
-        <a:xfrm rot="5400000">
-          <a:off x="1786050" y="2211734"/>
-          <a:ext cx="703218" cy="536966"/>
-        </a:xfrm>
-        <a:prstGeom prst="line">
-          <a:avLst/>
-        </a:prstGeom>
-        <a:solidFill>
-          <a:schemeClr val="accent1">
-            <a:hueOff val="0"/>
-            <a:satOff val="0"/>
-            <a:lumOff val="0"/>
-            <a:alphaOff val="0"/>
-          </a:schemeClr>
-        </a:solidFill>
-        <a:ln w="15875" cap="rnd" cmpd="sng" algn="ctr">
-          <a:solidFill>
-            <a:schemeClr val="accent1">
-              <a:tint val="50000"/>
-              <a:hueOff val="0"/>
-              <a:satOff val="0"/>
-              <a:lumOff val="0"/>
-              <a:alphaOff val="0"/>
-            </a:schemeClr>
-          </a:solidFill>
-          <a:prstDash val="solid"/>
-        </a:ln>
-        <a:effectLst/>
-      </dsp:spPr>
-      <dsp:style>
-        <a:lnRef idx="2">
-          <a:scrgbClr r="0" g="0" b="0"/>
-        </a:lnRef>
-        <a:fillRef idx="1">
-          <a:scrgbClr r="0" g="0" b="0"/>
-        </a:fillRef>
-        <a:effectRef idx="0">
-          <a:scrgbClr r="0" g="0" b="0"/>
-        </a:effectRef>
-        <a:fontRef idx="minor"/>
-      </dsp:style>
-    </dsp:sp>
   </dsp:spTree>
 </dsp:drawing>
 </file>
@@ -6169,322 +5448,6 @@
       <dsp:cNvGrpSpPr/>
     </dsp:nvGrpSpPr>
     <dsp:grpSpPr/>
-    <dsp:sp modelId="{65C8D83B-D3EA-4639-8A32-786F71A9A4DF}">
-      <dsp:nvSpPr>
-        <dsp:cNvPr id="0" name=""/>
-        <dsp:cNvSpPr/>
-      </dsp:nvSpPr>
-      <dsp:spPr>
-        <a:xfrm>
-          <a:off x="1937" y="585995"/>
-          <a:ext cx="1943929" cy="777571"/>
-        </a:xfrm>
-        <a:prstGeom prst="homePlate">
-          <a:avLst/>
-        </a:prstGeom>
-        <a:solidFill>
-          <a:schemeClr val="accent1">
-            <a:hueOff val="0"/>
-            <a:satOff val="0"/>
-            <a:lumOff val="0"/>
-            <a:alphaOff val="0"/>
-          </a:schemeClr>
-        </a:solidFill>
-        <a:ln w="15875" cap="rnd" cmpd="sng" algn="ctr">
-          <a:solidFill>
-            <a:schemeClr val="lt1">
-              <a:hueOff val="0"/>
-              <a:satOff val="0"/>
-              <a:lumOff val="0"/>
-              <a:alphaOff val="0"/>
-            </a:schemeClr>
-          </a:solidFill>
-          <a:prstDash val="solid"/>
-        </a:ln>
-        <a:effectLst/>
-      </dsp:spPr>
-      <dsp:style>
-        <a:lnRef idx="2">
-          <a:scrgbClr r="0" g="0" b="0"/>
-        </a:lnRef>
-        <a:fillRef idx="1">
-          <a:scrgbClr r="0" g="0" b="0"/>
-        </a:fillRef>
-        <a:effectRef idx="0">
-          <a:scrgbClr r="0" g="0" b="0"/>
-        </a:effectRef>
-        <a:fontRef idx="minor">
-          <a:schemeClr val="lt1"/>
-        </a:fontRef>
-      </dsp:style>
-      <dsp:txBody>
-        <a:bodyPr spcFirstLastPara="0" vert="horz" wrap="square" lIns="149352" tIns="74676" rIns="37338" bIns="74676" numCol="1" spcCol="1270" anchor="ctr" anchorCtr="0">
-          <a:noAutofit/>
-        </a:bodyPr>
-        <a:lstStyle/>
-        <a:p>
-          <a:pPr lvl="0" algn="ctr" defTabSz="1244600">
-            <a:lnSpc>
-              <a:spcPct val="90000"/>
-            </a:lnSpc>
-            <a:spcBef>
-              <a:spcPct val="0"/>
-            </a:spcBef>
-            <a:spcAft>
-              <a:spcPct val="35000"/>
-            </a:spcAft>
-          </a:pPr>
-          <a:r>
-            <a:rPr lang="ru-RU" sz="2800" kern="1200" dirty="0" smtClean="0"/>
-            <a:t>Этап 1</a:t>
-          </a:r>
-          <a:endParaRPr lang="ru-RU" sz="2800" kern="1200" dirty="0"/>
-        </a:p>
-      </dsp:txBody>
-      <dsp:txXfrm>
-        <a:off x="1937" y="585995"/>
-        <a:ext cx="1749536" cy="777571"/>
-      </dsp:txXfrm>
-    </dsp:sp>
-    <dsp:sp modelId="{B8FAA12B-1DF1-4FB5-BC84-2C51119C9417}">
-      <dsp:nvSpPr>
-        <dsp:cNvPr id="0" name=""/>
-        <dsp:cNvSpPr/>
-      </dsp:nvSpPr>
-      <dsp:spPr>
-        <a:xfrm>
-          <a:off x="1557081" y="585995"/>
-          <a:ext cx="1943929" cy="777571"/>
-        </a:xfrm>
-        <a:prstGeom prst="chevron">
-          <a:avLst/>
-        </a:prstGeom>
-        <a:solidFill>
-          <a:schemeClr val="accent1">
-            <a:hueOff val="0"/>
-            <a:satOff val="0"/>
-            <a:lumOff val="0"/>
-            <a:alphaOff val="0"/>
-          </a:schemeClr>
-        </a:solidFill>
-        <a:ln w="15875" cap="rnd" cmpd="sng" algn="ctr">
-          <a:solidFill>
-            <a:schemeClr val="lt1">
-              <a:hueOff val="0"/>
-              <a:satOff val="0"/>
-              <a:lumOff val="0"/>
-              <a:alphaOff val="0"/>
-            </a:schemeClr>
-          </a:solidFill>
-          <a:prstDash val="solid"/>
-        </a:ln>
-        <a:effectLst/>
-      </dsp:spPr>
-      <dsp:style>
-        <a:lnRef idx="2">
-          <a:scrgbClr r="0" g="0" b="0"/>
-        </a:lnRef>
-        <a:fillRef idx="1">
-          <a:scrgbClr r="0" g="0" b="0"/>
-        </a:fillRef>
-        <a:effectRef idx="0">
-          <a:scrgbClr r="0" g="0" b="0"/>
-        </a:effectRef>
-        <a:fontRef idx="minor">
-          <a:schemeClr val="lt1"/>
-        </a:fontRef>
-      </dsp:style>
-      <dsp:txBody>
-        <a:bodyPr spcFirstLastPara="0" vert="horz" wrap="square" lIns="112014" tIns="74676" rIns="37338" bIns="74676" numCol="1" spcCol="1270" anchor="ctr" anchorCtr="0">
-          <a:noAutofit/>
-        </a:bodyPr>
-        <a:lstStyle/>
-        <a:p>
-          <a:pPr lvl="0" algn="ctr" defTabSz="1244600">
-            <a:lnSpc>
-              <a:spcPct val="90000"/>
-            </a:lnSpc>
-            <a:spcBef>
-              <a:spcPct val="0"/>
-            </a:spcBef>
-            <a:spcAft>
-              <a:spcPct val="35000"/>
-            </a:spcAft>
-          </a:pPr>
-          <a:r>
-            <a:rPr lang="ru-RU" sz="2800" kern="1200" dirty="0" smtClean="0"/>
-            <a:t>Этап </a:t>
-          </a:r>
-          <a:r>
-            <a:rPr lang="en-US" sz="2800" kern="1200" dirty="0" smtClean="0"/>
-            <a:t>2</a:t>
-          </a:r>
-          <a:endParaRPr lang="ru-RU" sz="2800" kern="1200" dirty="0"/>
-        </a:p>
-      </dsp:txBody>
-      <dsp:txXfrm>
-        <a:off x="1945867" y="585995"/>
-        <a:ext cx="1166358" cy="777571"/>
-      </dsp:txXfrm>
-    </dsp:sp>
-    <dsp:sp modelId="{675C22CC-AAAF-4F05-ABDC-9270F130530A}">
-      <dsp:nvSpPr>
-        <dsp:cNvPr id="0" name=""/>
-        <dsp:cNvSpPr/>
-      </dsp:nvSpPr>
-      <dsp:spPr>
-        <a:xfrm>
-          <a:off x="3112225" y="585995"/>
-          <a:ext cx="1943929" cy="777571"/>
-        </a:xfrm>
-        <a:prstGeom prst="chevron">
-          <a:avLst/>
-        </a:prstGeom>
-        <a:solidFill>
-          <a:schemeClr val="accent1">
-            <a:hueOff val="0"/>
-            <a:satOff val="0"/>
-            <a:lumOff val="0"/>
-            <a:alphaOff val="0"/>
-          </a:schemeClr>
-        </a:solidFill>
-        <a:ln w="15875" cap="rnd" cmpd="sng" algn="ctr">
-          <a:solidFill>
-            <a:schemeClr val="lt1">
-              <a:hueOff val="0"/>
-              <a:satOff val="0"/>
-              <a:lumOff val="0"/>
-              <a:alphaOff val="0"/>
-            </a:schemeClr>
-          </a:solidFill>
-          <a:prstDash val="solid"/>
-        </a:ln>
-        <a:effectLst/>
-      </dsp:spPr>
-      <dsp:style>
-        <a:lnRef idx="2">
-          <a:scrgbClr r="0" g="0" b="0"/>
-        </a:lnRef>
-        <a:fillRef idx="1">
-          <a:scrgbClr r="0" g="0" b="0"/>
-        </a:fillRef>
-        <a:effectRef idx="0">
-          <a:scrgbClr r="0" g="0" b="0"/>
-        </a:effectRef>
-        <a:fontRef idx="minor">
-          <a:schemeClr val="lt1"/>
-        </a:fontRef>
-      </dsp:style>
-      <dsp:txBody>
-        <a:bodyPr spcFirstLastPara="0" vert="horz" wrap="square" lIns="112014" tIns="74676" rIns="37338" bIns="74676" numCol="1" spcCol="1270" anchor="ctr" anchorCtr="0">
-          <a:noAutofit/>
-        </a:bodyPr>
-        <a:lstStyle/>
-        <a:p>
-          <a:pPr lvl="0" algn="ctr" defTabSz="1244600">
-            <a:lnSpc>
-              <a:spcPct val="90000"/>
-            </a:lnSpc>
-            <a:spcBef>
-              <a:spcPct val="0"/>
-            </a:spcBef>
-            <a:spcAft>
-              <a:spcPct val="35000"/>
-            </a:spcAft>
-          </a:pPr>
-          <a:r>
-            <a:rPr lang="ru-RU" sz="2800" kern="1200" dirty="0" smtClean="0"/>
-            <a:t>…</a:t>
-          </a:r>
-          <a:endParaRPr lang="ru-RU" sz="2800" kern="1200" dirty="0"/>
-        </a:p>
-      </dsp:txBody>
-      <dsp:txXfrm>
-        <a:off x="3501011" y="585995"/>
-        <a:ext cx="1166358" cy="777571"/>
-      </dsp:txXfrm>
-    </dsp:sp>
-    <dsp:sp modelId="{BFCD55AC-43B3-4C2E-8343-9B09272AD94A}">
-      <dsp:nvSpPr>
-        <dsp:cNvPr id="0" name=""/>
-        <dsp:cNvSpPr/>
-      </dsp:nvSpPr>
-      <dsp:spPr>
-        <a:xfrm>
-          <a:off x="4667368" y="585995"/>
-          <a:ext cx="1943929" cy="777571"/>
-        </a:xfrm>
-        <a:prstGeom prst="chevron">
-          <a:avLst/>
-        </a:prstGeom>
-        <a:solidFill>
-          <a:schemeClr val="accent1">
-            <a:hueOff val="0"/>
-            <a:satOff val="0"/>
-            <a:lumOff val="0"/>
-            <a:alphaOff val="0"/>
-          </a:schemeClr>
-        </a:solidFill>
-        <a:ln w="15875" cap="rnd" cmpd="sng" algn="ctr">
-          <a:solidFill>
-            <a:schemeClr val="lt1">
-              <a:hueOff val="0"/>
-              <a:satOff val="0"/>
-              <a:lumOff val="0"/>
-              <a:alphaOff val="0"/>
-            </a:schemeClr>
-          </a:solidFill>
-          <a:prstDash val="solid"/>
-        </a:ln>
-        <a:effectLst/>
-      </dsp:spPr>
-      <dsp:style>
-        <a:lnRef idx="2">
-          <a:scrgbClr r="0" g="0" b="0"/>
-        </a:lnRef>
-        <a:fillRef idx="1">
-          <a:scrgbClr r="0" g="0" b="0"/>
-        </a:fillRef>
-        <a:effectRef idx="0">
-          <a:scrgbClr r="0" g="0" b="0"/>
-        </a:effectRef>
-        <a:fontRef idx="minor">
-          <a:schemeClr val="lt1"/>
-        </a:fontRef>
-      </dsp:style>
-      <dsp:txBody>
-        <a:bodyPr spcFirstLastPara="0" vert="horz" wrap="square" lIns="112014" tIns="74676" rIns="37338" bIns="74676" numCol="1" spcCol="1270" anchor="ctr" anchorCtr="0">
-          <a:noAutofit/>
-        </a:bodyPr>
-        <a:lstStyle/>
-        <a:p>
-          <a:pPr lvl="0" algn="ctr" defTabSz="1244600">
-            <a:lnSpc>
-              <a:spcPct val="90000"/>
-            </a:lnSpc>
-            <a:spcBef>
-              <a:spcPct val="0"/>
-            </a:spcBef>
-            <a:spcAft>
-              <a:spcPct val="35000"/>
-            </a:spcAft>
-          </a:pPr>
-          <a:r>
-            <a:rPr lang="ru-RU" sz="2800" kern="1200" dirty="0" smtClean="0"/>
-            <a:t>Этап </a:t>
-          </a:r>
-          <a:r>
-            <a:rPr lang="en-US" sz="2800" kern="1200" dirty="0" smtClean="0"/>
-            <a:t>n</a:t>
-          </a:r>
-          <a:endParaRPr lang="ru-RU" sz="2800" kern="1200" dirty="0"/>
-        </a:p>
-      </dsp:txBody>
-      <dsp:txXfrm>
-        <a:off x="5056154" y="585995"/>
-        <a:ext cx="1166358" cy="777571"/>
-      </dsp:txXfrm>
-    </dsp:sp>
   </dsp:spTree>
 </dsp:drawing>
 </file>
@@ -14025,7 +12988,7 @@
           <a:p>
             <a:fld id="{92A0F858-A9A6-4EE9-B7FD-3CDD227960BD}" type="datetimeFigureOut">
               <a:rPr lang="ru-RU" smtClean="0"/>
-              <a:t>18.05.2021</a:t>
+              <a:t>26.05.2021</a:t>
             </a:fld>
             <a:endParaRPr lang="ru-RU"/>
           </a:p>
@@ -14321,7 +13284,7 @@
           <a:p>
             <a:fld id="{92A0F858-A9A6-4EE9-B7FD-3CDD227960BD}" type="datetimeFigureOut">
               <a:rPr lang="ru-RU" smtClean="0"/>
-              <a:t>18.05.2021</a:t>
+              <a:t>26.05.2021</a:t>
             </a:fld>
             <a:endParaRPr lang="ru-RU"/>
           </a:p>
@@ -14569,7 +13532,7 @@
           <a:p>
             <a:fld id="{92A0F858-A9A6-4EE9-B7FD-3CDD227960BD}" type="datetimeFigureOut">
               <a:rPr lang="ru-RU" smtClean="0"/>
-              <a:t>18.05.2021</a:t>
+              <a:t>26.05.2021</a:t>
             </a:fld>
             <a:endParaRPr lang="ru-RU"/>
           </a:p>
@@ -15109,7 +14072,7 @@
           <a:p>
             <a:fld id="{92A0F858-A9A6-4EE9-B7FD-3CDD227960BD}" type="datetimeFigureOut">
               <a:rPr lang="ru-RU" smtClean="0"/>
-              <a:t>18.05.2021</a:t>
+              <a:t>26.05.2021</a:t>
             </a:fld>
             <a:endParaRPr lang="ru-RU"/>
           </a:p>
@@ -15357,7 +14320,7 @@
           <a:p>
             <a:fld id="{92A0F858-A9A6-4EE9-B7FD-3CDD227960BD}" type="datetimeFigureOut">
               <a:rPr lang="ru-RU" smtClean="0"/>
-              <a:t>18.05.2021</a:t>
+              <a:t>26.05.2021</a:t>
             </a:fld>
             <a:endParaRPr lang="ru-RU"/>
           </a:p>
@@ -15889,7 +14852,7 @@
           <a:p>
             <a:fld id="{92A0F858-A9A6-4EE9-B7FD-3CDD227960BD}" type="datetimeFigureOut">
               <a:rPr lang="ru-RU" smtClean="0"/>
-              <a:t>18.05.2021</a:t>
+              <a:t>26.05.2021</a:t>
             </a:fld>
             <a:endParaRPr lang="ru-RU"/>
           </a:p>
@@ -16186,7 +15149,7 @@
           <a:p>
             <a:fld id="{92A0F858-A9A6-4EE9-B7FD-3CDD227960BD}" type="datetimeFigureOut">
               <a:rPr lang="ru-RU" smtClean="0"/>
-              <a:t>18.05.2021</a:t>
+              <a:t>26.05.2021</a:t>
             </a:fld>
             <a:endParaRPr lang="ru-RU"/>
           </a:p>
@@ -16360,7 +15323,7 @@
           <a:p>
             <a:fld id="{92A0F858-A9A6-4EE9-B7FD-3CDD227960BD}" type="datetimeFigureOut">
               <a:rPr lang="ru-RU" smtClean="0"/>
-              <a:t>18.05.2021</a:t>
+              <a:t>26.05.2021</a:t>
             </a:fld>
             <a:endParaRPr lang="ru-RU"/>
           </a:p>
@@ -16540,7 +15503,7 @@
           <a:p>
             <a:fld id="{92A0F858-A9A6-4EE9-B7FD-3CDD227960BD}" type="datetimeFigureOut">
               <a:rPr lang="ru-RU" smtClean="0"/>
-              <a:t>18.05.2021</a:t>
+              <a:t>26.05.2021</a:t>
             </a:fld>
             <a:endParaRPr lang="ru-RU"/>
           </a:p>
@@ -16710,7 +15673,7 @@
           <a:p>
             <a:fld id="{92A0F858-A9A6-4EE9-B7FD-3CDD227960BD}" type="datetimeFigureOut">
               <a:rPr lang="ru-RU" smtClean="0"/>
-              <a:t>18.05.2021</a:t>
+              <a:t>26.05.2021</a:t>
             </a:fld>
             <a:endParaRPr lang="ru-RU"/>
           </a:p>
@@ -16961,7 +15924,7 @@
           <a:p>
             <a:fld id="{92A0F858-A9A6-4EE9-B7FD-3CDD227960BD}" type="datetimeFigureOut">
               <a:rPr lang="ru-RU" smtClean="0"/>
-              <a:t>18.05.2021</a:t>
+              <a:t>26.05.2021</a:t>
             </a:fld>
             <a:endParaRPr lang="ru-RU"/>
           </a:p>
@@ -17258,7 +16221,7 @@
           <a:p>
             <a:fld id="{92A0F858-A9A6-4EE9-B7FD-3CDD227960BD}" type="datetimeFigureOut">
               <a:rPr lang="ru-RU" smtClean="0"/>
-              <a:t>18.05.2021</a:t>
+              <a:t>26.05.2021</a:t>
             </a:fld>
             <a:endParaRPr lang="ru-RU"/>
           </a:p>
@@ -17700,7 +16663,7 @@
           <a:p>
             <a:fld id="{92A0F858-A9A6-4EE9-B7FD-3CDD227960BD}" type="datetimeFigureOut">
               <a:rPr lang="ru-RU" smtClean="0"/>
-              <a:t>18.05.2021</a:t>
+              <a:t>26.05.2021</a:t>
             </a:fld>
             <a:endParaRPr lang="ru-RU"/>
           </a:p>
@@ -17818,7 +16781,7 @@
           <a:p>
             <a:fld id="{92A0F858-A9A6-4EE9-B7FD-3CDD227960BD}" type="datetimeFigureOut">
               <a:rPr lang="ru-RU" smtClean="0"/>
-              <a:t>18.05.2021</a:t>
+              <a:t>26.05.2021</a:t>
             </a:fld>
             <a:endParaRPr lang="ru-RU"/>
           </a:p>
@@ -17913,7 +16876,7 @@
           <a:p>
             <a:fld id="{92A0F858-A9A6-4EE9-B7FD-3CDD227960BD}" type="datetimeFigureOut">
               <a:rPr lang="ru-RU" smtClean="0"/>
-              <a:t>18.05.2021</a:t>
+              <a:t>26.05.2021</a:t>
             </a:fld>
             <a:endParaRPr lang="ru-RU"/>
           </a:p>
@@ -18196,7 +17159,7 @@
           <a:p>
             <a:fld id="{92A0F858-A9A6-4EE9-B7FD-3CDD227960BD}" type="datetimeFigureOut">
               <a:rPr lang="ru-RU" smtClean="0"/>
-              <a:t>18.05.2021</a:t>
+              <a:t>26.05.2021</a:t>
             </a:fld>
             <a:endParaRPr lang="ru-RU"/>
           </a:p>
@@ -18487,7 +17450,7 @@
           <a:p>
             <a:fld id="{92A0F858-A9A6-4EE9-B7FD-3CDD227960BD}" type="datetimeFigureOut">
               <a:rPr lang="ru-RU" smtClean="0"/>
-              <a:t>18.05.2021</a:t>
+              <a:t>26.05.2021</a:t>
             </a:fld>
             <a:endParaRPr lang="ru-RU"/>
           </a:p>
@@ -19017,7 +17980,7 @@
           <a:p>
             <a:fld id="{92A0F858-A9A6-4EE9-B7FD-3CDD227960BD}" type="datetimeFigureOut">
               <a:rPr lang="ru-RU" smtClean="0"/>
-              <a:t>18.05.2021</a:t>
+              <a:t>26.05.2021</a:t>
             </a:fld>
             <a:endParaRPr lang="ru-RU"/>
           </a:p>
@@ -19820,8 +18783,8 @@
         </p:blipFill>
         <p:spPr>
           <a:xfrm>
-            <a:off x="1893676" y="1187979"/>
-            <a:ext cx="4476115" cy="2670175"/>
+            <a:off x="1303154" y="1872577"/>
+            <a:ext cx="5190511" cy="3733500"/>
           </a:xfrm>
           <a:prstGeom prst="rect">
             <a:avLst/>
@@ -19838,7 +18801,7 @@
         </p:nvSpPr>
         <p:spPr>
           <a:xfrm>
-            <a:off x="1811598" y="3923912"/>
+            <a:off x="6493665" y="4010176"/>
             <a:ext cx="4682067" cy="2595421"/>
           </a:xfrm>
           <a:prstGeom prst="rect">
@@ -20100,28 +19063,6 @@
           </a:p>
         </p:txBody>
       </p:sp>
-      <p:pic>
-        <p:nvPicPr>
-          <p:cNvPr id="8" name="Рисунок 7"/>
-          <p:cNvPicPr/>
-          <p:nvPr/>
-        </p:nvPicPr>
-        <p:blipFill>
-          <a:blip r:embed="rId3"/>
-          <a:stretch>
-            <a:fillRect/>
-          </a:stretch>
-        </p:blipFill>
-        <p:spPr>
-          <a:xfrm>
-            <a:off x="6637867" y="3858154"/>
-            <a:ext cx="3937000" cy="2661179"/>
-          </a:xfrm>
-          <a:prstGeom prst="rect">
-            <a:avLst/>
-          </a:prstGeom>
-        </p:spPr>
-      </p:pic>
     </p:spTree>
     <p:extLst>
       <p:ext uri="{BB962C8B-B14F-4D97-AF65-F5344CB8AC3E}">
@@ -20172,7 +19113,7 @@
         <p:spPr>
           <a:xfrm>
             <a:off x="1484309" y="1"/>
-            <a:ext cx="10018713" cy="1122218"/>
+            <a:ext cx="10018713" cy="707365"/>
           </a:xfrm>
         </p:spPr>
         <p:txBody>
@@ -20199,7 +19140,7 @@
         </p:nvSpPr>
         <p:spPr>
           <a:xfrm>
-            <a:off x="2348833" y="4792286"/>
+            <a:off x="2219437" y="5320145"/>
             <a:ext cx="9363800" cy="1537855"/>
           </a:xfrm>
         </p:spPr>
@@ -20239,8 +19180,8 @@
         </p:blipFill>
         <p:spPr>
           <a:xfrm>
-            <a:off x="2574473" y="1055717"/>
-            <a:ext cx="7838384" cy="3649287"/>
+            <a:off x="1484308" y="707366"/>
+            <a:ext cx="9954317" cy="4612779"/>
           </a:xfrm>
           <a:prstGeom prst="rect">
             <a:avLst/>
@@ -20585,11 +19526,7 @@
           <a:p>
             <a:r>
               <a:rPr lang="ru-RU" dirty="0"/>
-              <a:t> </a:t>
-            </a:r>
-            <a:r>
-              <a:rPr lang="ru-RU" dirty="0"/>
-              <a:t>Д</a:t>
+              <a:t> Д</a:t>
             </a:r>
             <a:r>
               <a:rPr lang="ru-RU" dirty="0" smtClean="0"/>
@@ -21083,7 +20020,7 @@
         <p:spPr>
           <a:xfrm>
             <a:off x="1484309" y="1"/>
-            <a:ext cx="10018713" cy="1122218"/>
+            <a:ext cx="10018713" cy="776376"/>
           </a:xfrm>
         </p:spPr>
         <p:txBody>
@@ -21107,7 +20044,7 @@
         </p:nvSpPr>
         <p:spPr>
           <a:xfrm>
-            <a:off x="2571963" y="4738254"/>
+            <a:off x="2425314" y="5083232"/>
             <a:ext cx="8708408" cy="2119746"/>
           </a:xfrm>
           <a:prstGeom prst="rect">
@@ -21374,8 +20311,8 @@
         </p:blipFill>
         <p:spPr>
           <a:xfrm>
-            <a:off x="2181265" y="1122219"/>
-            <a:ext cx="8633593" cy="3898668"/>
+            <a:off x="1484309" y="854015"/>
+            <a:ext cx="10290748" cy="4511929"/>
           </a:xfrm>
           <a:prstGeom prst="rect">
             <a:avLst/>
@@ -21432,11 +20369,13 @@
         <p:spPr>
           <a:xfrm>
             <a:off x="1484309" y="1"/>
-            <a:ext cx="10018713" cy="1122218"/>
+            <a:ext cx="10018713" cy="672859"/>
           </a:xfrm>
         </p:spPr>
         <p:txBody>
-          <a:bodyPr/>
+          <a:bodyPr>
+            <a:normAutofit fontScale="90000"/>
+          </a:bodyPr>
           <a:lstStyle/>
           <a:p>
             <a:r>
@@ -21457,7 +20396,7 @@
         </p:nvSpPr>
         <p:spPr>
           <a:xfrm>
-            <a:off x="2571963" y="4738254"/>
+            <a:off x="2511578" y="5091937"/>
             <a:ext cx="8708408" cy="2119746"/>
           </a:xfrm>
           <a:prstGeom prst="rect">
@@ -21724,8 +20663,8 @@
         </p:blipFill>
         <p:spPr>
           <a:xfrm>
-            <a:off x="2123074" y="1022464"/>
-            <a:ext cx="9157297" cy="4006736"/>
+            <a:off x="1484309" y="672860"/>
+            <a:ext cx="10018713" cy="4779034"/>
           </a:xfrm>
           <a:prstGeom prst="rect">
             <a:avLst/>
@@ -22073,8 +21012,8 @@
         </p:blipFill>
         <p:spPr>
           <a:xfrm>
-            <a:off x="1680469" y="1438102"/>
-            <a:ext cx="6349625" cy="3857105"/>
+            <a:off x="1422614" y="1014154"/>
+            <a:ext cx="7756829" cy="4347556"/>
           </a:xfrm>
           <a:prstGeom prst="rect">
             <a:avLst/>
@@ -22091,8 +21030,8 @@
         </p:nvSpPr>
         <p:spPr>
           <a:xfrm>
-            <a:off x="8030094" y="947651"/>
-            <a:ext cx="4141771" cy="4588625"/>
+            <a:off x="9115275" y="947652"/>
+            <a:ext cx="3076726" cy="4588625"/>
           </a:xfrm>
           <a:prstGeom prst="rect">
             <a:avLst/>
@@ -22676,891 +21615,6 @@
           <a:p>
             <a:r>
               <a:rPr lang="ru-RU" dirty="0" smtClean="0"/>
-              <a:t>Статистика</a:t>
-            </a:r>
-            <a:endParaRPr lang="ru-RU" dirty="0"/>
-          </a:p>
-        </p:txBody>
-      </p:sp>
-      <p:sp>
-        <p:nvSpPr>
-          <p:cNvPr id="12" name="Объект 3"/>
-          <p:cNvSpPr txBox="1">
-            <a:spLocks/>
-          </p:cNvSpPr>
-          <p:nvPr/>
-        </p:nvSpPr>
-        <p:spPr>
-          <a:xfrm>
-            <a:off x="2571963" y="4738254"/>
-            <a:ext cx="8708408" cy="2119746"/>
-          </a:xfrm>
-          <a:prstGeom prst="rect">
-            <a:avLst/>
-          </a:prstGeom>
-        </p:spPr>
-        <p:txBody>
-          <a:bodyPr vert="horz" lIns="91440" tIns="45720" rIns="91440" bIns="45720" rtlCol="0" anchor="ctr">
-            <a:normAutofit/>
-          </a:bodyPr>
-          <a:lstStyle>
-            <a:lvl1pPr marL="285750" indent="-285750" algn="l" defTabSz="457200" rtl="0" eaLnBrk="1" latinLnBrk="0" hangingPunct="1">
-              <a:spcBef>
-                <a:spcPct val="20000"/>
-              </a:spcBef>
-              <a:spcAft>
-                <a:spcPts val="600"/>
-              </a:spcAft>
-              <a:buClr>
-                <a:schemeClr val="accent1">
-                  <a:lumMod val="75000"/>
-                </a:schemeClr>
-              </a:buClr>
-              <a:buSzPct val="145000"/>
-              <a:buFont typeface="Arial"/>
-              <a:buChar char="•"/>
-              <a:defRPr sz="2400" kern="1200" cap="none">
-                <a:solidFill>
-                  <a:schemeClr val="tx1"/>
-                </a:solidFill>
-                <a:effectLst/>
-                <a:latin typeface="+mn-lt"/>
-                <a:ea typeface="+mn-ea"/>
-                <a:cs typeface="+mn-cs"/>
-              </a:defRPr>
-            </a:lvl1pPr>
-            <a:lvl2pPr marL="742950" indent="-285750" algn="l" defTabSz="457200" rtl="0" eaLnBrk="1" latinLnBrk="0" hangingPunct="1">
-              <a:spcBef>
-                <a:spcPct val="20000"/>
-              </a:spcBef>
-              <a:spcAft>
-                <a:spcPts val="600"/>
-              </a:spcAft>
-              <a:buClr>
-                <a:schemeClr val="accent1">
-                  <a:lumMod val="75000"/>
-                </a:schemeClr>
-              </a:buClr>
-              <a:buSzPct val="145000"/>
-              <a:buFont typeface="Arial"/>
-              <a:buChar char="•"/>
-              <a:defRPr sz="2000" kern="1200" cap="none">
-                <a:solidFill>
-                  <a:schemeClr val="tx1"/>
-                </a:solidFill>
-                <a:effectLst/>
-                <a:latin typeface="+mn-lt"/>
-                <a:ea typeface="+mn-ea"/>
-                <a:cs typeface="+mn-cs"/>
-              </a:defRPr>
-            </a:lvl2pPr>
-            <a:lvl3pPr marL="1200150" indent="-285750" algn="l" defTabSz="457200" rtl="0" eaLnBrk="1" latinLnBrk="0" hangingPunct="1">
-              <a:spcBef>
-                <a:spcPct val="20000"/>
-              </a:spcBef>
-              <a:spcAft>
-                <a:spcPts val="600"/>
-              </a:spcAft>
-              <a:buClr>
-                <a:schemeClr val="accent1">
-                  <a:lumMod val="75000"/>
-                </a:schemeClr>
-              </a:buClr>
-              <a:buSzPct val="145000"/>
-              <a:buFont typeface="Arial"/>
-              <a:buChar char="•"/>
-              <a:defRPr sz="1800" kern="1200" cap="none">
-                <a:solidFill>
-                  <a:schemeClr val="tx1"/>
-                </a:solidFill>
-                <a:effectLst/>
-                <a:latin typeface="+mn-lt"/>
-                <a:ea typeface="+mn-ea"/>
-                <a:cs typeface="+mn-cs"/>
-              </a:defRPr>
-            </a:lvl3pPr>
-            <a:lvl4pPr marL="1543050" indent="-171450" algn="l" defTabSz="457200" rtl="0" eaLnBrk="1" latinLnBrk="0" hangingPunct="1">
-              <a:spcBef>
-                <a:spcPct val="20000"/>
-              </a:spcBef>
-              <a:spcAft>
-                <a:spcPts val="600"/>
-              </a:spcAft>
-              <a:buClr>
-                <a:schemeClr val="accent1">
-                  <a:lumMod val="75000"/>
-                </a:schemeClr>
-              </a:buClr>
-              <a:buSzPct val="145000"/>
-              <a:buFont typeface="Arial"/>
-              <a:buChar char="•"/>
-              <a:defRPr sz="1600" kern="1200" cap="none">
-                <a:solidFill>
-                  <a:schemeClr val="tx1"/>
-                </a:solidFill>
-                <a:effectLst/>
-                <a:latin typeface="+mn-lt"/>
-                <a:ea typeface="+mn-ea"/>
-                <a:cs typeface="+mn-cs"/>
-              </a:defRPr>
-            </a:lvl4pPr>
-            <a:lvl5pPr marL="2000250" indent="-171450" algn="l" defTabSz="457200" rtl="0" eaLnBrk="1" latinLnBrk="0" hangingPunct="1">
-              <a:spcBef>
-                <a:spcPct val="20000"/>
-              </a:spcBef>
-              <a:spcAft>
-                <a:spcPts val="600"/>
-              </a:spcAft>
-              <a:buClr>
-                <a:schemeClr val="accent1">
-                  <a:lumMod val="75000"/>
-                </a:schemeClr>
-              </a:buClr>
-              <a:buSzPct val="145000"/>
-              <a:buFont typeface="Arial"/>
-              <a:buChar char="•"/>
-              <a:defRPr sz="1400" kern="1200" cap="none">
-                <a:solidFill>
-                  <a:schemeClr val="tx1"/>
-                </a:solidFill>
-                <a:effectLst/>
-                <a:latin typeface="+mn-lt"/>
-                <a:ea typeface="+mn-ea"/>
-                <a:cs typeface="+mn-cs"/>
-              </a:defRPr>
-            </a:lvl5pPr>
-            <a:lvl6pPr marL="2514600" indent="-228600" algn="l" defTabSz="457200" rtl="0" eaLnBrk="1" latinLnBrk="0" hangingPunct="1">
-              <a:spcBef>
-                <a:spcPct val="20000"/>
-              </a:spcBef>
-              <a:spcAft>
-                <a:spcPts val="600"/>
-              </a:spcAft>
-              <a:buClr>
-                <a:schemeClr val="accent1">
-                  <a:lumMod val="75000"/>
-                </a:schemeClr>
-              </a:buClr>
-              <a:buSzPct val="145000"/>
-              <a:buFont typeface="Arial"/>
-              <a:buChar char="•"/>
-              <a:defRPr sz="1400" kern="1200" cap="none">
-                <a:solidFill>
-                  <a:schemeClr val="tx1"/>
-                </a:solidFill>
-                <a:effectLst/>
-                <a:latin typeface="+mn-lt"/>
-                <a:ea typeface="+mn-ea"/>
-                <a:cs typeface="+mn-cs"/>
-              </a:defRPr>
-            </a:lvl6pPr>
-            <a:lvl7pPr marL="2971800" indent="-228600" algn="l" defTabSz="457200" rtl="0" eaLnBrk="1" latinLnBrk="0" hangingPunct="1">
-              <a:spcBef>
-                <a:spcPct val="20000"/>
-              </a:spcBef>
-              <a:spcAft>
-                <a:spcPts val="600"/>
-              </a:spcAft>
-              <a:buClr>
-                <a:schemeClr val="accent1">
-                  <a:lumMod val="75000"/>
-                </a:schemeClr>
-              </a:buClr>
-              <a:buSzPct val="145000"/>
-              <a:buFont typeface="Arial"/>
-              <a:buChar char="•"/>
-              <a:defRPr sz="1400" kern="1200" cap="none">
-                <a:solidFill>
-                  <a:schemeClr val="tx1"/>
-                </a:solidFill>
-                <a:effectLst/>
-                <a:latin typeface="+mn-lt"/>
-                <a:ea typeface="+mn-ea"/>
-                <a:cs typeface="+mn-cs"/>
-              </a:defRPr>
-            </a:lvl7pPr>
-            <a:lvl8pPr marL="3429000" indent="-228600" algn="l" defTabSz="457200" rtl="0" eaLnBrk="1" latinLnBrk="0" hangingPunct="1">
-              <a:spcBef>
-                <a:spcPct val="20000"/>
-              </a:spcBef>
-              <a:spcAft>
-                <a:spcPts val="600"/>
-              </a:spcAft>
-              <a:buClr>
-                <a:schemeClr val="accent1">
-                  <a:lumMod val="75000"/>
-                </a:schemeClr>
-              </a:buClr>
-              <a:buSzPct val="145000"/>
-              <a:buFont typeface="Arial"/>
-              <a:buChar char="•"/>
-              <a:defRPr sz="1400" kern="1200" cap="none">
-                <a:solidFill>
-                  <a:schemeClr val="tx1"/>
-                </a:solidFill>
-                <a:effectLst/>
-                <a:latin typeface="+mn-lt"/>
-                <a:ea typeface="+mn-ea"/>
-                <a:cs typeface="+mn-cs"/>
-              </a:defRPr>
-            </a:lvl8pPr>
-            <a:lvl9pPr marL="3886200" indent="-228600" algn="l" defTabSz="457200" rtl="0" eaLnBrk="1" latinLnBrk="0" hangingPunct="1">
-              <a:spcBef>
-                <a:spcPct val="20000"/>
-              </a:spcBef>
-              <a:spcAft>
-                <a:spcPts val="600"/>
-              </a:spcAft>
-              <a:buClr>
-                <a:schemeClr val="accent1">
-                  <a:lumMod val="75000"/>
-                </a:schemeClr>
-              </a:buClr>
-              <a:buSzPct val="145000"/>
-              <a:buFont typeface="Arial"/>
-              <a:buChar char="•"/>
-              <a:defRPr sz="1400" kern="1200" cap="none">
-                <a:solidFill>
-                  <a:schemeClr val="tx1"/>
-                </a:solidFill>
-                <a:effectLst/>
-                <a:latin typeface="+mn-lt"/>
-                <a:ea typeface="+mn-ea"/>
-                <a:cs typeface="+mn-cs"/>
-              </a:defRPr>
-            </a:lvl9pPr>
-          </a:lstStyle>
-          <a:p>
-            <a:endParaRPr lang="ru-RU" dirty="0" smtClean="0"/>
-          </a:p>
-          <a:p>
-            <a:endParaRPr lang="ru-RU" dirty="0"/>
-          </a:p>
-        </p:txBody>
-      </p:sp>
-      <p:pic>
-        <p:nvPicPr>
-          <p:cNvPr id="5" name="Рисунок 4"/>
-          <p:cNvPicPr/>
-          <p:nvPr/>
-        </p:nvPicPr>
-        <p:blipFill>
-          <a:blip r:embed="rId2" cstate="print">
-            <a:extLst>
-              <a:ext uri="{28A0092B-C50C-407E-A947-70E740481C1C}">
-                <a14:useLocalDpi xmlns:a14="http://schemas.microsoft.com/office/drawing/2010/main" val="0"/>
-              </a:ext>
-            </a:extLst>
-          </a:blip>
-          <a:stretch>
-            <a:fillRect/>
-          </a:stretch>
-        </p:blipFill>
-        <p:spPr>
-          <a:xfrm>
-            <a:off x="1680469" y="1438102"/>
-            <a:ext cx="6349625" cy="3857105"/>
-          </a:xfrm>
-          <a:prstGeom prst="rect">
-            <a:avLst/>
-          </a:prstGeom>
-        </p:spPr>
-      </p:pic>
-      <p:sp>
-        <p:nvSpPr>
-          <p:cNvPr id="6" name="Объект 3"/>
-          <p:cNvSpPr txBox="1">
-            <a:spLocks/>
-          </p:cNvSpPr>
-          <p:nvPr/>
-        </p:nvSpPr>
-        <p:spPr>
-          <a:xfrm>
-            <a:off x="8030094" y="947651"/>
-            <a:ext cx="4141771" cy="4588625"/>
-          </a:xfrm>
-          <a:prstGeom prst="rect">
-            <a:avLst/>
-          </a:prstGeom>
-        </p:spPr>
-        <p:txBody>
-          <a:bodyPr vert="horz" lIns="91440" tIns="45720" rIns="91440" bIns="45720" rtlCol="0" anchor="ctr">
-            <a:normAutofit/>
-          </a:bodyPr>
-          <a:lstStyle>
-            <a:lvl1pPr marL="285750" indent="-285750" algn="l" defTabSz="457200" rtl="0" eaLnBrk="1" latinLnBrk="0" hangingPunct="1">
-              <a:spcBef>
-                <a:spcPct val="20000"/>
-              </a:spcBef>
-              <a:spcAft>
-                <a:spcPts val="600"/>
-              </a:spcAft>
-              <a:buClr>
-                <a:schemeClr val="accent1">
-                  <a:lumMod val="75000"/>
-                </a:schemeClr>
-              </a:buClr>
-              <a:buSzPct val="145000"/>
-              <a:buFont typeface="Arial"/>
-              <a:buChar char="•"/>
-              <a:defRPr sz="2400" kern="1200" cap="none">
-                <a:solidFill>
-                  <a:schemeClr val="tx1"/>
-                </a:solidFill>
-                <a:effectLst/>
-                <a:latin typeface="+mn-lt"/>
-                <a:ea typeface="+mn-ea"/>
-                <a:cs typeface="+mn-cs"/>
-              </a:defRPr>
-            </a:lvl1pPr>
-            <a:lvl2pPr marL="742950" indent="-285750" algn="l" defTabSz="457200" rtl="0" eaLnBrk="1" latinLnBrk="0" hangingPunct="1">
-              <a:spcBef>
-                <a:spcPct val="20000"/>
-              </a:spcBef>
-              <a:spcAft>
-                <a:spcPts val="600"/>
-              </a:spcAft>
-              <a:buClr>
-                <a:schemeClr val="accent1">
-                  <a:lumMod val="75000"/>
-                </a:schemeClr>
-              </a:buClr>
-              <a:buSzPct val="145000"/>
-              <a:buFont typeface="Arial"/>
-              <a:buChar char="•"/>
-              <a:defRPr sz="2000" kern="1200" cap="none">
-                <a:solidFill>
-                  <a:schemeClr val="tx1"/>
-                </a:solidFill>
-                <a:effectLst/>
-                <a:latin typeface="+mn-lt"/>
-                <a:ea typeface="+mn-ea"/>
-                <a:cs typeface="+mn-cs"/>
-              </a:defRPr>
-            </a:lvl2pPr>
-            <a:lvl3pPr marL="1200150" indent="-285750" algn="l" defTabSz="457200" rtl="0" eaLnBrk="1" latinLnBrk="0" hangingPunct="1">
-              <a:spcBef>
-                <a:spcPct val="20000"/>
-              </a:spcBef>
-              <a:spcAft>
-                <a:spcPts val="600"/>
-              </a:spcAft>
-              <a:buClr>
-                <a:schemeClr val="accent1">
-                  <a:lumMod val="75000"/>
-                </a:schemeClr>
-              </a:buClr>
-              <a:buSzPct val="145000"/>
-              <a:buFont typeface="Arial"/>
-              <a:buChar char="•"/>
-              <a:defRPr sz="1800" kern="1200" cap="none">
-                <a:solidFill>
-                  <a:schemeClr val="tx1"/>
-                </a:solidFill>
-                <a:effectLst/>
-                <a:latin typeface="+mn-lt"/>
-                <a:ea typeface="+mn-ea"/>
-                <a:cs typeface="+mn-cs"/>
-              </a:defRPr>
-            </a:lvl3pPr>
-            <a:lvl4pPr marL="1543050" indent="-171450" algn="l" defTabSz="457200" rtl="0" eaLnBrk="1" latinLnBrk="0" hangingPunct="1">
-              <a:spcBef>
-                <a:spcPct val="20000"/>
-              </a:spcBef>
-              <a:spcAft>
-                <a:spcPts val="600"/>
-              </a:spcAft>
-              <a:buClr>
-                <a:schemeClr val="accent1">
-                  <a:lumMod val="75000"/>
-                </a:schemeClr>
-              </a:buClr>
-              <a:buSzPct val="145000"/>
-              <a:buFont typeface="Arial"/>
-              <a:buChar char="•"/>
-              <a:defRPr sz="1600" kern="1200" cap="none">
-                <a:solidFill>
-                  <a:schemeClr val="tx1"/>
-                </a:solidFill>
-                <a:effectLst/>
-                <a:latin typeface="+mn-lt"/>
-                <a:ea typeface="+mn-ea"/>
-                <a:cs typeface="+mn-cs"/>
-              </a:defRPr>
-            </a:lvl4pPr>
-            <a:lvl5pPr marL="2000250" indent="-171450" algn="l" defTabSz="457200" rtl="0" eaLnBrk="1" latinLnBrk="0" hangingPunct="1">
-              <a:spcBef>
-                <a:spcPct val="20000"/>
-              </a:spcBef>
-              <a:spcAft>
-                <a:spcPts val="600"/>
-              </a:spcAft>
-              <a:buClr>
-                <a:schemeClr val="accent1">
-                  <a:lumMod val="75000"/>
-                </a:schemeClr>
-              </a:buClr>
-              <a:buSzPct val="145000"/>
-              <a:buFont typeface="Arial"/>
-              <a:buChar char="•"/>
-              <a:defRPr sz="1400" kern="1200" cap="none">
-                <a:solidFill>
-                  <a:schemeClr val="tx1"/>
-                </a:solidFill>
-                <a:effectLst/>
-                <a:latin typeface="+mn-lt"/>
-                <a:ea typeface="+mn-ea"/>
-                <a:cs typeface="+mn-cs"/>
-              </a:defRPr>
-            </a:lvl5pPr>
-            <a:lvl6pPr marL="2514600" indent="-228600" algn="l" defTabSz="457200" rtl="0" eaLnBrk="1" latinLnBrk="0" hangingPunct="1">
-              <a:spcBef>
-                <a:spcPct val="20000"/>
-              </a:spcBef>
-              <a:spcAft>
-                <a:spcPts val="600"/>
-              </a:spcAft>
-              <a:buClr>
-                <a:schemeClr val="accent1">
-                  <a:lumMod val="75000"/>
-                </a:schemeClr>
-              </a:buClr>
-              <a:buSzPct val="145000"/>
-              <a:buFont typeface="Arial"/>
-              <a:buChar char="•"/>
-              <a:defRPr sz="1400" kern="1200" cap="none">
-                <a:solidFill>
-                  <a:schemeClr val="tx1"/>
-                </a:solidFill>
-                <a:effectLst/>
-                <a:latin typeface="+mn-lt"/>
-                <a:ea typeface="+mn-ea"/>
-                <a:cs typeface="+mn-cs"/>
-              </a:defRPr>
-            </a:lvl6pPr>
-            <a:lvl7pPr marL="2971800" indent="-228600" algn="l" defTabSz="457200" rtl="0" eaLnBrk="1" latinLnBrk="0" hangingPunct="1">
-              <a:spcBef>
-                <a:spcPct val="20000"/>
-              </a:spcBef>
-              <a:spcAft>
-                <a:spcPts val="600"/>
-              </a:spcAft>
-              <a:buClr>
-                <a:schemeClr val="accent1">
-                  <a:lumMod val="75000"/>
-                </a:schemeClr>
-              </a:buClr>
-              <a:buSzPct val="145000"/>
-              <a:buFont typeface="Arial"/>
-              <a:buChar char="•"/>
-              <a:defRPr sz="1400" kern="1200" cap="none">
-                <a:solidFill>
-                  <a:schemeClr val="tx1"/>
-                </a:solidFill>
-                <a:effectLst/>
-                <a:latin typeface="+mn-lt"/>
-                <a:ea typeface="+mn-ea"/>
-                <a:cs typeface="+mn-cs"/>
-              </a:defRPr>
-            </a:lvl7pPr>
-            <a:lvl8pPr marL="3429000" indent="-228600" algn="l" defTabSz="457200" rtl="0" eaLnBrk="1" latinLnBrk="0" hangingPunct="1">
-              <a:spcBef>
-                <a:spcPct val="20000"/>
-              </a:spcBef>
-              <a:spcAft>
-                <a:spcPts val="600"/>
-              </a:spcAft>
-              <a:buClr>
-                <a:schemeClr val="accent1">
-                  <a:lumMod val="75000"/>
-                </a:schemeClr>
-              </a:buClr>
-              <a:buSzPct val="145000"/>
-              <a:buFont typeface="Arial"/>
-              <a:buChar char="•"/>
-              <a:defRPr sz="1400" kern="1200" cap="none">
-                <a:solidFill>
-                  <a:schemeClr val="tx1"/>
-                </a:solidFill>
-                <a:effectLst/>
-                <a:latin typeface="+mn-lt"/>
-                <a:ea typeface="+mn-ea"/>
-                <a:cs typeface="+mn-cs"/>
-              </a:defRPr>
-            </a:lvl8pPr>
-            <a:lvl9pPr marL="3886200" indent="-228600" algn="l" defTabSz="457200" rtl="0" eaLnBrk="1" latinLnBrk="0" hangingPunct="1">
-              <a:spcBef>
-                <a:spcPct val="20000"/>
-              </a:spcBef>
-              <a:spcAft>
-                <a:spcPts val="600"/>
-              </a:spcAft>
-              <a:buClr>
-                <a:schemeClr val="accent1">
-                  <a:lumMod val="75000"/>
-                </a:schemeClr>
-              </a:buClr>
-              <a:buSzPct val="145000"/>
-              <a:buFont typeface="Arial"/>
-              <a:buChar char="•"/>
-              <a:defRPr sz="1400" kern="1200" cap="none">
-                <a:solidFill>
-                  <a:schemeClr val="tx1"/>
-                </a:solidFill>
-                <a:effectLst/>
-                <a:latin typeface="+mn-lt"/>
-                <a:ea typeface="+mn-ea"/>
-                <a:cs typeface="+mn-cs"/>
-              </a:defRPr>
-            </a:lvl9pPr>
-          </a:lstStyle>
-          <a:p>
-            <a:pPr marL="0" indent="0">
-              <a:buNone/>
-            </a:pPr>
-            <a:r>
-              <a:rPr lang="ru-RU" dirty="0" smtClean="0"/>
-              <a:t>Возможное содержание:</a:t>
-            </a:r>
-          </a:p>
-          <a:p>
-            <a:r>
-              <a:rPr lang="ru-RU" dirty="0" smtClean="0"/>
-              <a:t>Метрики компании по продажам </a:t>
-            </a:r>
-          </a:p>
-          <a:p>
-            <a:r>
-              <a:rPr lang="ru-RU" dirty="0" smtClean="0"/>
-              <a:t>Аналитика работы менеджеров</a:t>
-            </a:r>
-          </a:p>
-          <a:p>
-            <a:r>
-              <a:rPr lang="ru-RU" dirty="0" smtClean="0"/>
-              <a:t>Учёт предпочтений клиентов </a:t>
-            </a:r>
-          </a:p>
-          <a:p>
-            <a:endParaRPr lang="ru-RU" dirty="0"/>
-          </a:p>
-        </p:txBody>
-      </p:sp>
-      <p:sp>
-        <p:nvSpPr>
-          <p:cNvPr id="7" name="Объект 3"/>
-          <p:cNvSpPr txBox="1">
-            <a:spLocks/>
-          </p:cNvSpPr>
-          <p:nvPr/>
-        </p:nvSpPr>
-        <p:spPr>
-          <a:xfrm>
-            <a:off x="2571963" y="5361710"/>
-            <a:ext cx="8614197" cy="1299556"/>
-          </a:xfrm>
-          <a:prstGeom prst="rect">
-            <a:avLst/>
-          </a:prstGeom>
-        </p:spPr>
-        <p:txBody>
-          <a:bodyPr vert="horz" lIns="91440" tIns="45720" rIns="91440" bIns="45720" rtlCol="0" anchor="ctr">
-            <a:normAutofit/>
-          </a:bodyPr>
-          <a:lstStyle>
-            <a:lvl1pPr marL="285750" indent="-285750" algn="l" defTabSz="457200" rtl="0" eaLnBrk="1" latinLnBrk="0" hangingPunct="1">
-              <a:spcBef>
-                <a:spcPct val="20000"/>
-              </a:spcBef>
-              <a:spcAft>
-                <a:spcPts val="600"/>
-              </a:spcAft>
-              <a:buClr>
-                <a:schemeClr val="accent1">
-                  <a:lumMod val="75000"/>
-                </a:schemeClr>
-              </a:buClr>
-              <a:buSzPct val="145000"/>
-              <a:buFont typeface="Arial"/>
-              <a:buChar char="•"/>
-              <a:defRPr sz="2400" kern="1200" cap="none">
-                <a:solidFill>
-                  <a:schemeClr val="tx1"/>
-                </a:solidFill>
-                <a:effectLst/>
-                <a:latin typeface="+mn-lt"/>
-                <a:ea typeface="+mn-ea"/>
-                <a:cs typeface="+mn-cs"/>
-              </a:defRPr>
-            </a:lvl1pPr>
-            <a:lvl2pPr marL="742950" indent="-285750" algn="l" defTabSz="457200" rtl="0" eaLnBrk="1" latinLnBrk="0" hangingPunct="1">
-              <a:spcBef>
-                <a:spcPct val="20000"/>
-              </a:spcBef>
-              <a:spcAft>
-                <a:spcPts val="600"/>
-              </a:spcAft>
-              <a:buClr>
-                <a:schemeClr val="accent1">
-                  <a:lumMod val="75000"/>
-                </a:schemeClr>
-              </a:buClr>
-              <a:buSzPct val="145000"/>
-              <a:buFont typeface="Arial"/>
-              <a:buChar char="•"/>
-              <a:defRPr sz="2000" kern="1200" cap="none">
-                <a:solidFill>
-                  <a:schemeClr val="tx1"/>
-                </a:solidFill>
-                <a:effectLst/>
-                <a:latin typeface="+mn-lt"/>
-                <a:ea typeface="+mn-ea"/>
-                <a:cs typeface="+mn-cs"/>
-              </a:defRPr>
-            </a:lvl2pPr>
-            <a:lvl3pPr marL="1200150" indent="-285750" algn="l" defTabSz="457200" rtl="0" eaLnBrk="1" latinLnBrk="0" hangingPunct="1">
-              <a:spcBef>
-                <a:spcPct val="20000"/>
-              </a:spcBef>
-              <a:spcAft>
-                <a:spcPts val="600"/>
-              </a:spcAft>
-              <a:buClr>
-                <a:schemeClr val="accent1">
-                  <a:lumMod val="75000"/>
-                </a:schemeClr>
-              </a:buClr>
-              <a:buSzPct val="145000"/>
-              <a:buFont typeface="Arial"/>
-              <a:buChar char="•"/>
-              <a:defRPr sz="1800" kern="1200" cap="none">
-                <a:solidFill>
-                  <a:schemeClr val="tx1"/>
-                </a:solidFill>
-                <a:effectLst/>
-                <a:latin typeface="+mn-lt"/>
-                <a:ea typeface="+mn-ea"/>
-                <a:cs typeface="+mn-cs"/>
-              </a:defRPr>
-            </a:lvl3pPr>
-            <a:lvl4pPr marL="1543050" indent="-171450" algn="l" defTabSz="457200" rtl="0" eaLnBrk="1" latinLnBrk="0" hangingPunct="1">
-              <a:spcBef>
-                <a:spcPct val="20000"/>
-              </a:spcBef>
-              <a:spcAft>
-                <a:spcPts val="600"/>
-              </a:spcAft>
-              <a:buClr>
-                <a:schemeClr val="accent1">
-                  <a:lumMod val="75000"/>
-                </a:schemeClr>
-              </a:buClr>
-              <a:buSzPct val="145000"/>
-              <a:buFont typeface="Arial"/>
-              <a:buChar char="•"/>
-              <a:defRPr sz="1600" kern="1200" cap="none">
-                <a:solidFill>
-                  <a:schemeClr val="tx1"/>
-                </a:solidFill>
-                <a:effectLst/>
-                <a:latin typeface="+mn-lt"/>
-                <a:ea typeface="+mn-ea"/>
-                <a:cs typeface="+mn-cs"/>
-              </a:defRPr>
-            </a:lvl4pPr>
-            <a:lvl5pPr marL="2000250" indent="-171450" algn="l" defTabSz="457200" rtl="0" eaLnBrk="1" latinLnBrk="0" hangingPunct="1">
-              <a:spcBef>
-                <a:spcPct val="20000"/>
-              </a:spcBef>
-              <a:spcAft>
-                <a:spcPts val="600"/>
-              </a:spcAft>
-              <a:buClr>
-                <a:schemeClr val="accent1">
-                  <a:lumMod val="75000"/>
-                </a:schemeClr>
-              </a:buClr>
-              <a:buSzPct val="145000"/>
-              <a:buFont typeface="Arial"/>
-              <a:buChar char="•"/>
-              <a:defRPr sz="1400" kern="1200" cap="none">
-                <a:solidFill>
-                  <a:schemeClr val="tx1"/>
-                </a:solidFill>
-                <a:effectLst/>
-                <a:latin typeface="+mn-lt"/>
-                <a:ea typeface="+mn-ea"/>
-                <a:cs typeface="+mn-cs"/>
-              </a:defRPr>
-            </a:lvl5pPr>
-            <a:lvl6pPr marL="2514600" indent="-228600" algn="l" defTabSz="457200" rtl="0" eaLnBrk="1" latinLnBrk="0" hangingPunct="1">
-              <a:spcBef>
-                <a:spcPct val="20000"/>
-              </a:spcBef>
-              <a:spcAft>
-                <a:spcPts val="600"/>
-              </a:spcAft>
-              <a:buClr>
-                <a:schemeClr val="accent1">
-                  <a:lumMod val="75000"/>
-                </a:schemeClr>
-              </a:buClr>
-              <a:buSzPct val="145000"/>
-              <a:buFont typeface="Arial"/>
-              <a:buChar char="•"/>
-              <a:defRPr sz="1400" kern="1200" cap="none">
-                <a:solidFill>
-                  <a:schemeClr val="tx1"/>
-                </a:solidFill>
-                <a:effectLst/>
-                <a:latin typeface="+mn-lt"/>
-                <a:ea typeface="+mn-ea"/>
-                <a:cs typeface="+mn-cs"/>
-              </a:defRPr>
-            </a:lvl6pPr>
-            <a:lvl7pPr marL="2971800" indent="-228600" algn="l" defTabSz="457200" rtl="0" eaLnBrk="1" latinLnBrk="0" hangingPunct="1">
-              <a:spcBef>
-                <a:spcPct val="20000"/>
-              </a:spcBef>
-              <a:spcAft>
-                <a:spcPts val="600"/>
-              </a:spcAft>
-              <a:buClr>
-                <a:schemeClr val="accent1">
-                  <a:lumMod val="75000"/>
-                </a:schemeClr>
-              </a:buClr>
-              <a:buSzPct val="145000"/>
-              <a:buFont typeface="Arial"/>
-              <a:buChar char="•"/>
-              <a:defRPr sz="1400" kern="1200" cap="none">
-                <a:solidFill>
-                  <a:schemeClr val="tx1"/>
-                </a:solidFill>
-                <a:effectLst/>
-                <a:latin typeface="+mn-lt"/>
-                <a:ea typeface="+mn-ea"/>
-                <a:cs typeface="+mn-cs"/>
-              </a:defRPr>
-            </a:lvl7pPr>
-            <a:lvl8pPr marL="3429000" indent="-228600" algn="l" defTabSz="457200" rtl="0" eaLnBrk="1" latinLnBrk="0" hangingPunct="1">
-              <a:spcBef>
-                <a:spcPct val="20000"/>
-              </a:spcBef>
-              <a:spcAft>
-                <a:spcPts val="600"/>
-              </a:spcAft>
-              <a:buClr>
-                <a:schemeClr val="accent1">
-                  <a:lumMod val="75000"/>
-                </a:schemeClr>
-              </a:buClr>
-              <a:buSzPct val="145000"/>
-              <a:buFont typeface="Arial"/>
-              <a:buChar char="•"/>
-              <a:defRPr sz="1400" kern="1200" cap="none">
-                <a:solidFill>
-                  <a:schemeClr val="tx1"/>
-                </a:solidFill>
-                <a:effectLst/>
-                <a:latin typeface="+mn-lt"/>
-                <a:ea typeface="+mn-ea"/>
-                <a:cs typeface="+mn-cs"/>
-              </a:defRPr>
-            </a:lvl8pPr>
-            <a:lvl9pPr marL="3886200" indent="-228600" algn="l" defTabSz="457200" rtl="0" eaLnBrk="1" latinLnBrk="0" hangingPunct="1">
-              <a:spcBef>
-                <a:spcPct val="20000"/>
-              </a:spcBef>
-              <a:spcAft>
-                <a:spcPts val="600"/>
-              </a:spcAft>
-              <a:buClr>
-                <a:schemeClr val="accent1">
-                  <a:lumMod val="75000"/>
-                </a:schemeClr>
-              </a:buClr>
-              <a:buSzPct val="145000"/>
-              <a:buFont typeface="Arial"/>
-              <a:buChar char="•"/>
-              <a:defRPr sz="1400" kern="1200" cap="none">
-                <a:solidFill>
-                  <a:schemeClr val="tx1"/>
-                </a:solidFill>
-                <a:effectLst/>
-                <a:latin typeface="+mn-lt"/>
-                <a:ea typeface="+mn-ea"/>
-                <a:cs typeface="+mn-cs"/>
-              </a:defRPr>
-            </a:lvl9pPr>
-          </a:lstStyle>
-          <a:p>
-            <a:r>
-              <a:rPr lang="ru-RU" dirty="0" smtClean="0"/>
-              <a:t>Все метрики и их отображения могут быть настроены в процессе персонализации системы. </a:t>
-            </a:r>
-          </a:p>
-        </p:txBody>
-      </p:sp>
-    </p:spTree>
-    <p:extLst>
-      <p:ext uri="{BB962C8B-B14F-4D97-AF65-F5344CB8AC3E}">
-        <p14:creationId xmlns:p14="http://schemas.microsoft.com/office/powerpoint/2010/main" val="721421055"/>
-      </p:ext>
-    </p:extLst>
-  </p:cSld>
-  <p:clrMapOvr>
-    <a:masterClrMapping/>
-  </p:clrMapOvr>
-  <p:timing>
-    <p:tnLst>
-      <p:par>
-        <p:cTn id="1" dur="indefinite" restart="never" nodeType="tmRoot"/>
-      </p:par>
-    </p:tnLst>
-  </p:timing>
-</p:sld>
-</file>
-
-<file path=ppt/slides/slide17.xml><?xml version="1.0" encoding="utf-8"?>
-<p:sld xmlns:a="http://schemas.openxmlformats.org/drawingml/2006/main" xmlns:r="http://schemas.openxmlformats.org/officeDocument/2006/relationships" xmlns:p="http://schemas.openxmlformats.org/presentationml/2006/main">
-  <p:cSld>
-    <p:spTree>
-      <p:nvGrpSpPr>
-        <p:cNvPr id="1" name=""/>
-        <p:cNvGrpSpPr/>
-        <p:nvPr/>
-      </p:nvGrpSpPr>
-      <p:grpSpPr>
-        <a:xfrm>
-          <a:off x="0" y="0"/>
-          <a:ext cx="0" cy="0"/>
-          <a:chOff x="0" y="0"/>
-          <a:chExt cx="0" cy="0"/>
-        </a:xfrm>
-      </p:grpSpPr>
-      <p:sp>
-        <p:nvSpPr>
-          <p:cNvPr id="2" name="Заголовок 1"/>
-          <p:cNvSpPr>
-            <a:spLocks noGrp="1"/>
-          </p:cNvSpPr>
-          <p:nvPr>
-            <p:ph type="title"/>
-          </p:nvPr>
-        </p:nvSpPr>
-        <p:spPr>
-          <a:xfrm>
-            <a:off x="1484309" y="1"/>
-            <a:ext cx="10018713" cy="1122218"/>
-          </a:xfrm>
-        </p:spPr>
-        <p:txBody>
-          <a:bodyPr/>
-          <a:lstStyle/>
-          <a:p>
-            <a:r>
-              <a:rPr lang="ru-RU" dirty="0" smtClean="0"/>
               <a:t>Построение аналитики </a:t>
             </a:r>
             <a:endParaRPr lang="ru-RU" dirty="0"/>
@@ -23842,7 +21896,7 @@
         </p:blipFill>
         <p:spPr bwMode="auto">
           <a:xfrm>
-            <a:off x="1886990" y="947650"/>
+            <a:off x="1685649" y="947649"/>
             <a:ext cx="2394065" cy="5087389"/>
           </a:xfrm>
           <a:prstGeom prst="rect">
@@ -24159,7 +22213,7 @@
 </p:sld>
 </file>
 
-<file path=ppt/slides/slide18.xml><?xml version="1.0" encoding="utf-8"?>
+<file path=ppt/slides/slide17.xml><?xml version="1.0" encoding="utf-8"?>
 <p:sld xmlns:a="http://schemas.openxmlformats.org/drawingml/2006/main" xmlns:r="http://schemas.openxmlformats.org/officeDocument/2006/relationships" xmlns:p="http://schemas.openxmlformats.org/presentationml/2006/main">
   <p:cSld>
     <p:spTree>
@@ -24744,34 +22798,6 @@
           </a:p>
         </p:txBody>
       </p:sp>
-      <p:pic>
-        <p:nvPicPr>
-          <p:cNvPr id="7" name="Рисунок 6"/>
-          <p:cNvPicPr/>
-          <p:nvPr/>
-        </p:nvPicPr>
-        <p:blipFill>
-          <a:blip r:embed="rId2">
-            <a:extLst>
-              <a:ext uri="{28A0092B-C50C-407E-A947-70E740481C1C}">
-                <a14:useLocalDpi xmlns:a14="http://schemas.microsoft.com/office/drawing/2010/main" val="0"/>
-              </a:ext>
-            </a:extLst>
-          </a:blip>
-          <a:stretch>
-            <a:fillRect/>
-          </a:stretch>
-        </p:blipFill>
-        <p:spPr>
-          <a:xfrm>
-            <a:off x="6467341" y="2593572"/>
-            <a:ext cx="4943262" cy="1397635"/>
-          </a:xfrm>
-          <a:prstGeom prst="rect">
-            <a:avLst/>
-          </a:prstGeom>
-        </p:spPr>
-      </p:pic>
       <p:sp>
         <p:nvSpPr>
           <p:cNvPr id="10" name="Объект 3"/>
@@ -25098,8 +23124,8 @@
         </p:nvSpPr>
         <p:spPr>
           <a:xfrm>
-            <a:off x="6809103" y="3792404"/>
-            <a:ext cx="5030179" cy="1026624"/>
+            <a:off x="6860861" y="2418451"/>
+            <a:ext cx="4896943" cy="3692501"/>
           </a:xfrm>
           <a:prstGeom prst="rect">
             <a:avLst/>
@@ -26830,8 +24856,8 @@
         </p:nvSpPr>
         <p:spPr>
           <a:xfrm>
-            <a:off x="8296525" y="1113905"/>
-            <a:ext cx="3989687" cy="4771505"/>
+            <a:off x="9195759" y="1067480"/>
+            <a:ext cx="2996242" cy="4830161"/>
           </a:xfrm>
         </p:spPr>
         <p:txBody>
@@ -26897,8 +24923,8 @@
         </p:blipFill>
         <p:spPr>
           <a:xfrm>
-            <a:off x="1609000" y="1667592"/>
-            <a:ext cx="6496332" cy="3893620"/>
+            <a:off x="1609000" y="1483743"/>
+            <a:ext cx="7665185" cy="4413899"/>
           </a:xfrm>
           <a:prstGeom prst="rect">
             <a:avLst/>
@@ -26955,11 +24981,13 @@
         <p:spPr>
           <a:xfrm>
             <a:off x="1484309" y="1"/>
-            <a:ext cx="10018713" cy="1122218"/>
+            <a:ext cx="10018713" cy="690112"/>
           </a:xfrm>
         </p:spPr>
         <p:txBody>
-          <a:bodyPr/>
+          <a:bodyPr>
+            <a:normAutofit fontScale="90000"/>
+          </a:bodyPr>
           <a:lstStyle/>
           <a:p>
             <a:r>
@@ -26982,7 +25010,7 @@
         </p:nvSpPr>
         <p:spPr>
           <a:xfrm>
-            <a:off x="2252966" y="5029200"/>
+            <a:off x="2166702" y="5339751"/>
             <a:ext cx="9250055" cy="1631757"/>
           </a:xfrm>
         </p:spPr>
@@ -27018,8 +25046,8 @@
         </p:blipFill>
         <p:spPr>
           <a:xfrm>
-            <a:off x="2252967" y="1122218"/>
-            <a:ext cx="8787566" cy="3906981"/>
+            <a:off x="1484309" y="974785"/>
+            <a:ext cx="9932448" cy="4649638"/>
           </a:xfrm>
           <a:prstGeom prst="rect">
             <a:avLst/>

--- a/diplom_preza.pptx
+++ b/diplom_preza.pptx
@@ -22,6 +22,8 @@
     <p:sldId id="271" r:id="rId16"/>
     <p:sldId id="273" r:id="rId17"/>
     <p:sldId id="274" r:id="rId18"/>
+    <p:sldId id="278" r:id="rId19"/>
+    <p:sldId id="277" r:id="rId20"/>
   </p:sldIdLst>
   <p:sldSz cx="12192000" cy="6858000"/>
   <p:notesSz cx="6858000" cy="9144000"/>
@@ -1623,753 +1625,6 @@
 </file>
 
 <file path=ppt/diagrams/colors3.xml><?xml version="1.0" encoding="utf-8"?>
-<dgm:colorsDef xmlns:dgm="http://schemas.openxmlformats.org/drawingml/2006/diagram" xmlns:a="http://schemas.openxmlformats.org/drawingml/2006/main" uniqueId="urn:microsoft.com/office/officeart/2005/8/colors/accent1_2">
-  <dgm:title val=""/>
-  <dgm:desc val=""/>
-  <dgm:catLst>
-    <dgm:cat type="accent1" pri="11200"/>
-  </dgm:catLst>
-  <dgm:styleLbl name="node0">
-    <dgm:fillClrLst meth="repeat">
-      <a:schemeClr val="accent1"/>
-    </dgm:fillClrLst>
-    <dgm:linClrLst meth="repeat">
-      <a:schemeClr val="lt1"/>
-    </dgm:linClrLst>
-    <dgm:effectClrLst/>
-    <dgm:txLinClrLst/>
-    <dgm:txFillClrLst/>
-    <dgm:txEffectClrLst/>
-  </dgm:styleLbl>
-  <dgm:styleLbl name="alignNode1">
-    <dgm:fillClrLst meth="repeat">
-      <a:schemeClr val="accent1"/>
-    </dgm:fillClrLst>
-    <dgm:linClrLst meth="repeat">
-      <a:schemeClr val="accent1"/>
-    </dgm:linClrLst>
-    <dgm:effectClrLst/>
-    <dgm:txLinClrLst/>
-    <dgm:txFillClrLst/>
-    <dgm:txEffectClrLst/>
-  </dgm:styleLbl>
-  <dgm:styleLbl name="node1">
-    <dgm:fillClrLst meth="repeat">
-      <a:schemeClr val="accent1"/>
-    </dgm:fillClrLst>
-    <dgm:linClrLst meth="repeat">
-      <a:schemeClr val="lt1"/>
-    </dgm:linClrLst>
-    <dgm:effectClrLst/>
-    <dgm:txLinClrLst/>
-    <dgm:txFillClrLst/>
-    <dgm:txEffectClrLst/>
-  </dgm:styleLbl>
-  <dgm:styleLbl name="lnNode1">
-    <dgm:fillClrLst meth="repeat">
-      <a:schemeClr val="accent1"/>
-    </dgm:fillClrLst>
-    <dgm:linClrLst meth="repeat">
-      <a:schemeClr val="lt1"/>
-    </dgm:linClrLst>
-    <dgm:effectClrLst/>
-    <dgm:txLinClrLst/>
-    <dgm:txFillClrLst/>
-    <dgm:txEffectClrLst/>
-  </dgm:styleLbl>
-  <dgm:styleLbl name="vennNode1">
-    <dgm:fillClrLst meth="repeat">
-      <a:schemeClr val="accent1">
-        <a:alpha val="50000"/>
-      </a:schemeClr>
-    </dgm:fillClrLst>
-    <dgm:linClrLst meth="repeat">
-      <a:schemeClr val="lt1"/>
-    </dgm:linClrLst>
-    <dgm:effectClrLst/>
-    <dgm:txLinClrLst/>
-    <dgm:txFillClrLst/>
-    <dgm:txEffectClrLst/>
-  </dgm:styleLbl>
-  <dgm:styleLbl name="node2">
-    <dgm:fillClrLst meth="repeat">
-      <a:schemeClr val="accent1"/>
-    </dgm:fillClrLst>
-    <dgm:linClrLst meth="repeat">
-      <a:schemeClr val="lt1"/>
-    </dgm:linClrLst>
-    <dgm:effectClrLst/>
-    <dgm:txLinClrLst/>
-    <dgm:txFillClrLst/>
-    <dgm:txEffectClrLst/>
-  </dgm:styleLbl>
-  <dgm:styleLbl name="node3">
-    <dgm:fillClrLst meth="repeat">
-      <a:schemeClr val="accent1"/>
-    </dgm:fillClrLst>
-    <dgm:linClrLst meth="repeat">
-      <a:schemeClr val="lt1"/>
-    </dgm:linClrLst>
-    <dgm:effectClrLst/>
-    <dgm:txLinClrLst/>
-    <dgm:txFillClrLst/>
-    <dgm:txEffectClrLst/>
-  </dgm:styleLbl>
-  <dgm:styleLbl name="node4">
-    <dgm:fillClrLst meth="repeat">
-      <a:schemeClr val="accent1"/>
-    </dgm:fillClrLst>
-    <dgm:linClrLst meth="repeat">
-      <a:schemeClr val="lt1"/>
-    </dgm:linClrLst>
-    <dgm:effectClrLst/>
-    <dgm:txLinClrLst/>
-    <dgm:txFillClrLst/>
-    <dgm:txEffectClrLst/>
-  </dgm:styleLbl>
-  <dgm:styleLbl name="fgImgPlace1">
-    <dgm:fillClrLst meth="repeat">
-      <a:schemeClr val="accent1">
-        <a:tint val="50000"/>
-      </a:schemeClr>
-    </dgm:fillClrLst>
-    <dgm:linClrLst meth="repeat">
-      <a:schemeClr val="lt1"/>
-    </dgm:linClrLst>
-    <dgm:effectClrLst/>
-    <dgm:txLinClrLst/>
-    <dgm:txFillClrLst meth="repeat">
-      <a:schemeClr val="lt1"/>
-    </dgm:txFillClrLst>
-    <dgm:txEffectClrLst/>
-  </dgm:styleLbl>
-  <dgm:styleLbl name="alignImgPlace1">
-    <dgm:fillClrLst meth="repeat">
-      <a:schemeClr val="accent1">
-        <a:tint val="50000"/>
-      </a:schemeClr>
-    </dgm:fillClrLst>
-    <dgm:linClrLst meth="repeat">
-      <a:schemeClr val="lt1"/>
-    </dgm:linClrLst>
-    <dgm:effectClrLst/>
-    <dgm:txLinClrLst/>
-    <dgm:txFillClrLst meth="repeat">
-      <a:schemeClr val="lt1"/>
-    </dgm:txFillClrLst>
-    <dgm:txEffectClrLst/>
-  </dgm:styleLbl>
-  <dgm:styleLbl name="bgImgPlace1">
-    <dgm:fillClrLst meth="repeat">
-      <a:schemeClr val="accent1">
-        <a:tint val="50000"/>
-      </a:schemeClr>
-    </dgm:fillClrLst>
-    <dgm:linClrLst meth="repeat">
-      <a:schemeClr val="lt1"/>
-    </dgm:linClrLst>
-    <dgm:effectClrLst/>
-    <dgm:txLinClrLst/>
-    <dgm:txFillClrLst meth="repeat">
-      <a:schemeClr val="lt1"/>
-    </dgm:txFillClrLst>
-    <dgm:txEffectClrLst/>
-  </dgm:styleLbl>
-  <dgm:styleLbl name="sibTrans2D1">
-    <dgm:fillClrLst meth="repeat">
-      <a:schemeClr val="accent1">
-        <a:tint val="60000"/>
-      </a:schemeClr>
-    </dgm:fillClrLst>
-    <dgm:linClrLst meth="repeat">
-      <a:schemeClr val="accent1">
-        <a:tint val="60000"/>
-      </a:schemeClr>
-    </dgm:linClrLst>
-    <dgm:effectClrLst/>
-    <dgm:txLinClrLst/>
-    <dgm:txFillClrLst/>
-    <dgm:txEffectClrLst/>
-  </dgm:styleLbl>
-  <dgm:styleLbl name="fgSibTrans2D1">
-    <dgm:fillClrLst meth="repeat">
-      <a:schemeClr val="accent1">
-        <a:tint val="60000"/>
-      </a:schemeClr>
-    </dgm:fillClrLst>
-    <dgm:linClrLst meth="repeat">
-      <a:schemeClr val="accent1">
-        <a:tint val="60000"/>
-      </a:schemeClr>
-    </dgm:linClrLst>
-    <dgm:effectClrLst/>
-    <dgm:txLinClrLst/>
-    <dgm:txFillClrLst/>
-    <dgm:txEffectClrLst/>
-  </dgm:styleLbl>
-  <dgm:styleLbl name="bgSibTrans2D1">
-    <dgm:fillClrLst meth="repeat">
-      <a:schemeClr val="accent1">
-        <a:tint val="60000"/>
-      </a:schemeClr>
-    </dgm:fillClrLst>
-    <dgm:linClrLst meth="repeat">
-      <a:schemeClr val="accent1">
-        <a:tint val="60000"/>
-      </a:schemeClr>
-    </dgm:linClrLst>
-    <dgm:effectClrLst/>
-    <dgm:txLinClrLst/>
-    <dgm:txFillClrLst/>
-    <dgm:txEffectClrLst/>
-  </dgm:styleLbl>
-  <dgm:styleLbl name="sibTrans1D1">
-    <dgm:fillClrLst meth="repeat">
-      <a:schemeClr val="accent1"/>
-    </dgm:fillClrLst>
-    <dgm:linClrLst meth="repeat">
-      <a:schemeClr val="accent1"/>
-    </dgm:linClrLst>
-    <dgm:effectClrLst/>
-    <dgm:txLinClrLst/>
-    <dgm:txFillClrLst meth="repeat">
-      <a:schemeClr val="tx1"/>
-    </dgm:txFillClrLst>
-    <dgm:txEffectClrLst/>
-  </dgm:styleLbl>
-  <dgm:styleLbl name="callout">
-    <dgm:fillClrLst meth="repeat">
-      <a:schemeClr val="accent1"/>
-    </dgm:fillClrLst>
-    <dgm:linClrLst meth="repeat">
-      <a:schemeClr val="accent1">
-        <a:tint val="50000"/>
-      </a:schemeClr>
-    </dgm:linClrLst>
-    <dgm:effectClrLst/>
-    <dgm:txLinClrLst/>
-    <dgm:txFillClrLst meth="repeat">
-      <a:schemeClr val="tx1"/>
-    </dgm:txFillClrLst>
-    <dgm:txEffectClrLst/>
-  </dgm:styleLbl>
-  <dgm:styleLbl name="asst0">
-    <dgm:fillClrLst meth="repeat">
-      <a:schemeClr val="accent1"/>
-    </dgm:fillClrLst>
-    <dgm:linClrLst meth="repeat">
-      <a:schemeClr val="lt1"/>
-    </dgm:linClrLst>
-    <dgm:effectClrLst/>
-    <dgm:txLinClrLst/>
-    <dgm:txFillClrLst/>
-    <dgm:txEffectClrLst/>
-  </dgm:styleLbl>
-  <dgm:styleLbl name="asst1">
-    <dgm:fillClrLst meth="repeat">
-      <a:schemeClr val="accent1"/>
-    </dgm:fillClrLst>
-    <dgm:linClrLst meth="repeat">
-      <a:schemeClr val="lt1"/>
-    </dgm:linClrLst>
-    <dgm:effectClrLst/>
-    <dgm:txLinClrLst/>
-    <dgm:txFillClrLst/>
-    <dgm:txEffectClrLst/>
-  </dgm:styleLbl>
-  <dgm:styleLbl name="asst2">
-    <dgm:fillClrLst meth="repeat">
-      <a:schemeClr val="accent1"/>
-    </dgm:fillClrLst>
-    <dgm:linClrLst meth="repeat">
-      <a:schemeClr val="lt1"/>
-    </dgm:linClrLst>
-    <dgm:effectClrLst/>
-    <dgm:txLinClrLst/>
-    <dgm:txFillClrLst/>
-    <dgm:txEffectClrLst/>
-  </dgm:styleLbl>
-  <dgm:styleLbl name="asst3">
-    <dgm:fillClrLst meth="repeat">
-      <a:schemeClr val="accent1"/>
-    </dgm:fillClrLst>
-    <dgm:linClrLst meth="repeat">
-      <a:schemeClr val="lt1"/>
-    </dgm:linClrLst>
-    <dgm:effectClrLst/>
-    <dgm:txLinClrLst/>
-    <dgm:txFillClrLst/>
-    <dgm:txEffectClrLst/>
-  </dgm:styleLbl>
-  <dgm:styleLbl name="asst4">
-    <dgm:fillClrLst meth="repeat">
-      <a:schemeClr val="accent1"/>
-    </dgm:fillClrLst>
-    <dgm:linClrLst meth="repeat">
-      <a:schemeClr val="lt1"/>
-    </dgm:linClrLst>
-    <dgm:effectClrLst/>
-    <dgm:txLinClrLst/>
-    <dgm:txFillClrLst/>
-    <dgm:txEffectClrLst/>
-  </dgm:styleLbl>
-  <dgm:styleLbl name="parChTrans2D1">
-    <dgm:fillClrLst meth="repeat">
-      <a:schemeClr val="accent1">
-        <a:tint val="60000"/>
-      </a:schemeClr>
-    </dgm:fillClrLst>
-    <dgm:linClrLst meth="repeat">
-      <a:schemeClr val="accent1">
-        <a:tint val="60000"/>
-      </a:schemeClr>
-    </dgm:linClrLst>
-    <dgm:effectClrLst/>
-    <dgm:txLinClrLst/>
-    <dgm:txFillClrLst meth="repeat">
-      <a:schemeClr val="lt1"/>
-    </dgm:txFillClrLst>
-    <dgm:txEffectClrLst/>
-  </dgm:styleLbl>
-  <dgm:styleLbl name="parChTrans2D2">
-    <dgm:fillClrLst meth="repeat">
-      <a:schemeClr val="accent1"/>
-    </dgm:fillClrLst>
-    <dgm:linClrLst meth="repeat">
-      <a:schemeClr val="accent1"/>
-    </dgm:linClrLst>
-    <dgm:effectClrLst/>
-    <dgm:txLinClrLst/>
-    <dgm:txFillClrLst meth="repeat">
-      <a:schemeClr val="lt1"/>
-    </dgm:txFillClrLst>
-    <dgm:txEffectClrLst/>
-  </dgm:styleLbl>
-  <dgm:styleLbl name="parChTrans2D3">
-    <dgm:fillClrLst meth="repeat">
-      <a:schemeClr val="accent1"/>
-    </dgm:fillClrLst>
-    <dgm:linClrLst meth="repeat">
-      <a:schemeClr val="accent1"/>
-    </dgm:linClrLst>
-    <dgm:effectClrLst/>
-    <dgm:txLinClrLst/>
-    <dgm:txFillClrLst meth="repeat">
-      <a:schemeClr val="lt1"/>
-    </dgm:txFillClrLst>
-    <dgm:txEffectClrLst/>
-  </dgm:styleLbl>
-  <dgm:styleLbl name="parChTrans2D4">
-    <dgm:fillClrLst meth="repeat">
-      <a:schemeClr val="accent1"/>
-    </dgm:fillClrLst>
-    <dgm:linClrLst meth="repeat">
-      <a:schemeClr val="accent1"/>
-    </dgm:linClrLst>
-    <dgm:effectClrLst/>
-    <dgm:txLinClrLst/>
-    <dgm:txFillClrLst meth="repeat">
-      <a:schemeClr val="lt1"/>
-    </dgm:txFillClrLst>
-    <dgm:txEffectClrLst/>
-  </dgm:styleLbl>
-  <dgm:styleLbl name="parChTrans1D1">
-    <dgm:fillClrLst meth="repeat">
-      <a:schemeClr val="accent1"/>
-    </dgm:fillClrLst>
-    <dgm:linClrLst meth="repeat">
-      <a:schemeClr val="accent1">
-        <a:shade val="60000"/>
-      </a:schemeClr>
-    </dgm:linClrLst>
-    <dgm:effectClrLst/>
-    <dgm:txLinClrLst/>
-    <dgm:txFillClrLst meth="repeat">
-      <a:schemeClr val="tx1"/>
-    </dgm:txFillClrLst>
-    <dgm:txEffectClrLst/>
-  </dgm:styleLbl>
-  <dgm:styleLbl name="parChTrans1D2">
-    <dgm:fillClrLst meth="repeat">
-      <a:schemeClr val="accent1"/>
-    </dgm:fillClrLst>
-    <dgm:linClrLst meth="repeat">
-      <a:schemeClr val="accent1">
-        <a:shade val="60000"/>
-      </a:schemeClr>
-    </dgm:linClrLst>
-    <dgm:effectClrLst/>
-    <dgm:txLinClrLst/>
-    <dgm:txFillClrLst meth="repeat">
-      <a:schemeClr val="tx1"/>
-    </dgm:txFillClrLst>
-    <dgm:txEffectClrLst/>
-  </dgm:styleLbl>
-  <dgm:styleLbl name="parChTrans1D3">
-    <dgm:fillClrLst meth="repeat">
-      <a:schemeClr val="accent1"/>
-    </dgm:fillClrLst>
-    <dgm:linClrLst meth="repeat">
-      <a:schemeClr val="accent1">
-        <a:shade val="80000"/>
-      </a:schemeClr>
-    </dgm:linClrLst>
-    <dgm:effectClrLst/>
-    <dgm:txLinClrLst/>
-    <dgm:txFillClrLst meth="repeat">
-      <a:schemeClr val="tx1"/>
-    </dgm:txFillClrLst>
-    <dgm:txEffectClrLst/>
-  </dgm:styleLbl>
-  <dgm:styleLbl name="parChTrans1D4">
-    <dgm:fillClrLst meth="repeat">
-      <a:schemeClr val="accent1"/>
-    </dgm:fillClrLst>
-    <dgm:linClrLst meth="repeat">
-      <a:schemeClr val="accent1">
-        <a:shade val="80000"/>
-      </a:schemeClr>
-    </dgm:linClrLst>
-    <dgm:effectClrLst/>
-    <dgm:txLinClrLst/>
-    <dgm:txFillClrLst meth="repeat">
-      <a:schemeClr val="tx1"/>
-    </dgm:txFillClrLst>
-    <dgm:txEffectClrLst/>
-  </dgm:styleLbl>
-  <dgm:styleLbl name="fgAcc1">
-    <dgm:fillClrLst meth="repeat">
-      <a:schemeClr val="lt1">
-        <a:alpha val="90000"/>
-      </a:schemeClr>
-    </dgm:fillClrLst>
-    <dgm:linClrLst meth="repeat">
-      <a:schemeClr val="accent1"/>
-    </dgm:linClrLst>
-    <dgm:effectClrLst/>
-    <dgm:txLinClrLst/>
-    <dgm:txFillClrLst meth="repeat">
-      <a:schemeClr val="dk1"/>
-    </dgm:txFillClrLst>
-    <dgm:txEffectClrLst/>
-  </dgm:styleLbl>
-  <dgm:styleLbl name="conFgAcc1">
-    <dgm:fillClrLst meth="repeat">
-      <a:schemeClr val="lt1">
-        <a:alpha val="90000"/>
-      </a:schemeClr>
-    </dgm:fillClrLst>
-    <dgm:linClrLst meth="repeat">
-      <a:schemeClr val="accent1"/>
-    </dgm:linClrLst>
-    <dgm:effectClrLst/>
-    <dgm:txLinClrLst/>
-    <dgm:txFillClrLst meth="repeat">
-      <a:schemeClr val="dk1"/>
-    </dgm:txFillClrLst>
-    <dgm:txEffectClrLst/>
-  </dgm:styleLbl>
-  <dgm:styleLbl name="alignAcc1">
-    <dgm:fillClrLst meth="repeat">
-      <a:schemeClr val="lt1">
-        <a:alpha val="90000"/>
-      </a:schemeClr>
-    </dgm:fillClrLst>
-    <dgm:linClrLst meth="repeat">
-      <a:schemeClr val="accent1"/>
-    </dgm:linClrLst>
-    <dgm:effectClrLst/>
-    <dgm:txLinClrLst/>
-    <dgm:txFillClrLst meth="repeat">
-      <a:schemeClr val="dk1"/>
-    </dgm:txFillClrLst>
-    <dgm:txEffectClrLst/>
-  </dgm:styleLbl>
-  <dgm:styleLbl name="trAlignAcc1">
-    <dgm:fillClrLst meth="repeat">
-      <a:schemeClr val="lt1">
-        <a:alpha val="40000"/>
-      </a:schemeClr>
-    </dgm:fillClrLst>
-    <dgm:linClrLst meth="repeat">
-      <a:schemeClr val="accent1"/>
-    </dgm:linClrLst>
-    <dgm:effectClrLst/>
-    <dgm:txLinClrLst/>
-    <dgm:txFillClrLst meth="repeat">
-      <a:schemeClr val="dk1"/>
-    </dgm:txFillClrLst>
-    <dgm:txEffectClrLst/>
-  </dgm:styleLbl>
-  <dgm:styleLbl name="bgAcc1">
-    <dgm:fillClrLst meth="repeat">
-      <a:schemeClr val="lt1">
-        <a:alpha val="90000"/>
-      </a:schemeClr>
-    </dgm:fillClrLst>
-    <dgm:linClrLst meth="repeat">
-      <a:schemeClr val="accent1"/>
-    </dgm:linClrLst>
-    <dgm:effectClrLst/>
-    <dgm:txLinClrLst/>
-    <dgm:txFillClrLst meth="repeat">
-      <a:schemeClr val="dk1"/>
-    </dgm:txFillClrLst>
-    <dgm:txEffectClrLst/>
-  </dgm:styleLbl>
-  <dgm:styleLbl name="solidFgAcc1">
-    <dgm:fillClrLst meth="repeat">
-      <a:schemeClr val="lt1"/>
-    </dgm:fillClrLst>
-    <dgm:linClrLst meth="repeat">
-      <a:schemeClr val="accent1"/>
-    </dgm:linClrLst>
-    <dgm:effectClrLst/>
-    <dgm:txLinClrLst/>
-    <dgm:txFillClrLst meth="repeat">
-      <a:schemeClr val="dk1"/>
-    </dgm:txFillClrLst>
-    <dgm:txEffectClrLst/>
-  </dgm:styleLbl>
-  <dgm:styleLbl name="solidAlignAcc1">
-    <dgm:fillClrLst meth="repeat">
-      <a:schemeClr val="lt1"/>
-    </dgm:fillClrLst>
-    <dgm:linClrLst meth="repeat">
-      <a:schemeClr val="accent1"/>
-    </dgm:linClrLst>
-    <dgm:effectClrLst/>
-    <dgm:txLinClrLst/>
-    <dgm:txFillClrLst meth="repeat">
-      <a:schemeClr val="dk1"/>
-    </dgm:txFillClrLst>
-    <dgm:txEffectClrLst/>
-  </dgm:styleLbl>
-  <dgm:styleLbl name="solidBgAcc1">
-    <dgm:fillClrLst meth="repeat">
-      <a:schemeClr val="lt1"/>
-    </dgm:fillClrLst>
-    <dgm:linClrLst meth="repeat">
-      <a:schemeClr val="accent1"/>
-    </dgm:linClrLst>
-    <dgm:effectClrLst/>
-    <dgm:txLinClrLst/>
-    <dgm:txFillClrLst meth="repeat">
-      <a:schemeClr val="dk1"/>
-    </dgm:txFillClrLst>
-    <dgm:txEffectClrLst/>
-  </dgm:styleLbl>
-  <dgm:styleLbl name="fgAccFollowNode1">
-    <dgm:fillClrLst meth="repeat">
-      <a:schemeClr val="accent1">
-        <a:alpha val="90000"/>
-        <a:tint val="40000"/>
-      </a:schemeClr>
-    </dgm:fillClrLst>
-    <dgm:linClrLst meth="repeat">
-      <a:schemeClr val="accent1">
-        <a:alpha val="90000"/>
-        <a:tint val="40000"/>
-      </a:schemeClr>
-    </dgm:linClrLst>
-    <dgm:effectClrLst/>
-    <dgm:txLinClrLst/>
-    <dgm:txFillClrLst meth="repeat">
-      <a:schemeClr val="dk1"/>
-    </dgm:txFillClrLst>
-    <dgm:txEffectClrLst/>
-  </dgm:styleLbl>
-  <dgm:styleLbl name="alignAccFollowNode1">
-    <dgm:fillClrLst meth="repeat">
-      <a:schemeClr val="accent1">
-        <a:alpha val="90000"/>
-        <a:tint val="40000"/>
-      </a:schemeClr>
-    </dgm:fillClrLst>
-    <dgm:linClrLst meth="repeat">
-      <a:schemeClr val="accent1">
-        <a:alpha val="90000"/>
-        <a:tint val="40000"/>
-      </a:schemeClr>
-    </dgm:linClrLst>
-    <dgm:effectClrLst/>
-    <dgm:txLinClrLst/>
-    <dgm:txFillClrLst meth="repeat">
-      <a:schemeClr val="dk1"/>
-    </dgm:txFillClrLst>
-    <dgm:txEffectClrLst/>
-  </dgm:styleLbl>
-  <dgm:styleLbl name="bgAccFollowNode1">
-    <dgm:fillClrLst meth="repeat">
-      <a:schemeClr val="accent1">
-        <a:alpha val="90000"/>
-        <a:tint val="40000"/>
-      </a:schemeClr>
-    </dgm:fillClrLst>
-    <dgm:linClrLst meth="repeat">
-      <a:schemeClr val="accent1">
-        <a:alpha val="90000"/>
-        <a:tint val="40000"/>
-      </a:schemeClr>
-    </dgm:linClrLst>
-    <dgm:effectClrLst/>
-    <dgm:txLinClrLst/>
-    <dgm:txFillClrLst meth="repeat">
-      <a:schemeClr val="dk1"/>
-    </dgm:txFillClrLst>
-    <dgm:txEffectClrLst/>
-  </dgm:styleLbl>
-  <dgm:styleLbl name="fgAcc0">
-    <dgm:fillClrLst meth="repeat">
-      <a:schemeClr val="lt1">
-        <a:alpha val="90000"/>
-      </a:schemeClr>
-    </dgm:fillClrLst>
-    <dgm:linClrLst meth="repeat">
-      <a:schemeClr val="accent1"/>
-    </dgm:linClrLst>
-    <dgm:effectClrLst/>
-    <dgm:txLinClrLst/>
-    <dgm:txFillClrLst meth="repeat">
-      <a:schemeClr val="dk1"/>
-    </dgm:txFillClrLst>
-    <dgm:txEffectClrLst/>
-  </dgm:styleLbl>
-  <dgm:styleLbl name="fgAcc2">
-    <dgm:fillClrLst meth="repeat">
-      <a:schemeClr val="lt1">
-        <a:alpha val="90000"/>
-      </a:schemeClr>
-    </dgm:fillClrLst>
-    <dgm:linClrLst meth="repeat">
-      <a:schemeClr val="accent1"/>
-    </dgm:linClrLst>
-    <dgm:effectClrLst/>
-    <dgm:txLinClrLst/>
-    <dgm:txFillClrLst meth="repeat">
-      <a:schemeClr val="dk1"/>
-    </dgm:txFillClrLst>
-    <dgm:txEffectClrLst/>
-  </dgm:styleLbl>
-  <dgm:styleLbl name="fgAcc3">
-    <dgm:fillClrLst meth="repeat">
-      <a:schemeClr val="lt1">
-        <a:alpha val="90000"/>
-      </a:schemeClr>
-    </dgm:fillClrLst>
-    <dgm:linClrLst meth="repeat">
-      <a:schemeClr val="accent1"/>
-    </dgm:linClrLst>
-    <dgm:effectClrLst/>
-    <dgm:txLinClrLst/>
-    <dgm:txFillClrLst meth="repeat">
-      <a:schemeClr val="dk1"/>
-    </dgm:txFillClrLst>
-    <dgm:txEffectClrLst/>
-  </dgm:styleLbl>
-  <dgm:styleLbl name="fgAcc4">
-    <dgm:fillClrLst meth="repeat">
-      <a:schemeClr val="lt1">
-        <a:alpha val="90000"/>
-      </a:schemeClr>
-    </dgm:fillClrLst>
-    <dgm:linClrLst meth="repeat">
-      <a:schemeClr val="accent1"/>
-    </dgm:linClrLst>
-    <dgm:effectClrLst/>
-    <dgm:txLinClrLst/>
-    <dgm:txFillClrLst meth="repeat">
-      <a:schemeClr val="dk1"/>
-    </dgm:txFillClrLst>
-    <dgm:txEffectClrLst/>
-  </dgm:styleLbl>
-  <dgm:styleLbl name="bgShp">
-    <dgm:fillClrLst meth="repeat">
-      <a:schemeClr val="accent1">
-        <a:tint val="40000"/>
-      </a:schemeClr>
-    </dgm:fillClrLst>
-    <dgm:linClrLst meth="repeat">
-      <a:schemeClr val="accent1"/>
-    </dgm:linClrLst>
-    <dgm:effectClrLst/>
-    <dgm:txLinClrLst/>
-    <dgm:txFillClrLst meth="repeat">
-      <a:schemeClr val="dk1"/>
-    </dgm:txFillClrLst>
-    <dgm:txEffectClrLst/>
-  </dgm:styleLbl>
-  <dgm:styleLbl name="dkBgShp">
-    <dgm:fillClrLst meth="repeat">
-      <a:schemeClr val="accent1">
-        <a:shade val="80000"/>
-      </a:schemeClr>
-    </dgm:fillClrLst>
-    <dgm:linClrLst meth="repeat">
-      <a:schemeClr val="accent1"/>
-    </dgm:linClrLst>
-    <dgm:effectClrLst/>
-    <dgm:txLinClrLst/>
-    <dgm:txFillClrLst meth="repeat">
-      <a:schemeClr val="lt1"/>
-    </dgm:txFillClrLst>
-    <dgm:txEffectClrLst/>
-  </dgm:styleLbl>
-  <dgm:styleLbl name="trBgShp">
-    <dgm:fillClrLst meth="repeat">
-      <a:schemeClr val="accent1">
-        <a:tint val="50000"/>
-        <a:alpha val="40000"/>
-      </a:schemeClr>
-    </dgm:fillClrLst>
-    <dgm:linClrLst meth="repeat">
-      <a:schemeClr val="accent1"/>
-    </dgm:linClrLst>
-    <dgm:effectClrLst/>
-    <dgm:txLinClrLst/>
-    <dgm:txFillClrLst meth="repeat">
-      <a:schemeClr val="lt1"/>
-    </dgm:txFillClrLst>
-    <dgm:txEffectClrLst/>
-  </dgm:styleLbl>
-  <dgm:styleLbl name="fgShp">
-    <dgm:fillClrLst meth="repeat">
-      <a:schemeClr val="accent1">
-        <a:tint val="60000"/>
-      </a:schemeClr>
-    </dgm:fillClrLst>
-    <dgm:linClrLst meth="repeat">
-      <a:schemeClr val="lt1"/>
-    </dgm:linClrLst>
-    <dgm:effectClrLst/>
-    <dgm:txLinClrLst/>
-    <dgm:txFillClrLst meth="repeat">
-      <a:schemeClr val="dk1"/>
-    </dgm:txFillClrLst>
-    <dgm:txEffectClrLst/>
-  </dgm:styleLbl>
-  <dgm:styleLbl name="revTx">
-    <dgm:fillClrLst meth="repeat">
-      <a:schemeClr val="lt1">
-        <a:alpha val="0"/>
-      </a:schemeClr>
-    </dgm:fillClrLst>
-    <dgm:linClrLst meth="repeat">
-      <a:schemeClr val="dk1">
-        <a:alpha val="0"/>
-      </a:schemeClr>
-    </dgm:linClrLst>
-    <dgm:effectClrLst/>
-    <dgm:txLinClrLst/>
-    <dgm:txFillClrLst meth="repeat">
-      <a:schemeClr val="tx1"/>
-    </dgm:txFillClrLst>
-    <dgm:txEffectClrLst/>
-  </dgm:styleLbl>
-</dgm:colorsDef>
-</file>
-
-<file path=ppt/diagrams/colors4.xml><?xml version="1.0" encoding="utf-8"?>
 <dgm:colorsDef xmlns:dgm="http://schemas.openxmlformats.org/drawingml/2006/diagram" xmlns:a="http://schemas.openxmlformats.org/drawingml/2006/main" uniqueId="urn:microsoft.com/office/officeart/2005/8/colors/accent1_2">
   <dgm:title val=""/>
   <dgm:desc val=""/>
@@ -4350,333 +3605,6 @@
 </dgm:dataModel>
 </file>
 
-<file path=ppt/diagrams/data4.xml><?xml version="1.0" encoding="utf-8"?>
-<dgm:dataModel xmlns:dgm="http://schemas.openxmlformats.org/drawingml/2006/diagram" xmlns:a="http://schemas.openxmlformats.org/drawingml/2006/main">
-  <dgm:ptLst>
-    <dgm:pt modelId="{42CC372A-EA18-4709-A76C-BAEE1FA22F2A}" type="doc">
-      <dgm:prSet loTypeId="urn:microsoft.com/office/officeart/2005/8/layout/equation2" loCatId="relationship" qsTypeId="urn:microsoft.com/office/officeart/2005/8/quickstyle/simple1" qsCatId="simple" csTypeId="urn:microsoft.com/office/officeart/2005/8/colors/accent1_2" csCatId="accent1" phldr="1"/>
-      <dgm:spPr/>
-    </dgm:pt>
-    <dgm:pt modelId="{E465C827-75E9-40A7-AE6C-2ED26D331B32}">
-      <dgm:prSet phldrT="[Текст]"/>
-      <dgm:spPr/>
-      <dgm:t>
-        <a:bodyPr/>
-        <a:lstStyle/>
-        <a:p>
-          <a:r>
-            <a:rPr lang="ru-RU" dirty="0" smtClean="0"/>
-            <a:t>Кейс</a:t>
-          </a:r>
-          <a:endParaRPr lang="ru-RU" dirty="0"/>
-        </a:p>
-      </dgm:t>
-    </dgm:pt>
-    <dgm:pt modelId="{FEAC5062-2FB0-4B7B-B7F4-74F8FCAAD2CB}" type="parTrans" cxnId="{766113AA-F8DA-4AFC-9D79-A29FDB28AB84}">
-      <dgm:prSet/>
-      <dgm:spPr/>
-      <dgm:t>
-        <a:bodyPr/>
-        <a:lstStyle/>
-        <a:p>
-          <a:endParaRPr lang="ru-RU"/>
-        </a:p>
-      </dgm:t>
-    </dgm:pt>
-    <dgm:pt modelId="{5E02E3AB-CB39-43E7-85E9-D37242C55776}" type="sibTrans" cxnId="{766113AA-F8DA-4AFC-9D79-A29FDB28AB84}">
-      <dgm:prSet/>
-      <dgm:spPr/>
-      <dgm:t>
-        <a:bodyPr/>
-        <a:lstStyle/>
-        <a:p>
-          <a:endParaRPr lang="ru-RU"/>
-        </a:p>
-      </dgm:t>
-    </dgm:pt>
-    <dgm:pt modelId="{327C2AAE-46DF-4F84-A45D-18B7C881FAD0}">
-      <dgm:prSet phldrT="[Текст]"/>
-      <dgm:spPr/>
-      <dgm:t>
-        <a:bodyPr/>
-        <a:lstStyle/>
-        <a:p>
-          <a:r>
-            <a:rPr lang="ru-RU" dirty="0" smtClean="0"/>
-            <a:t>Задачи</a:t>
-          </a:r>
-          <a:endParaRPr lang="ru-RU" dirty="0"/>
-        </a:p>
-      </dgm:t>
-    </dgm:pt>
-    <dgm:pt modelId="{754DDDEF-40EE-449E-AFF2-D1DBE85375DA}" type="parTrans" cxnId="{6C9CB5EA-5D0D-4C5A-B059-478C2A5A738E}">
-      <dgm:prSet/>
-      <dgm:spPr/>
-      <dgm:t>
-        <a:bodyPr/>
-        <a:lstStyle/>
-        <a:p>
-          <a:endParaRPr lang="ru-RU"/>
-        </a:p>
-      </dgm:t>
-    </dgm:pt>
-    <dgm:pt modelId="{CF20C69B-DA64-4915-8C58-090C103802D0}" type="sibTrans" cxnId="{6C9CB5EA-5D0D-4C5A-B059-478C2A5A738E}">
-      <dgm:prSet/>
-      <dgm:spPr/>
-      <dgm:t>
-        <a:bodyPr/>
-        <a:lstStyle/>
-        <a:p>
-          <a:endParaRPr lang="ru-RU"/>
-        </a:p>
-      </dgm:t>
-    </dgm:pt>
-    <dgm:pt modelId="{18024980-53C6-49EF-9C21-374DBED37CF1}">
-      <dgm:prSet phldrT="[Текст]"/>
-      <dgm:spPr/>
-      <dgm:t>
-        <a:bodyPr/>
-        <a:lstStyle/>
-        <a:p>
-          <a:r>
-            <a:rPr lang="ru-RU" dirty="0" smtClean="0"/>
-            <a:t>Успешная сделка</a:t>
-          </a:r>
-          <a:endParaRPr lang="ru-RU" dirty="0"/>
-        </a:p>
-      </dgm:t>
-    </dgm:pt>
-    <dgm:pt modelId="{251FBAC3-2AC3-4523-8CCD-4C15D8FB4438}" type="parTrans" cxnId="{0693723D-2EC5-486B-B409-004B8878FD93}">
-      <dgm:prSet/>
-      <dgm:spPr/>
-      <dgm:t>
-        <a:bodyPr/>
-        <a:lstStyle/>
-        <a:p>
-          <a:endParaRPr lang="ru-RU"/>
-        </a:p>
-      </dgm:t>
-    </dgm:pt>
-    <dgm:pt modelId="{C54D862C-A88D-40FD-B8B5-1CCC230CC615}" type="sibTrans" cxnId="{0693723D-2EC5-486B-B409-004B8878FD93}">
-      <dgm:prSet/>
-      <dgm:spPr/>
-      <dgm:t>
-        <a:bodyPr/>
-        <a:lstStyle/>
-        <a:p>
-          <a:endParaRPr lang="ru-RU"/>
-        </a:p>
-      </dgm:t>
-    </dgm:pt>
-    <dgm:pt modelId="{DF51A02E-AF09-40B0-B50A-557485F49DD5}">
-      <dgm:prSet phldrT="[Текст]"/>
-      <dgm:spPr/>
-      <dgm:t>
-        <a:bodyPr/>
-        <a:lstStyle/>
-        <a:p>
-          <a:r>
-            <a:rPr lang="ru-RU" dirty="0" smtClean="0"/>
-            <a:t>Клиент</a:t>
-          </a:r>
-          <a:endParaRPr lang="ru-RU" dirty="0"/>
-        </a:p>
-      </dgm:t>
-    </dgm:pt>
-    <dgm:pt modelId="{CA717E37-4C15-4004-B4BE-1EBC056F6DDD}" type="parTrans" cxnId="{EE78A05C-92E8-4D8D-97C5-799CDCB04447}">
-      <dgm:prSet/>
-      <dgm:spPr/>
-      <dgm:t>
-        <a:bodyPr/>
-        <a:lstStyle/>
-        <a:p>
-          <a:endParaRPr lang="ru-RU"/>
-        </a:p>
-      </dgm:t>
-    </dgm:pt>
-    <dgm:pt modelId="{E8EC49C6-72E6-44E3-B471-7CB646A010E9}" type="sibTrans" cxnId="{EE78A05C-92E8-4D8D-97C5-799CDCB04447}">
-      <dgm:prSet/>
-      <dgm:spPr/>
-      <dgm:t>
-        <a:bodyPr/>
-        <a:lstStyle/>
-        <a:p>
-          <a:endParaRPr lang="ru-RU"/>
-        </a:p>
-      </dgm:t>
-    </dgm:pt>
-    <dgm:pt modelId="{01A15E08-1922-46CE-B71C-5F5D7706E535}" type="pres">
-      <dgm:prSet presAssocID="{42CC372A-EA18-4709-A76C-BAEE1FA22F2A}" presName="Name0" presStyleCnt="0">
-        <dgm:presLayoutVars>
-          <dgm:dir/>
-          <dgm:resizeHandles val="exact"/>
-        </dgm:presLayoutVars>
-      </dgm:prSet>
-      <dgm:spPr/>
-    </dgm:pt>
-    <dgm:pt modelId="{6FA484C1-8D19-4837-91AF-93E24B03AFEB}" type="pres">
-      <dgm:prSet presAssocID="{42CC372A-EA18-4709-A76C-BAEE1FA22F2A}" presName="vNodes" presStyleCnt="0"/>
-      <dgm:spPr/>
-    </dgm:pt>
-    <dgm:pt modelId="{5458A663-E42A-4914-AAD0-DA7EB1171E9D}" type="pres">
-      <dgm:prSet presAssocID="{E465C827-75E9-40A7-AE6C-2ED26D331B32}" presName="node" presStyleLbl="node1" presStyleIdx="0" presStyleCnt="4">
-        <dgm:presLayoutVars>
-          <dgm:bulletEnabled val="1"/>
-        </dgm:presLayoutVars>
-      </dgm:prSet>
-      <dgm:spPr/>
-      <dgm:t>
-        <a:bodyPr/>
-        <a:lstStyle/>
-        <a:p>
-          <a:endParaRPr lang="ru-RU"/>
-        </a:p>
-      </dgm:t>
-    </dgm:pt>
-    <dgm:pt modelId="{60E4B6CA-F8CC-4A84-992B-5784B8001095}" type="pres">
-      <dgm:prSet presAssocID="{5E02E3AB-CB39-43E7-85E9-D37242C55776}" presName="spacerT" presStyleCnt="0"/>
-      <dgm:spPr/>
-    </dgm:pt>
-    <dgm:pt modelId="{66C934CE-B9CA-4197-8FC0-9EA3DDB4EE42}" type="pres">
-      <dgm:prSet presAssocID="{5E02E3AB-CB39-43E7-85E9-D37242C55776}" presName="sibTrans" presStyleLbl="sibTrans2D1" presStyleIdx="0" presStyleCnt="3"/>
-      <dgm:spPr/>
-      <dgm:t>
-        <a:bodyPr/>
-        <a:lstStyle/>
-        <a:p>
-          <a:endParaRPr lang="ru-RU"/>
-        </a:p>
-      </dgm:t>
-    </dgm:pt>
-    <dgm:pt modelId="{5BCDE626-F66C-4558-B8FC-40CC2EE7A11D}" type="pres">
-      <dgm:prSet presAssocID="{5E02E3AB-CB39-43E7-85E9-D37242C55776}" presName="spacerB" presStyleCnt="0"/>
-      <dgm:spPr/>
-    </dgm:pt>
-    <dgm:pt modelId="{C8C8591B-9DB9-4536-AD4D-C7DEC31B0283}" type="pres">
-      <dgm:prSet presAssocID="{327C2AAE-46DF-4F84-A45D-18B7C881FAD0}" presName="node" presStyleLbl="node1" presStyleIdx="1" presStyleCnt="4">
-        <dgm:presLayoutVars>
-          <dgm:bulletEnabled val="1"/>
-        </dgm:presLayoutVars>
-      </dgm:prSet>
-      <dgm:spPr/>
-      <dgm:t>
-        <a:bodyPr/>
-        <a:lstStyle/>
-        <a:p>
-          <a:endParaRPr lang="ru-RU"/>
-        </a:p>
-      </dgm:t>
-    </dgm:pt>
-    <dgm:pt modelId="{8F937C6E-D0B7-43E7-B4F8-8C479B3B55E8}" type="pres">
-      <dgm:prSet presAssocID="{CF20C69B-DA64-4915-8C58-090C103802D0}" presName="spacerT" presStyleCnt="0"/>
-      <dgm:spPr/>
-    </dgm:pt>
-    <dgm:pt modelId="{48525D7E-D006-47E3-BA1F-E2D41B4498F9}" type="pres">
-      <dgm:prSet presAssocID="{CF20C69B-DA64-4915-8C58-090C103802D0}" presName="sibTrans" presStyleLbl="sibTrans2D1" presStyleIdx="1" presStyleCnt="3"/>
-      <dgm:spPr/>
-      <dgm:t>
-        <a:bodyPr/>
-        <a:lstStyle/>
-        <a:p>
-          <a:endParaRPr lang="ru-RU"/>
-        </a:p>
-      </dgm:t>
-    </dgm:pt>
-    <dgm:pt modelId="{758F8F8B-B4EA-4B97-A698-FBC9DA1243C2}" type="pres">
-      <dgm:prSet presAssocID="{CF20C69B-DA64-4915-8C58-090C103802D0}" presName="spacerB" presStyleCnt="0"/>
-      <dgm:spPr/>
-    </dgm:pt>
-    <dgm:pt modelId="{AD22133D-627F-45F6-BB06-4604D550E459}" type="pres">
-      <dgm:prSet presAssocID="{DF51A02E-AF09-40B0-B50A-557485F49DD5}" presName="node" presStyleLbl="node1" presStyleIdx="2" presStyleCnt="4">
-        <dgm:presLayoutVars>
-          <dgm:bulletEnabled val="1"/>
-        </dgm:presLayoutVars>
-      </dgm:prSet>
-      <dgm:spPr/>
-      <dgm:t>
-        <a:bodyPr/>
-        <a:lstStyle/>
-        <a:p>
-          <a:endParaRPr lang="ru-RU"/>
-        </a:p>
-      </dgm:t>
-    </dgm:pt>
-    <dgm:pt modelId="{AB4F43DD-DD56-4085-A4FD-32D308BB5986}" type="pres">
-      <dgm:prSet presAssocID="{42CC372A-EA18-4709-A76C-BAEE1FA22F2A}" presName="sibTransLast" presStyleLbl="sibTrans2D1" presStyleIdx="2" presStyleCnt="3"/>
-      <dgm:spPr/>
-      <dgm:t>
-        <a:bodyPr/>
-        <a:lstStyle/>
-        <a:p>
-          <a:endParaRPr lang="ru-RU"/>
-        </a:p>
-      </dgm:t>
-    </dgm:pt>
-    <dgm:pt modelId="{DE8D7D8D-DFD5-4506-98E5-91F1F587A046}" type="pres">
-      <dgm:prSet presAssocID="{42CC372A-EA18-4709-A76C-BAEE1FA22F2A}" presName="connectorText" presStyleLbl="sibTrans2D1" presStyleIdx="2" presStyleCnt="3"/>
-      <dgm:spPr/>
-      <dgm:t>
-        <a:bodyPr/>
-        <a:lstStyle/>
-        <a:p>
-          <a:endParaRPr lang="ru-RU"/>
-        </a:p>
-      </dgm:t>
-    </dgm:pt>
-    <dgm:pt modelId="{0E3F3EF8-E410-446C-9C06-5329ABF58990}" type="pres">
-      <dgm:prSet presAssocID="{42CC372A-EA18-4709-A76C-BAEE1FA22F2A}" presName="lastNode" presStyleLbl="node1" presStyleIdx="3" presStyleCnt="4">
-        <dgm:presLayoutVars>
-          <dgm:bulletEnabled val="1"/>
-        </dgm:presLayoutVars>
-      </dgm:prSet>
-      <dgm:spPr/>
-      <dgm:t>
-        <a:bodyPr/>
-        <a:lstStyle/>
-        <a:p>
-          <a:endParaRPr lang="ru-RU"/>
-        </a:p>
-      </dgm:t>
-    </dgm:pt>
-  </dgm:ptLst>
-  <dgm:cxnLst>
-    <dgm:cxn modelId="{33CD3B33-85F0-44BE-B866-95F44A98E29E}" type="presOf" srcId="{5E02E3AB-CB39-43E7-85E9-D37242C55776}" destId="{66C934CE-B9CA-4197-8FC0-9EA3DDB4EE42}" srcOrd="0" destOrd="0" presId="urn:microsoft.com/office/officeart/2005/8/layout/equation2"/>
-    <dgm:cxn modelId="{A6C9A72D-CBC4-4283-9079-3679E4ED2F1C}" type="presOf" srcId="{DF51A02E-AF09-40B0-B50A-557485F49DD5}" destId="{AD22133D-627F-45F6-BB06-4604D550E459}" srcOrd="0" destOrd="0" presId="urn:microsoft.com/office/officeart/2005/8/layout/equation2"/>
-    <dgm:cxn modelId="{766113AA-F8DA-4AFC-9D79-A29FDB28AB84}" srcId="{42CC372A-EA18-4709-A76C-BAEE1FA22F2A}" destId="{E465C827-75E9-40A7-AE6C-2ED26D331B32}" srcOrd="0" destOrd="0" parTransId="{FEAC5062-2FB0-4B7B-B7F4-74F8FCAAD2CB}" sibTransId="{5E02E3AB-CB39-43E7-85E9-D37242C55776}"/>
-    <dgm:cxn modelId="{8BF42763-59C6-4EA7-AAD5-CFC89CE1AE40}" type="presOf" srcId="{E465C827-75E9-40A7-AE6C-2ED26D331B32}" destId="{5458A663-E42A-4914-AAD0-DA7EB1171E9D}" srcOrd="0" destOrd="0" presId="urn:microsoft.com/office/officeart/2005/8/layout/equation2"/>
-    <dgm:cxn modelId="{18BE3823-2ACA-4D66-886A-A8C2C1715532}" type="presOf" srcId="{E8EC49C6-72E6-44E3-B471-7CB646A010E9}" destId="{DE8D7D8D-DFD5-4506-98E5-91F1F587A046}" srcOrd="1" destOrd="0" presId="urn:microsoft.com/office/officeart/2005/8/layout/equation2"/>
-    <dgm:cxn modelId="{6C9CB5EA-5D0D-4C5A-B059-478C2A5A738E}" srcId="{42CC372A-EA18-4709-A76C-BAEE1FA22F2A}" destId="{327C2AAE-46DF-4F84-A45D-18B7C881FAD0}" srcOrd="1" destOrd="0" parTransId="{754DDDEF-40EE-449E-AFF2-D1DBE85375DA}" sibTransId="{CF20C69B-DA64-4915-8C58-090C103802D0}"/>
-    <dgm:cxn modelId="{51CE9233-1C0E-4BCB-AEA3-318AC71B4B10}" type="presOf" srcId="{42CC372A-EA18-4709-A76C-BAEE1FA22F2A}" destId="{01A15E08-1922-46CE-B71C-5F5D7706E535}" srcOrd="0" destOrd="0" presId="urn:microsoft.com/office/officeart/2005/8/layout/equation2"/>
-    <dgm:cxn modelId="{EE78A05C-92E8-4D8D-97C5-799CDCB04447}" srcId="{42CC372A-EA18-4709-A76C-BAEE1FA22F2A}" destId="{DF51A02E-AF09-40B0-B50A-557485F49DD5}" srcOrd="2" destOrd="0" parTransId="{CA717E37-4C15-4004-B4BE-1EBC056F6DDD}" sibTransId="{E8EC49C6-72E6-44E3-B471-7CB646A010E9}"/>
-    <dgm:cxn modelId="{0693723D-2EC5-486B-B409-004B8878FD93}" srcId="{42CC372A-EA18-4709-A76C-BAEE1FA22F2A}" destId="{18024980-53C6-49EF-9C21-374DBED37CF1}" srcOrd="3" destOrd="0" parTransId="{251FBAC3-2AC3-4523-8CCD-4C15D8FB4438}" sibTransId="{C54D862C-A88D-40FD-B8B5-1CCC230CC615}"/>
-    <dgm:cxn modelId="{6B7E992C-034D-4085-A19E-E8E8A903F728}" type="presOf" srcId="{CF20C69B-DA64-4915-8C58-090C103802D0}" destId="{48525D7E-D006-47E3-BA1F-E2D41B4498F9}" srcOrd="0" destOrd="0" presId="urn:microsoft.com/office/officeart/2005/8/layout/equation2"/>
-    <dgm:cxn modelId="{CB6347CC-A8C3-4666-B16E-2B997C8FDF52}" type="presOf" srcId="{18024980-53C6-49EF-9C21-374DBED37CF1}" destId="{0E3F3EF8-E410-446C-9C06-5329ABF58990}" srcOrd="0" destOrd="0" presId="urn:microsoft.com/office/officeart/2005/8/layout/equation2"/>
-    <dgm:cxn modelId="{FFE60D43-60FD-4394-B0E0-655341C99105}" type="presOf" srcId="{327C2AAE-46DF-4F84-A45D-18B7C881FAD0}" destId="{C8C8591B-9DB9-4536-AD4D-C7DEC31B0283}" srcOrd="0" destOrd="0" presId="urn:microsoft.com/office/officeart/2005/8/layout/equation2"/>
-    <dgm:cxn modelId="{D7E0AB59-3639-4FC5-8AC5-23B2C6251422}" type="presOf" srcId="{E8EC49C6-72E6-44E3-B471-7CB646A010E9}" destId="{AB4F43DD-DD56-4085-A4FD-32D308BB5986}" srcOrd="0" destOrd="0" presId="urn:microsoft.com/office/officeart/2005/8/layout/equation2"/>
-    <dgm:cxn modelId="{30275768-E4BF-4895-9DD1-D3C06FD229FD}" type="presParOf" srcId="{01A15E08-1922-46CE-B71C-5F5D7706E535}" destId="{6FA484C1-8D19-4837-91AF-93E24B03AFEB}" srcOrd="0" destOrd="0" presId="urn:microsoft.com/office/officeart/2005/8/layout/equation2"/>
-    <dgm:cxn modelId="{383DC580-CA08-4076-960C-43F168460255}" type="presParOf" srcId="{6FA484C1-8D19-4837-91AF-93E24B03AFEB}" destId="{5458A663-E42A-4914-AAD0-DA7EB1171E9D}" srcOrd="0" destOrd="0" presId="urn:microsoft.com/office/officeart/2005/8/layout/equation2"/>
-    <dgm:cxn modelId="{736E4A59-B458-4F1F-9E8D-2FE020CF2DE1}" type="presParOf" srcId="{6FA484C1-8D19-4837-91AF-93E24B03AFEB}" destId="{60E4B6CA-F8CC-4A84-992B-5784B8001095}" srcOrd="1" destOrd="0" presId="urn:microsoft.com/office/officeart/2005/8/layout/equation2"/>
-    <dgm:cxn modelId="{91B1916D-09F8-48A9-8E87-35C120165F4E}" type="presParOf" srcId="{6FA484C1-8D19-4837-91AF-93E24B03AFEB}" destId="{66C934CE-B9CA-4197-8FC0-9EA3DDB4EE42}" srcOrd="2" destOrd="0" presId="urn:microsoft.com/office/officeart/2005/8/layout/equation2"/>
-    <dgm:cxn modelId="{19E43297-8E5E-4C2B-9E59-FDBC21B0102C}" type="presParOf" srcId="{6FA484C1-8D19-4837-91AF-93E24B03AFEB}" destId="{5BCDE626-F66C-4558-B8FC-40CC2EE7A11D}" srcOrd="3" destOrd="0" presId="urn:microsoft.com/office/officeart/2005/8/layout/equation2"/>
-    <dgm:cxn modelId="{51DAB351-BAA1-4EB0-BD4B-F2CB1FA7432A}" type="presParOf" srcId="{6FA484C1-8D19-4837-91AF-93E24B03AFEB}" destId="{C8C8591B-9DB9-4536-AD4D-C7DEC31B0283}" srcOrd="4" destOrd="0" presId="urn:microsoft.com/office/officeart/2005/8/layout/equation2"/>
-    <dgm:cxn modelId="{98A8137D-937F-42C0-803B-AE01383B9149}" type="presParOf" srcId="{6FA484C1-8D19-4837-91AF-93E24B03AFEB}" destId="{8F937C6E-D0B7-43E7-B4F8-8C479B3B55E8}" srcOrd="5" destOrd="0" presId="urn:microsoft.com/office/officeart/2005/8/layout/equation2"/>
-    <dgm:cxn modelId="{8DBD41B7-AE99-4914-932C-2C087CBD1DE7}" type="presParOf" srcId="{6FA484C1-8D19-4837-91AF-93E24B03AFEB}" destId="{48525D7E-D006-47E3-BA1F-E2D41B4498F9}" srcOrd="6" destOrd="0" presId="urn:microsoft.com/office/officeart/2005/8/layout/equation2"/>
-    <dgm:cxn modelId="{6C7D417B-93F9-4826-8928-B386F2526F3B}" type="presParOf" srcId="{6FA484C1-8D19-4837-91AF-93E24B03AFEB}" destId="{758F8F8B-B4EA-4B97-A698-FBC9DA1243C2}" srcOrd="7" destOrd="0" presId="urn:microsoft.com/office/officeart/2005/8/layout/equation2"/>
-    <dgm:cxn modelId="{154D6648-3A30-44E1-AD49-F74EF0EF55A5}" type="presParOf" srcId="{6FA484C1-8D19-4837-91AF-93E24B03AFEB}" destId="{AD22133D-627F-45F6-BB06-4604D550E459}" srcOrd="8" destOrd="0" presId="urn:microsoft.com/office/officeart/2005/8/layout/equation2"/>
-    <dgm:cxn modelId="{91F67FE6-A81C-4C34-82BA-5570DE822C4E}" type="presParOf" srcId="{01A15E08-1922-46CE-B71C-5F5D7706E535}" destId="{AB4F43DD-DD56-4085-A4FD-32D308BB5986}" srcOrd="1" destOrd="0" presId="urn:microsoft.com/office/officeart/2005/8/layout/equation2"/>
-    <dgm:cxn modelId="{8CA178E6-F1A7-4F26-8E50-36A29ECBE490}" type="presParOf" srcId="{AB4F43DD-DD56-4085-A4FD-32D308BB5986}" destId="{DE8D7D8D-DFD5-4506-98E5-91F1F587A046}" srcOrd="0" destOrd="0" presId="urn:microsoft.com/office/officeart/2005/8/layout/equation2"/>
-    <dgm:cxn modelId="{B9523F47-D061-4D5A-A3D6-9F236F27D5B1}" type="presParOf" srcId="{01A15E08-1922-46CE-B71C-5F5D7706E535}" destId="{0E3F3EF8-E410-446C-9C06-5329ABF58990}" srcOrd="2" destOrd="0" presId="urn:microsoft.com/office/officeart/2005/8/layout/equation2"/>
-  </dgm:cxnLst>
-  <dgm:bg/>
-  <dgm:whole/>
-  <dgm:extLst>
-    <a:ext uri="http://schemas.microsoft.com/office/drawing/2008/diagram">
-      <dsp:dataModelExt xmlns:dsp="http://schemas.microsoft.com/office/drawing/2008/diagram" relId="rId6" minVer="http://schemas.openxmlformats.org/drawingml/2006/diagram"/>
-    </a:ext>
-  </dgm:extLst>
-</dgm:dataModel>
-</file>
-
 <file path=ppt/diagrams/drawing1.xml><?xml version="1.0" encoding="utf-8"?>
 <dsp:drawing xmlns:dgm="http://schemas.openxmlformats.org/drawingml/2006/diagram" xmlns:dsp="http://schemas.microsoft.com/office/drawing/2008/diagram" xmlns:a="http://schemas.openxmlformats.org/drawingml/2006/main">
   <dsp:spTree>
@@ -5436,6 +4364,808 @@
       <dsp:cNvGrpSpPr/>
     </dsp:nvGrpSpPr>
     <dsp:grpSpPr/>
+    <dsp:sp modelId="{DD529D1C-308A-4C1C-AB31-023FE156B311}">
+      <dsp:nvSpPr>
+        <dsp:cNvPr id="0" name=""/>
+        <dsp:cNvSpPr/>
+      </dsp:nvSpPr>
+      <dsp:spPr>
+        <a:xfrm>
+          <a:off x="0" y="964576"/>
+          <a:ext cx="2311191" cy="2311191"/>
+        </a:xfrm>
+        <a:prstGeom prst="ellipse">
+          <a:avLst/>
+        </a:prstGeom>
+        <a:solidFill>
+          <a:schemeClr val="accent2">
+            <a:lumMod val="50000"/>
+          </a:schemeClr>
+        </a:solidFill>
+        <a:ln w="15875" cap="rnd" cmpd="sng" algn="ctr">
+          <a:solidFill>
+            <a:schemeClr val="lt1">
+              <a:hueOff val="0"/>
+              <a:satOff val="0"/>
+              <a:lumOff val="0"/>
+              <a:alphaOff val="0"/>
+            </a:schemeClr>
+          </a:solidFill>
+          <a:prstDash val="solid"/>
+        </a:ln>
+        <a:effectLst/>
+      </dsp:spPr>
+      <dsp:style>
+        <a:lnRef idx="2">
+          <a:scrgbClr r="0" g="0" b="0"/>
+        </a:lnRef>
+        <a:fillRef idx="1">
+          <a:scrgbClr r="0" g="0" b="0"/>
+        </a:fillRef>
+        <a:effectRef idx="0">
+          <a:scrgbClr r="0" g="0" b="0"/>
+        </a:effectRef>
+        <a:fontRef idx="minor">
+          <a:schemeClr val="lt1"/>
+        </a:fontRef>
+      </dsp:style>
+    </dsp:sp>
+    <dsp:sp modelId="{A375DEC3-1766-4ED4-AE66-B215F0A25038}">
+      <dsp:nvSpPr>
+        <dsp:cNvPr id="0" name=""/>
+        <dsp:cNvSpPr/>
+      </dsp:nvSpPr>
+      <dsp:spPr>
+        <a:xfrm>
+          <a:off x="330307" y="1294884"/>
+          <a:ext cx="1650576" cy="1650576"/>
+        </a:xfrm>
+        <a:prstGeom prst="ellipse">
+          <a:avLst/>
+        </a:prstGeom>
+        <a:solidFill>
+          <a:srgbClr val="0070C0"/>
+        </a:solidFill>
+        <a:ln w="15875" cap="rnd" cmpd="sng" algn="ctr">
+          <a:solidFill>
+            <a:schemeClr val="lt1">
+              <a:hueOff val="0"/>
+              <a:satOff val="0"/>
+              <a:lumOff val="0"/>
+              <a:alphaOff val="0"/>
+            </a:schemeClr>
+          </a:solidFill>
+          <a:prstDash val="solid"/>
+        </a:ln>
+        <a:effectLst/>
+      </dsp:spPr>
+      <dsp:style>
+        <a:lnRef idx="2">
+          <a:scrgbClr r="0" g="0" b="0"/>
+        </a:lnRef>
+        <a:fillRef idx="1">
+          <a:scrgbClr r="0" g="0" b="0"/>
+        </a:fillRef>
+        <a:effectRef idx="0">
+          <a:scrgbClr r="0" g="0" b="0"/>
+        </a:effectRef>
+        <a:fontRef idx="minor">
+          <a:schemeClr val="lt1"/>
+        </a:fontRef>
+      </dsp:style>
+    </dsp:sp>
+    <dsp:sp modelId="{871EA9BD-8F46-4E5F-9C79-F143C65ED6B8}">
+      <dsp:nvSpPr>
+        <dsp:cNvPr id="0" name=""/>
+        <dsp:cNvSpPr/>
+      </dsp:nvSpPr>
+      <dsp:spPr>
+        <a:xfrm>
+          <a:off x="660422" y="1624999"/>
+          <a:ext cx="990345" cy="990345"/>
+        </a:xfrm>
+        <a:prstGeom prst="ellipse">
+          <a:avLst/>
+        </a:prstGeom>
+        <a:solidFill>
+          <a:schemeClr val="accent4"/>
+        </a:solidFill>
+        <a:ln w="15875" cap="rnd" cmpd="sng" algn="ctr">
+          <a:solidFill>
+            <a:schemeClr val="lt1">
+              <a:hueOff val="0"/>
+              <a:satOff val="0"/>
+              <a:lumOff val="0"/>
+              <a:alphaOff val="0"/>
+            </a:schemeClr>
+          </a:solidFill>
+          <a:prstDash val="solid"/>
+        </a:ln>
+        <a:effectLst/>
+      </dsp:spPr>
+      <dsp:style>
+        <a:lnRef idx="2">
+          <a:scrgbClr r="0" g="0" b="0"/>
+        </a:lnRef>
+        <a:fillRef idx="1">
+          <a:scrgbClr r="0" g="0" b="0"/>
+        </a:fillRef>
+        <a:effectRef idx="0">
+          <a:scrgbClr r="0" g="0" b="0"/>
+        </a:effectRef>
+        <a:fontRef idx="minor">
+          <a:schemeClr val="lt1"/>
+        </a:fontRef>
+      </dsp:style>
+    </dsp:sp>
+    <dsp:sp modelId="{450E683A-0A2B-4525-A542-80025EEBFB0E}">
+      <dsp:nvSpPr>
+        <dsp:cNvPr id="0" name=""/>
+        <dsp:cNvSpPr/>
+      </dsp:nvSpPr>
+      <dsp:spPr>
+        <a:xfrm>
+          <a:off x="990538" y="1955114"/>
+          <a:ext cx="330115" cy="330115"/>
+        </a:xfrm>
+        <a:prstGeom prst="ellipse">
+          <a:avLst/>
+        </a:prstGeom>
+        <a:solidFill>
+          <a:srgbClr val="FFFF00"/>
+        </a:solidFill>
+        <a:ln w="15875" cap="rnd" cmpd="sng" algn="ctr">
+          <a:solidFill>
+            <a:schemeClr val="lt1">
+              <a:hueOff val="0"/>
+              <a:satOff val="0"/>
+              <a:lumOff val="0"/>
+              <a:alphaOff val="0"/>
+            </a:schemeClr>
+          </a:solidFill>
+          <a:prstDash val="solid"/>
+        </a:ln>
+        <a:effectLst/>
+      </dsp:spPr>
+      <dsp:style>
+        <a:lnRef idx="2">
+          <a:scrgbClr r="0" g="0" b="0"/>
+        </a:lnRef>
+        <a:fillRef idx="1">
+          <a:scrgbClr r="0" g="0" b="0"/>
+        </a:fillRef>
+        <a:effectRef idx="0">
+          <a:scrgbClr r="0" g="0" b="0"/>
+        </a:effectRef>
+        <a:fontRef idx="minor">
+          <a:schemeClr val="lt1"/>
+        </a:fontRef>
+      </dsp:style>
+    </dsp:sp>
+    <dsp:sp modelId="{FE20CCA5-B8E5-4226-A4EB-0A0723D51230}">
+      <dsp:nvSpPr>
+        <dsp:cNvPr id="0" name=""/>
+        <dsp:cNvSpPr/>
+      </dsp:nvSpPr>
+      <dsp:spPr>
+        <a:xfrm>
+          <a:off x="2696390" y="194179"/>
+          <a:ext cx="1155595" cy="552759"/>
+        </a:xfrm>
+        <a:prstGeom prst="rect">
+          <a:avLst/>
+        </a:prstGeom>
+        <a:noFill/>
+        <a:ln>
+          <a:noFill/>
+        </a:ln>
+        <a:effectLst/>
+      </dsp:spPr>
+      <dsp:style>
+        <a:lnRef idx="0">
+          <a:scrgbClr r="0" g="0" b="0"/>
+        </a:lnRef>
+        <a:fillRef idx="0">
+          <a:scrgbClr r="0" g="0" b="0"/>
+        </a:fillRef>
+        <a:effectRef idx="0">
+          <a:scrgbClr r="0" g="0" b="0"/>
+        </a:effectRef>
+        <a:fontRef idx="minor"/>
+      </dsp:style>
+      <dsp:txBody>
+        <a:bodyPr spcFirstLastPara="0" vert="horz" wrap="square" lIns="106680" tIns="19050" rIns="19050" bIns="19050" numCol="1" spcCol="1270" anchor="ctr" anchorCtr="0">
+          <a:noAutofit/>
+        </a:bodyPr>
+        <a:lstStyle/>
+        <a:p>
+          <a:pPr lvl="0" algn="l" defTabSz="666750">
+            <a:lnSpc>
+              <a:spcPct val="90000"/>
+            </a:lnSpc>
+            <a:spcBef>
+              <a:spcPct val="0"/>
+            </a:spcBef>
+            <a:spcAft>
+              <a:spcPct val="35000"/>
+            </a:spcAft>
+          </a:pPr>
+          <a:r>
+            <a:rPr lang="ru-RU" sz="1500" kern="1200" dirty="0" smtClean="0"/>
+            <a:t>Клиент</a:t>
+          </a:r>
+          <a:endParaRPr lang="ru-RU" sz="1500" kern="1200" dirty="0"/>
+        </a:p>
+      </dsp:txBody>
+      <dsp:txXfrm>
+        <a:off x="2696390" y="194179"/>
+        <a:ext cx="1155595" cy="552759"/>
+      </dsp:txXfrm>
+    </dsp:sp>
+    <dsp:sp modelId="{3E7C733D-2475-402B-A4F8-539FDE9ABF80}">
+      <dsp:nvSpPr>
+        <dsp:cNvPr id="0" name=""/>
+        <dsp:cNvSpPr/>
+      </dsp:nvSpPr>
+      <dsp:spPr>
+        <a:xfrm>
+          <a:off x="2407491" y="470559"/>
+          <a:ext cx="288898" cy="0"/>
+        </a:xfrm>
+        <a:prstGeom prst="line">
+          <a:avLst/>
+        </a:prstGeom>
+        <a:solidFill>
+          <a:schemeClr val="accent1">
+            <a:hueOff val="0"/>
+            <a:satOff val="0"/>
+            <a:lumOff val="0"/>
+            <a:alphaOff val="0"/>
+          </a:schemeClr>
+        </a:solidFill>
+        <a:ln w="15875" cap="rnd" cmpd="sng" algn="ctr">
+          <a:solidFill>
+            <a:schemeClr val="accent1">
+              <a:tint val="50000"/>
+              <a:hueOff val="0"/>
+              <a:satOff val="0"/>
+              <a:lumOff val="0"/>
+              <a:alphaOff val="0"/>
+            </a:schemeClr>
+          </a:solidFill>
+          <a:prstDash val="solid"/>
+        </a:ln>
+        <a:effectLst/>
+      </dsp:spPr>
+      <dsp:style>
+        <a:lnRef idx="2">
+          <a:scrgbClr r="0" g="0" b="0"/>
+        </a:lnRef>
+        <a:fillRef idx="1">
+          <a:scrgbClr r="0" g="0" b="0"/>
+        </a:fillRef>
+        <a:effectRef idx="0">
+          <a:scrgbClr r="0" g="0" b="0"/>
+        </a:effectRef>
+        <a:fontRef idx="minor"/>
+      </dsp:style>
+    </dsp:sp>
+    <dsp:sp modelId="{DD70077E-954B-4F45-ABEB-69805EE06D07}">
+      <dsp:nvSpPr>
+        <dsp:cNvPr id="0" name=""/>
+        <dsp:cNvSpPr/>
+      </dsp:nvSpPr>
+      <dsp:spPr>
+        <a:xfrm rot="5400000">
+          <a:off x="955292" y="652565"/>
+          <a:ext cx="1633242" cy="1271155"/>
+        </a:xfrm>
+        <a:prstGeom prst="line">
+          <a:avLst/>
+        </a:prstGeom>
+        <a:solidFill>
+          <a:schemeClr val="accent1">
+            <a:hueOff val="0"/>
+            <a:satOff val="0"/>
+            <a:lumOff val="0"/>
+            <a:alphaOff val="0"/>
+          </a:schemeClr>
+        </a:solidFill>
+        <a:ln w="15875" cap="rnd" cmpd="sng" algn="ctr">
+          <a:solidFill>
+            <a:schemeClr val="accent1">
+              <a:tint val="50000"/>
+              <a:hueOff val="0"/>
+              <a:satOff val="0"/>
+              <a:lumOff val="0"/>
+              <a:alphaOff val="0"/>
+            </a:schemeClr>
+          </a:solidFill>
+          <a:prstDash val="solid"/>
+        </a:ln>
+        <a:effectLst/>
+      </dsp:spPr>
+      <dsp:style>
+        <a:lnRef idx="2">
+          <a:scrgbClr r="0" g="0" b="0"/>
+        </a:lnRef>
+        <a:fillRef idx="1">
+          <a:scrgbClr r="0" g="0" b="0"/>
+        </a:fillRef>
+        <a:effectRef idx="0">
+          <a:scrgbClr r="0" g="0" b="0"/>
+        </a:effectRef>
+        <a:fontRef idx="minor"/>
+      </dsp:style>
+    </dsp:sp>
+    <dsp:sp modelId="{3674DEE0-5A49-456E-AD47-01715C42BD64}">
+      <dsp:nvSpPr>
+        <dsp:cNvPr id="0" name=""/>
+        <dsp:cNvSpPr/>
+      </dsp:nvSpPr>
+      <dsp:spPr>
+        <a:xfrm>
+          <a:off x="2696390" y="746939"/>
+          <a:ext cx="1155595" cy="552759"/>
+        </a:xfrm>
+        <a:prstGeom prst="rect">
+          <a:avLst/>
+        </a:prstGeom>
+        <a:noFill/>
+        <a:ln>
+          <a:noFill/>
+        </a:ln>
+        <a:effectLst/>
+      </dsp:spPr>
+      <dsp:style>
+        <a:lnRef idx="0">
+          <a:scrgbClr r="0" g="0" b="0"/>
+        </a:lnRef>
+        <a:fillRef idx="0">
+          <a:scrgbClr r="0" g="0" b="0"/>
+        </a:fillRef>
+        <a:effectRef idx="0">
+          <a:scrgbClr r="0" g="0" b="0"/>
+        </a:effectRef>
+        <a:fontRef idx="minor"/>
+      </dsp:style>
+      <dsp:txBody>
+        <a:bodyPr spcFirstLastPara="0" vert="horz" wrap="square" lIns="106680" tIns="19050" rIns="19050" bIns="19050" numCol="1" spcCol="1270" anchor="ctr" anchorCtr="0">
+          <a:noAutofit/>
+        </a:bodyPr>
+        <a:lstStyle/>
+        <a:p>
+          <a:pPr lvl="0" algn="l" defTabSz="666750">
+            <a:lnSpc>
+              <a:spcPct val="90000"/>
+            </a:lnSpc>
+            <a:spcBef>
+              <a:spcPct val="0"/>
+            </a:spcBef>
+            <a:spcAft>
+              <a:spcPct val="35000"/>
+            </a:spcAft>
+          </a:pPr>
+          <a:r>
+            <a:rPr lang="ru-RU" sz="1500" kern="1200" dirty="0" smtClean="0"/>
+            <a:t>Продажи</a:t>
+          </a:r>
+          <a:endParaRPr lang="ru-RU" sz="1500" kern="1200" dirty="0"/>
+        </a:p>
+      </dsp:txBody>
+      <dsp:txXfrm>
+        <a:off x="2696390" y="746939"/>
+        <a:ext cx="1155595" cy="552759"/>
+      </dsp:txXfrm>
+    </dsp:sp>
+    <dsp:sp modelId="{1A7EBBCB-953E-4304-92FF-3E48CB0BD29F}">
+      <dsp:nvSpPr>
+        <dsp:cNvPr id="0" name=""/>
+        <dsp:cNvSpPr/>
+      </dsp:nvSpPr>
+      <dsp:spPr>
+        <a:xfrm>
+          <a:off x="2407491" y="1023319"/>
+          <a:ext cx="288898" cy="0"/>
+        </a:xfrm>
+        <a:prstGeom prst="line">
+          <a:avLst/>
+        </a:prstGeom>
+        <a:solidFill>
+          <a:schemeClr val="accent1">
+            <a:hueOff val="0"/>
+            <a:satOff val="0"/>
+            <a:lumOff val="0"/>
+            <a:alphaOff val="0"/>
+          </a:schemeClr>
+        </a:solidFill>
+        <a:ln w="15875" cap="rnd" cmpd="sng" algn="ctr">
+          <a:solidFill>
+            <a:schemeClr val="accent1">
+              <a:tint val="50000"/>
+              <a:hueOff val="0"/>
+              <a:satOff val="0"/>
+              <a:lumOff val="0"/>
+              <a:alphaOff val="0"/>
+            </a:schemeClr>
+          </a:solidFill>
+          <a:prstDash val="solid"/>
+        </a:ln>
+        <a:effectLst/>
+      </dsp:spPr>
+      <dsp:style>
+        <a:lnRef idx="2">
+          <a:scrgbClr r="0" g="0" b="0"/>
+        </a:lnRef>
+        <a:fillRef idx="1">
+          <a:scrgbClr r="0" g="0" b="0"/>
+        </a:fillRef>
+        <a:effectRef idx="0">
+          <a:scrgbClr r="0" g="0" b="0"/>
+        </a:effectRef>
+        <a:fontRef idx="minor"/>
+      </dsp:style>
+    </dsp:sp>
+    <dsp:sp modelId="{1A4D85C7-C7BD-4261-97F0-E6E3B0AD7C5E}">
+      <dsp:nvSpPr>
+        <dsp:cNvPr id="0" name=""/>
+        <dsp:cNvSpPr/>
+      </dsp:nvSpPr>
+      <dsp:spPr>
+        <a:xfrm rot="5400000">
+          <a:off x="1238028" y="1196273"/>
+          <a:ext cx="1341261" cy="995738"/>
+        </a:xfrm>
+        <a:prstGeom prst="line">
+          <a:avLst/>
+        </a:prstGeom>
+        <a:solidFill>
+          <a:schemeClr val="accent1">
+            <a:hueOff val="0"/>
+            <a:satOff val="0"/>
+            <a:lumOff val="0"/>
+            <a:alphaOff val="0"/>
+          </a:schemeClr>
+        </a:solidFill>
+        <a:ln w="15875" cap="rnd" cmpd="sng" algn="ctr">
+          <a:solidFill>
+            <a:schemeClr val="accent1">
+              <a:tint val="50000"/>
+              <a:hueOff val="0"/>
+              <a:satOff val="0"/>
+              <a:lumOff val="0"/>
+              <a:alphaOff val="0"/>
+            </a:schemeClr>
+          </a:solidFill>
+          <a:prstDash val="solid"/>
+        </a:ln>
+        <a:effectLst/>
+      </dsp:spPr>
+      <dsp:style>
+        <a:lnRef idx="2">
+          <a:scrgbClr r="0" g="0" b="0"/>
+        </a:lnRef>
+        <a:fillRef idx="1">
+          <a:scrgbClr r="0" g="0" b="0"/>
+        </a:fillRef>
+        <a:effectRef idx="0">
+          <a:scrgbClr r="0" g="0" b="0"/>
+        </a:effectRef>
+        <a:fontRef idx="minor"/>
+      </dsp:style>
+    </dsp:sp>
+    <dsp:sp modelId="{17451792-6453-4988-B7E4-C2B954753467}">
+      <dsp:nvSpPr>
+        <dsp:cNvPr id="0" name=""/>
+        <dsp:cNvSpPr/>
+      </dsp:nvSpPr>
+      <dsp:spPr>
+        <a:xfrm>
+          <a:off x="2696390" y="1299699"/>
+          <a:ext cx="1155595" cy="552759"/>
+        </a:xfrm>
+        <a:prstGeom prst="rect">
+          <a:avLst/>
+        </a:prstGeom>
+        <a:noFill/>
+        <a:ln>
+          <a:noFill/>
+        </a:ln>
+        <a:effectLst/>
+      </dsp:spPr>
+      <dsp:style>
+        <a:lnRef idx="0">
+          <a:scrgbClr r="0" g="0" b="0"/>
+        </a:lnRef>
+        <a:fillRef idx="0">
+          <a:scrgbClr r="0" g="0" b="0"/>
+        </a:fillRef>
+        <a:effectRef idx="0">
+          <a:scrgbClr r="0" g="0" b="0"/>
+        </a:effectRef>
+        <a:fontRef idx="minor"/>
+      </dsp:style>
+      <dsp:txBody>
+        <a:bodyPr spcFirstLastPara="0" vert="horz" wrap="square" lIns="106680" tIns="19050" rIns="19050" bIns="19050" numCol="1" spcCol="1270" anchor="ctr" anchorCtr="0">
+          <a:noAutofit/>
+        </a:bodyPr>
+        <a:lstStyle/>
+        <a:p>
+          <a:pPr lvl="0" algn="l" defTabSz="666750">
+            <a:lnSpc>
+              <a:spcPct val="90000"/>
+            </a:lnSpc>
+            <a:spcBef>
+              <a:spcPct val="0"/>
+            </a:spcBef>
+            <a:spcAft>
+              <a:spcPct val="35000"/>
+            </a:spcAft>
+          </a:pPr>
+          <a:r>
+            <a:rPr lang="ru-RU" sz="1500" kern="1200" dirty="0" smtClean="0"/>
+            <a:t>Анализ </a:t>
+          </a:r>
+          <a:endParaRPr lang="ru-RU" sz="1500" kern="1200" dirty="0"/>
+        </a:p>
+      </dsp:txBody>
+      <dsp:txXfrm>
+        <a:off x="2696390" y="1299699"/>
+        <a:ext cx="1155595" cy="552759"/>
+      </dsp:txXfrm>
+    </dsp:sp>
+    <dsp:sp modelId="{A7766914-FFDF-4D2D-9A3C-86EFB2BE44CC}">
+      <dsp:nvSpPr>
+        <dsp:cNvPr id="0" name=""/>
+        <dsp:cNvSpPr/>
+      </dsp:nvSpPr>
+      <dsp:spPr>
+        <a:xfrm>
+          <a:off x="2407491" y="1576079"/>
+          <a:ext cx="288898" cy="0"/>
+        </a:xfrm>
+        <a:prstGeom prst="line">
+          <a:avLst/>
+        </a:prstGeom>
+        <a:solidFill>
+          <a:schemeClr val="accent1">
+            <a:hueOff val="0"/>
+            <a:satOff val="0"/>
+            <a:lumOff val="0"/>
+            <a:alphaOff val="0"/>
+          </a:schemeClr>
+        </a:solidFill>
+        <a:ln w="15875" cap="rnd" cmpd="sng" algn="ctr">
+          <a:solidFill>
+            <a:schemeClr val="accent1">
+              <a:tint val="50000"/>
+              <a:hueOff val="0"/>
+              <a:satOff val="0"/>
+              <a:lumOff val="0"/>
+              <a:alphaOff val="0"/>
+            </a:schemeClr>
+          </a:solidFill>
+          <a:prstDash val="solid"/>
+        </a:ln>
+        <a:effectLst/>
+      </dsp:spPr>
+      <dsp:style>
+        <a:lnRef idx="2">
+          <a:scrgbClr r="0" g="0" b="0"/>
+        </a:lnRef>
+        <a:fillRef idx="1">
+          <a:scrgbClr r="0" g="0" b="0"/>
+        </a:fillRef>
+        <a:effectRef idx="0">
+          <a:scrgbClr r="0" g="0" b="0"/>
+        </a:effectRef>
+        <a:fontRef idx="minor"/>
+      </dsp:style>
+    </dsp:sp>
+    <dsp:sp modelId="{C421E15E-D1FA-4816-B95B-CAAB921165DA}">
+      <dsp:nvSpPr>
+        <dsp:cNvPr id="0" name=""/>
+        <dsp:cNvSpPr/>
+      </dsp:nvSpPr>
+      <dsp:spPr>
+        <a:xfrm rot="5400000">
+          <a:off x="1511711" y="1703002"/>
+          <a:ext cx="1023087" cy="768471"/>
+        </a:xfrm>
+        <a:prstGeom prst="line">
+          <a:avLst/>
+        </a:prstGeom>
+        <a:solidFill>
+          <a:schemeClr val="accent1">
+            <a:hueOff val="0"/>
+            <a:satOff val="0"/>
+            <a:lumOff val="0"/>
+            <a:alphaOff val="0"/>
+          </a:schemeClr>
+        </a:solidFill>
+        <a:ln w="15875" cap="rnd" cmpd="sng" algn="ctr">
+          <a:solidFill>
+            <a:schemeClr val="accent1">
+              <a:tint val="50000"/>
+              <a:hueOff val="0"/>
+              <a:satOff val="0"/>
+              <a:lumOff val="0"/>
+              <a:alphaOff val="0"/>
+            </a:schemeClr>
+          </a:solidFill>
+          <a:prstDash val="solid"/>
+        </a:ln>
+        <a:effectLst/>
+      </dsp:spPr>
+      <dsp:style>
+        <a:lnRef idx="2">
+          <a:scrgbClr r="0" g="0" b="0"/>
+        </a:lnRef>
+        <a:fillRef idx="1">
+          <a:scrgbClr r="0" g="0" b="0"/>
+        </a:fillRef>
+        <a:effectRef idx="0">
+          <a:scrgbClr r="0" g="0" b="0"/>
+        </a:effectRef>
+        <a:fontRef idx="minor"/>
+      </dsp:style>
+    </dsp:sp>
+    <dsp:sp modelId="{9094CCCD-7E10-45C2-AC14-CD4E7B7A8276}">
+      <dsp:nvSpPr>
+        <dsp:cNvPr id="0" name=""/>
+        <dsp:cNvSpPr/>
+      </dsp:nvSpPr>
+      <dsp:spPr>
+        <a:xfrm>
+          <a:off x="2696390" y="1852459"/>
+          <a:ext cx="1155595" cy="552759"/>
+        </a:xfrm>
+        <a:prstGeom prst="rect">
+          <a:avLst/>
+        </a:prstGeom>
+        <a:noFill/>
+        <a:ln>
+          <a:noFill/>
+        </a:ln>
+        <a:effectLst/>
+      </dsp:spPr>
+      <dsp:style>
+        <a:lnRef idx="0">
+          <a:scrgbClr r="0" g="0" b="0"/>
+        </a:lnRef>
+        <a:fillRef idx="0">
+          <a:scrgbClr r="0" g="0" b="0"/>
+        </a:fillRef>
+        <a:effectRef idx="0">
+          <a:scrgbClr r="0" g="0" b="0"/>
+        </a:effectRef>
+        <a:fontRef idx="minor"/>
+      </dsp:style>
+      <dsp:txBody>
+        <a:bodyPr spcFirstLastPara="0" vert="horz" wrap="square" lIns="106680" tIns="19050" rIns="19050" bIns="19050" numCol="1" spcCol="1270" anchor="ctr" anchorCtr="0">
+          <a:noAutofit/>
+        </a:bodyPr>
+        <a:lstStyle/>
+        <a:p>
+          <a:pPr lvl="0" algn="l" defTabSz="666750">
+            <a:lnSpc>
+              <a:spcPct val="90000"/>
+            </a:lnSpc>
+            <a:spcBef>
+              <a:spcPct val="0"/>
+            </a:spcBef>
+            <a:spcAft>
+              <a:spcPct val="35000"/>
+            </a:spcAft>
+          </a:pPr>
+          <a:r>
+            <a:rPr lang="ru-RU" sz="1500" kern="1200" dirty="0" smtClean="0"/>
+            <a:t>Управление</a:t>
+          </a:r>
+          <a:endParaRPr lang="ru-RU" sz="1500" kern="1200" dirty="0"/>
+        </a:p>
+      </dsp:txBody>
+      <dsp:txXfrm>
+        <a:off x="2696390" y="1852459"/>
+        <a:ext cx="1155595" cy="552759"/>
+      </dsp:txXfrm>
+    </dsp:sp>
+    <dsp:sp modelId="{379AA6D2-3528-496D-8A4B-4FD99D685D04}">
+      <dsp:nvSpPr>
+        <dsp:cNvPr id="0" name=""/>
+        <dsp:cNvSpPr/>
+      </dsp:nvSpPr>
+      <dsp:spPr>
+        <a:xfrm>
+          <a:off x="2407491" y="2128839"/>
+          <a:ext cx="288898" cy="0"/>
+        </a:xfrm>
+        <a:prstGeom prst="line">
+          <a:avLst/>
+        </a:prstGeom>
+        <a:solidFill>
+          <a:schemeClr val="accent1">
+            <a:hueOff val="0"/>
+            <a:satOff val="0"/>
+            <a:lumOff val="0"/>
+            <a:alphaOff val="0"/>
+          </a:schemeClr>
+        </a:solidFill>
+        <a:ln w="15875" cap="rnd" cmpd="sng" algn="ctr">
+          <a:solidFill>
+            <a:schemeClr val="accent1">
+              <a:tint val="50000"/>
+              <a:hueOff val="0"/>
+              <a:satOff val="0"/>
+              <a:lumOff val="0"/>
+              <a:alphaOff val="0"/>
+            </a:schemeClr>
+          </a:solidFill>
+          <a:prstDash val="solid"/>
+        </a:ln>
+        <a:effectLst/>
+      </dsp:spPr>
+      <dsp:style>
+        <a:lnRef idx="2">
+          <a:scrgbClr r="0" g="0" b="0"/>
+        </a:lnRef>
+        <a:fillRef idx="1">
+          <a:scrgbClr r="0" g="0" b="0"/>
+        </a:fillRef>
+        <a:effectRef idx="0">
+          <a:scrgbClr r="0" g="0" b="0"/>
+        </a:effectRef>
+        <a:fontRef idx="minor"/>
+      </dsp:style>
+    </dsp:sp>
+    <dsp:sp modelId="{31CC2B5A-0933-459F-981C-D2E0DD0D6E6E}">
+      <dsp:nvSpPr>
+        <dsp:cNvPr id="0" name=""/>
+        <dsp:cNvSpPr/>
+      </dsp:nvSpPr>
+      <dsp:spPr>
+        <a:xfrm rot="5400000">
+          <a:off x="1786050" y="2211734"/>
+          <a:ext cx="703218" cy="536966"/>
+        </a:xfrm>
+        <a:prstGeom prst="line">
+          <a:avLst/>
+        </a:prstGeom>
+        <a:solidFill>
+          <a:schemeClr val="accent1">
+            <a:hueOff val="0"/>
+            <a:satOff val="0"/>
+            <a:lumOff val="0"/>
+            <a:alphaOff val="0"/>
+          </a:schemeClr>
+        </a:solidFill>
+        <a:ln w="15875" cap="rnd" cmpd="sng" algn="ctr">
+          <a:solidFill>
+            <a:schemeClr val="accent1">
+              <a:tint val="50000"/>
+              <a:hueOff val="0"/>
+              <a:satOff val="0"/>
+              <a:lumOff val="0"/>
+              <a:alphaOff val="0"/>
+            </a:schemeClr>
+          </a:solidFill>
+          <a:prstDash val="solid"/>
+        </a:ln>
+        <a:effectLst/>
+      </dsp:spPr>
+      <dsp:style>
+        <a:lnRef idx="2">
+          <a:scrgbClr r="0" g="0" b="0"/>
+        </a:lnRef>
+        <a:fillRef idx="1">
+          <a:scrgbClr r="0" g="0" b="0"/>
+        </a:fillRef>
+        <a:effectRef idx="0">
+          <a:scrgbClr r="0" g="0" b="0"/>
+        </a:effectRef>
+        <a:fontRef idx="minor"/>
+      </dsp:style>
+    </dsp:sp>
   </dsp:spTree>
 </dsp:drawing>
 </file>
@@ -5448,29 +5178,17 @@
       <dsp:cNvGrpSpPr/>
     </dsp:nvGrpSpPr>
     <dsp:grpSpPr/>
-  </dsp:spTree>
-</dsp:drawing>
-</file>
-
-<file path=ppt/diagrams/drawing4.xml><?xml version="1.0" encoding="utf-8"?>
-<dsp:drawing xmlns:dgm="http://schemas.openxmlformats.org/drawingml/2006/diagram" xmlns:dsp="http://schemas.microsoft.com/office/drawing/2008/diagram" xmlns:a="http://schemas.openxmlformats.org/drawingml/2006/main">
-  <dsp:spTree>
-    <dsp:nvGrpSpPr>
-      <dsp:cNvPr id="0" name=""/>
-      <dsp:cNvGrpSpPr/>
-    </dsp:nvGrpSpPr>
-    <dsp:grpSpPr/>
-    <dsp:sp modelId="{5458A663-E42A-4914-AAD0-DA7EB1171E9D}">
+    <dsp:sp modelId="{65C8D83B-D3EA-4639-8A32-786F71A9A4DF}">
       <dsp:nvSpPr>
         <dsp:cNvPr id="0" name=""/>
         <dsp:cNvSpPr/>
       </dsp:nvSpPr>
       <dsp:spPr>
         <a:xfrm>
-          <a:off x="704424" y="1313"/>
-          <a:ext cx="907645" cy="907645"/>
+          <a:off x="1937" y="585995"/>
+          <a:ext cx="1943929" cy="777571"/>
         </a:xfrm>
-        <a:prstGeom prst="ellipse">
+        <a:prstGeom prst="homePlate">
           <a:avLst/>
         </a:prstGeom>
         <a:solidFill>
@@ -5509,12 +5227,12 @@
         </a:fontRef>
       </dsp:style>
       <dsp:txBody>
-        <a:bodyPr spcFirstLastPara="0" vert="horz" wrap="square" lIns="19050" tIns="19050" rIns="19050" bIns="19050" numCol="1" spcCol="1270" anchor="ctr" anchorCtr="0">
+        <a:bodyPr spcFirstLastPara="0" vert="horz" wrap="square" lIns="149352" tIns="74676" rIns="37338" bIns="74676" numCol="1" spcCol="1270" anchor="ctr" anchorCtr="0">
           <a:noAutofit/>
         </a:bodyPr>
         <a:lstStyle/>
         <a:p>
-          <a:pPr lvl="0" algn="ctr" defTabSz="666750">
+          <a:pPr lvl="0" algn="ctr" defTabSz="1244600">
             <a:lnSpc>
               <a:spcPct val="90000"/>
             </a:lnSpc>
@@ -5526,94 +5244,28 @@
             </a:spcAft>
           </a:pPr>
           <a:r>
-            <a:rPr lang="ru-RU" sz="1500" kern="1200" dirty="0" smtClean="0"/>
-            <a:t>Кейс</a:t>
+            <a:rPr lang="ru-RU" sz="2800" kern="1200" dirty="0" smtClean="0"/>
+            <a:t>Этап 1</a:t>
           </a:r>
-          <a:endParaRPr lang="ru-RU" sz="1500" kern="1200" dirty="0"/>
+          <a:endParaRPr lang="ru-RU" sz="2800" kern="1200" dirty="0"/>
         </a:p>
       </dsp:txBody>
       <dsp:txXfrm>
-        <a:off x="837346" y="134235"/>
-        <a:ext cx="641801" cy="641801"/>
+        <a:off x="1937" y="585995"/>
+        <a:ext cx="1749536" cy="777571"/>
       </dsp:txXfrm>
     </dsp:sp>
-    <dsp:sp modelId="{66C934CE-B9CA-4197-8FC0-9EA3DDB4EE42}">
+    <dsp:sp modelId="{B8FAA12B-1DF1-4FB5-BC84-2C51119C9417}">
       <dsp:nvSpPr>
         <dsp:cNvPr id="0" name=""/>
         <dsp:cNvSpPr/>
       </dsp:nvSpPr>
       <dsp:spPr>
         <a:xfrm>
-          <a:off x="895029" y="982659"/>
-          <a:ext cx="526434" cy="526434"/>
+          <a:off x="1557081" y="585995"/>
+          <a:ext cx="1943929" cy="777571"/>
         </a:xfrm>
-        <a:prstGeom prst="mathPlus">
-          <a:avLst/>
-        </a:prstGeom>
-        <a:solidFill>
-          <a:schemeClr val="accent1">
-            <a:tint val="60000"/>
-            <a:hueOff val="0"/>
-            <a:satOff val="0"/>
-            <a:lumOff val="0"/>
-            <a:alphaOff val="0"/>
-          </a:schemeClr>
-        </a:solidFill>
-        <a:ln>
-          <a:noFill/>
-        </a:ln>
-        <a:effectLst/>
-      </dsp:spPr>
-      <dsp:style>
-        <a:lnRef idx="0">
-          <a:scrgbClr r="0" g="0" b="0"/>
-        </a:lnRef>
-        <a:fillRef idx="1">
-          <a:scrgbClr r="0" g="0" b="0"/>
-        </a:fillRef>
-        <a:effectRef idx="0">
-          <a:scrgbClr r="0" g="0" b="0"/>
-        </a:effectRef>
-        <a:fontRef idx="minor">
-          <a:schemeClr val="lt1"/>
-        </a:fontRef>
-      </dsp:style>
-      <dsp:txBody>
-        <a:bodyPr spcFirstLastPara="0" vert="horz" wrap="square" lIns="0" tIns="0" rIns="0" bIns="0" numCol="1" spcCol="1270" anchor="ctr" anchorCtr="0">
-          <a:noAutofit/>
-        </a:bodyPr>
-        <a:lstStyle/>
-        <a:p>
-          <a:pPr lvl="0" algn="ctr" defTabSz="355600">
-            <a:lnSpc>
-              <a:spcPct val="90000"/>
-            </a:lnSpc>
-            <a:spcBef>
-              <a:spcPct val="0"/>
-            </a:spcBef>
-            <a:spcAft>
-              <a:spcPct val="35000"/>
-            </a:spcAft>
-          </a:pPr>
-          <a:endParaRPr lang="ru-RU" sz="800" kern="1200"/>
-        </a:p>
-      </dsp:txBody>
-      <dsp:txXfrm>
-        <a:off x="964808" y="1183967"/>
-        <a:ext cx="386876" cy="123818"/>
-      </dsp:txXfrm>
-    </dsp:sp>
-    <dsp:sp modelId="{C8C8591B-9DB9-4536-AD4D-C7DEC31B0283}">
-      <dsp:nvSpPr>
-        <dsp:cNvPr id="0" name=""/>
-        <dsp:cNvSpPr/>
-      </dsp:nvSpPr>
-      <dsp:spPr>
-        <a:xfrm>
-          <a:off x="704424" y="1582794"/>
-          <a:ext cx="907645" cy="907645"/>
-        </a:xfrm>
-        <a:prstGeom prst="ellipse">
+        <a:prstGeom prst="chevron">
           <a:avLst/>
         </a:prstGeom>
         <a:solidFill>
@@ -5652,12 +5304,12 @@
         </a:fontRef>
       </dsp:style>
       <dsp:txBody>
-        <a:bodyPr spcFirstLastPara="0" vert="horz" wrap="square" lIns="19050" tIns="19050" rIns="19050" bIns="19050" numCol="1" spcCol="1270" anchor="ctr" anchorCtr="0">
+        <a:bodyPr spcFirstLastPara="0" vert="horz" wrap="square" lIns="112014" tIns="74676" rIns="37338" bIns="74676" numCol="1" spcCol="1270" anchor="ctr" anchorCtr="0">
           <a:noAutofit/>
         </a:bodyPr>
         <a:lstStyle/>
         <a:p>
-          <a:pPr lvl="0" algn="ctr" defTabSz="666750">
+          <a:pPr lvl="0" algn="ctr" defTabSz="1244600">
             <a:lnSpc>
               <a:spcPct val="90000"/>
             </a:lnSpc>
@@ -5669,94 +5321,32 @@
             </a:spcAft>
           </a:pPr>
           <a:r>
-            <a:rPr lang="ru-RU" sz="1500" kern="1200" dirty="0" smtClean="0"/>
-            <a:t>Задачи</a:t>
+            <a:rPr lang="ru-RU" sz="2800" kern="1200" dirty="0" smtClean="0"/>
+            <a:t>Этап </a:t>
           </a:r>
-          <a:endParaRPr lang="ru-RU" sz="1500" kern="1200" dirty="0"/>
+          <a:r>
+            <a:rPr lang="en-US" sz="2800" kern="1200" dirty="0" smtClean="0"/>
+            <a:t>2</a:t>
+          </a:r>
+          <a:endParaRPr lang="ru-RU" sz="2800" kern="1200" dirty="0"/>
         </a:p>
       </dsp:txBody>
       <dsp:txXfrm>
-        <a:off x="837346" y="1715716"/>
-        <a:ext cx="641801" cy="641801"/>
+        <a:off x="1945867" y="585995"/>
+        <a:ext cx="1166358" cy="777571"/>
       </dsp:txXfrm>
     </dsp:sp>
-    <dsp:sp modelId="{48525D7E-D006-47E3-BA1F-E2D41B4498F9}">
+    <dsp:sp modelId="{675C22CC-AAAF-4F05-ABDC-9270F130530A}">
       <dsp:nvSpPr>
         <dsp:cNvPr id="0" name=""/>
         <dsp:cNvSpPr/>
       </dsp:nvSpPr>
       <dsp:spPr>
         <a:xfrm>
-          <a:off x="895029" y="2564140"/>
-          <a:ext cx="526434" cy="526434"/>
+          <a:off x="3112225" y="585995"/>
+          <a:ext cx="1943929" cy="777571"/>
         </a:xfrm>
-        <a:prstGeom prst="mathPlus">
-          <a:avLst/>
-        </a:prstGeom>
-        <a:solidFill>
-          <a:schemeClr val="accent1">
-            <a:tint val="60000"/>
-            <a:hueOff val="0"/>
-            <a:satOff val="0"/>
-            <a:lumOff val="0"/>
-            <a:alphaOff val="0"/>
-          </a:schemeClr>
-        </a:solidFill>
-        <a:ln>
-          <a:noFill/>
-        </a:ln>
-        <a:effectLst/>
-      </dsp:spPr>
-      <dsp:style>
-        <a:lnRef idx="0">
-          <a:scrgbClr r="0" g="0" b="0"/>
-        </a:lnRef>
-        <a:fillRef idx="1">
-          <a:scrgbClr r="0" g="0" b="0"/>
-        </a:fillRef>
-        <a:effectRef idx="0">
-          <a:scrgbClr r="0" g="0" b="0"/>
-        </a:effectRef>
-        <a:fontRef idx="minor">
-          <a:schemeClr val="lt1"/>
-        </a:fontRef>
-      </dsp:style>
-      <dsp:txBody>
-        <a:bodyPr spcFirstLastPara="0" vert="horz" wrap="square" lIns="0" tIns="0" rIns="0" bIns="0" numCol="1" spcCol="1270" anchor="ctr" anchorCtr="0">
-          <a:noAutofit/>
-        </a:bodyPr>
-        <a:lstStyle/>
-        <a:p>
-          <a:pPr lvl="0" algn="ctr" defTabSz="355600">
-            <a:lnSpc>
-              <a:spcPct val="90000"/>
-            </a:lnSpc>
-            <a:spcBef>
-              <a:spcPct val="0"/>
-            </a:spcBef>
-            <a:spcAft>
-              <a:spcPct val="35000"/>
-            </a:spcAft>
-          </a:pPr>
-          <a:endParaRPr lang="ru-RU" sz="800" kern="1200"/>
-        </a:p>
-      </dsp:txBody>
-      <dsp:txXfrm>
-        <a:off x="964808" y="2765448"/>
-        <a:ext cx="386876" cy="123818"/>
-      </dsp:txXfrm>
-    </dsp:sp>
-    <dsp:sp modelId="{AD22133D-627F-45F6-BB06-4604D550E459}">
-      <dsp:nvSpPr>
-        <dsp:cNvPr id="0" name=""/>
-        <dsp:cNvSpPr/>
-      </dsp:nvSpPr>
-      <dsp:spPr>
-        <a:xfrm>
-          <a:off x="704424" y="3164275"/>
-          <a:ext cx="907645" cy="907645"/>
-        </a:xfrm>
-        <a:prstGeom prst="ellipse">
+        <a:prstGeom prst="chevron">
           <a:avLst/>
         </a:prstGeom>
         <a:solidFill>
@@ -5795,12 +5385,12 @@
         </a:fontRef>
       </dsp:style>
       <dsp:txBody>
-        <a:bodyPr spcFirstLastPara="0" vert="horz" wrap="square" lIns="19050" tIns="19050" rIns="19050" bIns="19050" numCol="1" spcCol="1270" anchor="ctr" anchorCtr="0">
+        <a:bodyPr spcFirstLastPara="0" vert="horz" wrap="square" lIns="112014" tIns="74676" rIns="37338" bIns="74676" numCol="1" spcCol="1270" anchor="ctr" anchorCtr="0">
           <a:noAutofit/>
         </a:bodyPr>
         <a:lstStyle/>
         <a:p>
-          <a:pPr lvl="0" algn="ctr" defTabSz="666750">
+          <a:pPr lvl="0" algn="ctr" defTabSz="1244600">
             <a:lnSpc>
               <a:spcPct val="90000"/>
             </a:lnSpc>
@@ -5812,97 +5402,28 @@
             </a:spcAft>
           </a:pPr>
           <a:r>
-            <a:rPr lang="ru-RU" sz="1500" kern="1200" dirty="0" smtClean="0"/>
-            <a:t>Клиент</a:t>
+            <a:rPr lang="ru-RU" sz="2800" kern="1200" dirty="0" smtClean="0"/>
+            <a:t>…</a:t>
           </a:r>
-          <a:endParaRPr lang="ru-RU" sz="1500" kern="1200" dirty="0"/>
+          <a:endParaRPr lang="ru-RU" sz="2800" kern="1200" dirty="0"/>
         </a:p>
       </dsp:txBody>
       <dsp:txXfrm>
-        <a:off x="837346" y="3297197"/>
-        <a:ext cx="641801" cy="641801"/>
+        <a:off x="3501011" y="585995"/>
+        <a:ext cx="1166358" cy="777571"/>
       </dsp:txXfrm>
     </dsp:sp>
-    <dsp:sp modelId="{AB4F43DD-DD56-4085-A4FD-32D308BB5986}">
+    <dsp:sp modelId="{BFCD55AC-43B3-4C2E-8343-9B09272AD94A}">
       <dsp:nvSpPr>
         <dsp:cNvPr id="0" name=""/>
         <dsp:cNvSpPr/>
       </dsp:nvSpPr>
       <dsp:spPr>
         <a:xfrm>
-          <a:off x="1748216" y="1867795"/>
-          <a:ext cx="288631" cy="337644"/>
+          <a:off x="4667368" y="585995"/>
+          <a:ext cx="1943929" cy="777571"/>
         </a:xfrm>
-        <a:prstGeom prst="rightArrow">
-          <a:avLst>
-            <a:gd name="adj1" fmla="val 60000"/>
-            <a:gd name="adj2" fmla="val 50000"/>
-          </a:avLst>
-        </a:prstGeom>
-        <a:solidFill>
-          <a:schemeClr val="accent1">
-            <a:tint val="60000"/>
-            <a:hueOff val="0"/>
-            <a:satOff val="0"/>
-            <a:lumOff val="0"/>
-            <a:alphaOff val="0"/>
-          </a:schemeClr>
-        </a:solidFill>
-        <a:ln>
-          <a:noFill/>
-        </a:ln>
-        <a:effectLst/>
-      </dsp:spPr>
-      <dsp:style>
-        <a:lnRef idx="0">
-          <a:scrgbClr r="0" g="0" b="0"/>
-        </a:lnRef>
-        <a:fillRef idx="1">
-          <a:scrgbClr r="0" g="0" b="0"/>
-        </a:fillRef>
-        <a:effectRef idx="0">
-          <a:scrgbClr r="0" g="0" b="0"/>
-        </a:effectRef>
-        <a:fontRef idx="minor">
-          <a:schemeClr val="lt1"/>
-        </a:fontRef>
-      </dsp:style>
-      <dsp:txBody>
-        <a:bodyPr spcFirstLastPara="0" vert="horz" wrap="square" lIns="0" tIns="0" rIns="0" bIns="0" numCol="1" spcCol="1270" anchor="ctr" anchorCtr="0">
-          <a:noAutofit/>
-        </a:bodyPr>
-        <a:lstStyle/>
-        <a:p>
-          <a:pPr lvl="0" algn="ctr" defTabSz="533400">
-            <a:lnSpc>
-              <a:spcPct val="90000"/>
-            </a:lnSpc>
-            <a:spcBef>
-              <a:spcPct val="0"/>
-            </a:spcBef>
-            <a:spcAft>
-              <a:spcPct val="35000"/>
-            </a:spcAft>
-          </a:pPr>
-          <a:endParaRPr lang="ru-RU" sz="1200" kern="1200"/>
-        </a:p>
-      </dsp:txBody>
-      <dsp:txXfrm>
-        <a:off x="1748216" y="1935324"/>
-        <a:ext cx="202042" cy="202586"/>
-      </dsp:txXfrm>
-    </dsp:sp>
-    <dsp:sp modelId="{0E3F3EF8-E410-446C-9C06-5329ABF58990}">
-      <dsp:nvSpPr>
-        <dsp:cNvPr id="0" name=""/>
-        <dsp:cNvSpPr/>
-      </dsp:nvSpPr>
-      <dsp:spPr>
-        <a:xfrm>
-          <a:off x="2156656" y="1128972"/>
-          <a:ext cx="1815290" cy="1815290"/>
-        </a:xfrm>
-        <a:prstGeom prst="ellipse">
+        <a:prstGeom prst="chevron">
           <a:avLst/>
         </a:prstGeom>
         <a:solidFill>
@@ -5941,12 +5462,12 @@
         </a:fontRef>
       </dsp:style>
       <dsp:txBody>
-        <a:bodyPr spcFirstLastPara="0" vert="horz" wrap="square" lIns="27940" tIns="27940" rIns="27940" bIns="27940" numCol="1" spcCol="1270" anchor="ctr" anchorCtr="0">
+        <a:bodyPr spcFirstLastPara="0" vert="horz" wrap="square" lIns="112014" tIns="74676" rIns="37338" bIns="74676" numCol="1" spcCol="1270" anchor="ctr" anchorCtr="0">
           <a:noAutofit/>
         </a:bodyPr>
         <a:lstStyle/>
         <a:p>
-          <a:pPr lvl="0" algn="ctr" defTabSz="977900">
+          <a:pPr lvl="0" algn="ctr" defTabSz="1244600">
             <a:lnSpc>
               <a:spcPct val="90000"/>
             </a:lnSpc>
@@ -5958,15 +5479,19 @@
             </a:spcAft>
           </a:pPr>
           <a:r>
-            <a:rPr lang="ru-RU" sz="2200" kern="1200" dirty="0" smtClean="0"/>
-            <a:t>Успешная сделка</a:t>
+            <a:rPr lang="ru-RU" sz="2800" kern="1200" dirty="0" smtClean="0"/>
+            <a:t>Этап </a:t>
           </a:r>
-          <a:endParaRPr lang="ru-RU" sz="2200" kern="1200" dirty="0"/>
+          <a:r>
+            <a:rPr lang="en-US" sz="2800" kern="1200" dirty="0" smtClean="0"/>
+            <a:t>n</a:t>
+          </a:r>
+          <a:endParaRPr lang="ru-RU" sz="2800" kern="1200" dirty="0"/>
         </a:p>
       </dsp:txBody>
       <dsp:txXfrm>
-        <a:off x="2422499" y="1394815"/>
-        <a:ext cx="1283604" cy="1283604"/>
+        <a:off x="5056154" y="585995"/>
+        <a:ext cx="1166358" cy="777571"/>
       </dsp:txXfrm>
     </dsp:sp>
   </dsp:spTree>
@@ -8085,271 +7610,6 @@
 </dgm:layoutDef>
 </file>
 
-<file path=ppt/diagrams/layout4.xml><?xml version="1.0" encoding="utf-8"?>
-<dgm:layoutDef xmlns:dgm="http://schemas.openxmlformats.org/drawingml/2006/diagram" xmlns:a="http://schemas.openxmlformats.org/drawingml/2006/main" uniqueId="urn:microsoft.com/office/officeart/2005/8/layout/equation2">
-  <dgm:title val=""/>
-  <dgm:desc val=""/>
-  <dgm:catLst>
-    <dgm:cat type="relationship" pri="18000"/>
-    <dgm:cat type="process" pri="26000"/>
-  </dgm:catLst>
-  <dgm:sampData useDef="1">
-    <dgm:dataModel>
-      <dgm:ptLst/>
-      <dgm:bg/>
-      <dgm:whole/>
-    </dgm:dataModel>
-  </dgm:sampData>
-  <dgm:styleData>
-    <dgm:dataModel>
-      <dgm:ptLst>
-        <dgm:pt modelId="0" type="doc"/>
-        <dgm:pt modelId="1"/>
-        <dgm:pt modelId="2"/>
-      </dgm:ptLst>
-      <dgm:cxnLst>
-        <dgm:cxn modelId="3" srcId="0" destId="1" srcOrd="0" destOrd="0"/>
-        <dgm:cxn modelId="4" srcId="0" destId="2" srcOrd="1" destOrd="0"/>
-      </dgm:cxnLst>
-      <dgm:bg/>
-      <dgm:whole/>
-    </dgm:dataModel>
-  </dgm:styleData>
-  <dgm:clrData>
-    <dgm:dataModel>
-      <dgm:ptLst>
-        <dgm:pt modelId="0" type="doc"/>
-        <dgm:pt modelId="1"/>
-        <dgm:pt modelId="2"/>
-        <dgm:pt modelId="3"/>
-        <dgm:pt modelId="4"/>
-      </dgm:ptLst>
-      <dgm:cxnLst>
-        <dgm:cxn modelId="5" srcId="0" destId="1" srcOrd="0" destOrd="0"/>
-        <dgm:cxn modelId="6" srcId="0" destId="2" srcOrd="1" destOrd="0"/>
-        <dgm:cxn modelId="7" srcId="0" destId="3" srcOrd="2" destOrd="0"/>
-        <dgm:cxn modelId="8" srcId="0" destId="4" srcOrd="3" destOrd="0"/>
-      </dgm:cxnLst>
-      <dgm:bg/>
-      <dgm:whole/>
-    </dgm:dataModel>
-  </dgm:clrData>
-  <dgm:layoutNode name="Name0">
-    <dgm:varLst>
-      <dgm:dir/>
-      <dgm:resizeHandles val="exact"/>
-    </dgm:varLst>
-    <dgm:choose name="Name1">
-      <dgm:if name="Name2" func="var" arg="dir" op="equ" val="norm">
-        <dgm:alg type="lin">
-          <dgm:param type="linDir" val="fromL"/>
-          <dgm:param type="fallback" val="2D"/>
-        </dgm:alg>
-      </dgm:if>
-      <dgm:else name="Name3">
-        <dgm:alg type="lin">
-          <dgm:param type="linDir" val="fromR"/>
-          <dgm:param type="fallback" val="2D"/>
-        </dgm:alg>
-      </dgm:else>
-    </dgm:choose>
-    <dgm:shape xmlns:r="http://schemas.openxmlformats.org/officeDocument/2006/relationships" r:blip="">
-      <dgm:adjLst/>
-    </dgm:shape>
-    <dgm:presOf/>
-    <dgm:choose name="Name4">
-      <dgm:if name="Name5" axis="ch" ptType="node" func="cnt" op="gte" val="3">
-        <dgm:constrLst>
-          <dgm:constr type="h" for="des" forName="node" refType="w" fact="0.5"/>
-          <dgm:constr type="w" for="ch" forName="lastNode" refType="w"/>
-          <dgm:constr type="w" for="des" forName="node" refType="h" refFor="des" refForName="node"/>
-          <dgm:constr type="w" for="ch" forName="sibTransLast" refType="h" refFor="des" refForName="node" fact="0.6"/>
-          <dgm:constr type="h" for="des" forName="sibTrans" refType="h" refFor="des" refForName="node" op="equ" fact="0.58"/>
-          <dgm:constr type="w" for="des" forName="sibTrans" refType="h" refFor="des" refForName="sibTrans" op="equ"/>
-          <dgm:constr type="primFontSz" for="ch" forName="lastNode" op="equ" val="65"/>
-          <dgm:constr type="primFontSz" for="des" forName="node" op="equ" val="65"/>
-          <dgm:constr type="primFontSz" for="des" forName="sibTrans" val="55"/>
-          <dgm:constr type="primFontSz" for="des" forName="sibTrans" refType="primFontSz" refFor="des" refForName="node" op="lte" fact="0.8"/>
-          <dgm:constr type="primFontSz" for="des" forName="connectorText" refType="primFontSz" refFor="des" refForName="node" op="lte" fact="0.8"/>
-          <dgm:constr type="primFontSz" for="des" forName="connectorText" refType="primFontSz" refFor="des" refForName="sibTrans" op="equ"/>
-          <dgm:constr type="h" for="des" forName="spacerT" refType="h" refFor="des" refForName="sibTrans" fact="0.14"/>
-          <dgm:constr type="h" for="des" forName="spacerB" refType="h" refFor="des" refForName="sibTrans" fact="0.14"/>
-        </dgm:constrLst>
-      </dgm:if>
-      <dgm:else name="Name6">
-        <dgm:constrLst>
-          <dgm:constr type="h" for="des" forName="node" refType="w"/>
-          <dgm:constr type="w" for="ch" forName="lastNode" refType="w"/>
-          <dgm:constr type="w" for="des" forName="node" refType="h" refFor="des" refForName="node"/>
-          <dgm:constr type="w" for="ch" forName="sibTransLast" refType="h" refFor="des" refForName="node" fact="0.6"/>
-          <dgm:constr type="h" for="des" forName="sibTrans" refType="h" refFor="des" refForName="node" op="equ" fact="0.58"/>
-          <dgm:constr type="w" for="des" forName="sibTrans" refType="h" refFor="des" refForName="sibTrans" op="equ"/>
-          <dgm:constr type="primFontSz" for="des" forName="node" val="65"/>
-          <dgm:constr type="primFontSz" for="ch" forName="lastNode" refType="primFontSz" refFor="des" refForName="node" op="equ"/>
-          <dgm:constr type="primFontSz" for="des" forName="sibTrans" val="55"/>
-          <dgm:constr type="primFontSz" for="des" forName="connectorText" refType="primFontSz" refFor="des" refForName="node" op="lte" fact="0.8"/>
-          <dgm:constr type="primFontSz" for="des" forName="connectorText" refType="primFontSz" refFor="des" refForName="sibTrans" op="equ"/>
-          <dgm:constr type="h" for="des" forName="spacerT" refType="h" refFor="des" refForName="sibTrans" fact="0.14"/>
-          <dgm:constr type="h" for="des" forName="spacerB" refType="h" refFor="des" refForName="sibTrans" fact="0.14"/>
-        </dgm:constrLst>
-      </dgm:else>
-    </dgm:choose>
-    <dgm:ruleLst/>
-    <dgm:choose name="Name7">
-      <dgm:if name="Name8" axis="ch" ptType="node" func="cnt" op="gte" val="1">
-        <dgm:layoutNode name="vNodes">
-          <dgm:alg type="lin">
-            <dgm:param type="linDir" val="fromT"/>
-            <dgm:param type="fallback" val="2D"/>
-          </dgm:alg>
-          <dgm:shape xmlns:r="http://schemas.openxmlformats.org/officeDocument/2006/relationships" r:blip="">
-            <dgm:adjLst/>
-          </dgm:shape>
-          <dgm:presOf/>
-          <dgm:constrLst/>
-          <dgm:ruleLst/>
-          <dgm:forEach name="Name9" axis="ch" ptType="node">
-            <dgm:choose name="Name10">
-              <dgm:if name="Name11" axis="self" func="revPos" op="neq" val="1">
-                <dgm:layoutNode name="node">
-                  <dgm:varLst>
-                    <dgm:bulletEnabled val="1"/>
-                  </dgm:varLst>
-                  <dgm:alg type="tx">
-                    <dgm:param type="txAnchorVertCh" val="mid"/>
-                  </dgm:alg>
-                  <dgm:shape xmlns:r="http://schemas.openxmlformats.org/officeDocument/2006/relationships" type="ellipse" r:blip="">
-                    <dgm:adjLst/>
-                  </dgm:shape>
-                  <dgm:presOf axis="desOrSelf" ptType="node"/>
-                  <dgm:constrLst>
-                    <dgm:constr type="tMarg" refType="primFontSz" fact="0.1"/>
-                    <dgm:constr type="bMarg" refType="primFontSz" fact="0.1"/>
-                    <dgm:constr type="lMarg" refType="primFontSz" fact="0.1"/>
-                    <dgm:constr type="rMarg" refType="primFontSz" fact="0.1"/>
-                  </dgm:constrLst>
-                  <dgm:ruleLst>
-                    <dgm:rule type="primFontSz" val="5" fact="NaN" max="NaN"/>
-                  </dgm:ruleLst>
-                </dgm:layoutNode>
-                <dgm:choose name="Name12">
-                  <dgm:if name="Name13" axis="self" ptType="node" func="revPos" op="gt" val="2">
-                    <dgm:forEach name="sibTransForEach" axis="followSib" ptType="sibTrans" cnt="1">
-                      <dgm:layoutNode name="spacerT">
-                        <dgm:alg type="sp"/>
-                        <dgm:shape xmlns:r="http://schemas.openxmlformats.org/officeDocument/2006/relationships" r:blip="">
-                          <dgm:adjLst/>
-                        </dgm:shape>
-                        <dgm:presOf axis="self"/>
-                        <dgm:constrLst/>
-                        <dgm:ruleLst/>
-                      </dgm:layoutNode>
-                      <dgm:layoutNode name="sibTrans">
-                        <dgm:alg type="tx"/>
-                        <dgm:shape xmlns:r="http://schemas.openxmlformats.org/officeDocument/2006/relationships" type="mathPlus" r:blip="">
-                          <dgm:adjLst/>
-                        </dgm:shape>
-                        <dgm:presOf axis="self"/>
-                        <dgm:constrLst>
-                          <dgm:constr type="h" refType="w"/>
-                          <dgm:constr type="lMarg"/>
-                          <dgm:constr type="rMarg"/>
-                          <dgm:constr type="tMarg"/>
-                          <dgm:constr type="bMarg"/>
-                        </dgm:constrLst>
-                        <dgm:ruleLst>
-                          <dgm:rule type="primFontSz" val="5" fact="NaN" max="NaN"/>
-                        </dgm:ruleLst>
-                      </dgm:layoutNode>
-                      <dgm:layoutNode name="spacerB">
-                        <dgm:alg type="sp"/>
-                        <dgm:shape xmlns:r="http://schemas.openxmlformats.org/officeDocument/2006/relationships" r:blip="">
-                          <dgm:adjLst/>
-                        </dgm:shape>
-                        <dgm:presOf axis="self"/>
-                        <dgm:constrLst/>
-                        <dgm:ruleLst/>
-                      </dgm:layoutNode>
-                    </dgm:forEach>
-                  </dgm:if>
-                  <dgm:else name="Name14"/>
-                </dgm:choose>
-              </dgm:if>
-              <dgm:else name="Name15"/>
-            </dgm:choose>
-          </dgm:forEach>
-        </dgm:layoutNode>
-        <dgm:choose name="Name16">
-          <dgm:if name="Name17" axis="ch" ptType="node" func="cnt" op="gt" val="1">
-            <dgm:layoutNode name="sibTransLast">
-              <dgm:alg type="conn">
-                <dgm:param type="begPts" val="auto"/>
-                <dgm:param type="endPts" val="auto"/>
-                <dgm:param type="srcNode" val="vNodes"/>
-                <dgm:param type="dstNode" val="lastNode"/>
-              </dgm:alg>
-              <dgm:shape xmlns:r="http://schemas.openxmlformats.org/officeDocument/2006/relationships" type="conn" r:blip="">
-                <dgm:adjLst/>
-              </dgm:shape>
-              <dgm:presOf axis="ch" ptType="sibTrans" st="-1" cnt="1"/>
-              <dgm:constrLst>
-                <dgm:constr type="h" refType="w" fact="0.62"/>
-                <dgm:constr type="connDist"/>
-                <dgm:constr type="begPad" refType="connDist" fact="0.25"/>
-                <dgm:constr type="endPad" refType="connDist" fact="0.22"/>
-              </dgm:constrLst>
-              <dgm:ruleLst/>
-              <dgm:layoutNode name="connectorText">
-                <dgm:alg type="tx">
-                  <dgm:param type="autoTxRot" val="grav"/>
-                </dgm:alg>
-                <dgm:shape xmlns:r="http://schemas.openxmlformats.org/officeDocument/2006/relationships" type="conn" r:blip="" hideGeom="1">
-                  <dgm:adjLst/>
-                </dgm:shape>
-                <dgm:presOf axis="ch desOrSelf" ptType="sibTrans sibTrans" st="-1 1" cnt="1 0"/>
-                <dgm:constrLst>
-                  <dgm:constr type="lMarg"/>
-                  <dgm:constr type="rMarg"/>
-                  <dgm:constr type="tMarg"/>
-                  <dgm:constr type="bMarg"/>
-                </dgm:constrLst>
-                <dgm:ruleLst>
-                  <dgm:rule type="primFontSz" val="5" fact="NaN" max="NaN"/>
-                </dgm:ruleLst>
-              </dgm:layoutNode>
-            </dgm:layoutNode>
-          </dgm:if>
-          <dgm:else name="Name18"/>
-        </dgm:choose>
-        <dgm:layoutNode name="lastNode">
-          <dgm:varLst>
-            <dgm:bulletEnabled val="1"/>
-          </dgm:varLst>
-          <dgm:alg type="tx">
-            <dgm:param type="txAnchorVertCh" val="mid"/>
-          </dgm:alg>
-          <dgm:shape xmlns:r="http://schemas.openxmlformats.org/officeDocument/2006/relationships" type="ellipse" r:blip="">
-            <dgm:adjLst/>
-          </dgm:shape>
-          <dgm:presOf axis="ch desOrSelf" ptType="node node" st="-1 1" cnt="1 0"/>
-          <dgm:constrLst>
-            <dgm:constr type="h" refType="w"/>
-            <dgm:constr type="tMarg" refType="primFontSz" fact="0.1"/>
-            <dgm:constr type="bMarg" refType="primFontSz" fact="0.1"/>
-            <dgm:constr type="lMarg" refType="primFontSz" fact="0.1"/>
-            <dgm:constr type="rMarg" refType="primFontSz" fact="0.1"/>
-          </dgm:constrLst>
-          <dgm:ruleLst>
-            <dgm:rule type="primFontSz" val="5" fact="NaN" max="NaN"/>
-          </dgm:ruleLst>
-        </dgm:layoutNode>
-      </dgm:if>
-      <dgm:else name="Name19"/>
-    </dgm:choose>
-  </dgm:layoutNode>
-</dgm:layoutDef>
-</file>
-
 <file path=ppt/diagrams/quickStyle1.xml><?xml version="1.0" encoding="utf-8"?>
 <dgm:styleDef xmlns:dgm="http://schemas.openxmlformats.org/drawingml/2006/diagram" xmlns:a="http://schemas.openxmlformats.org/drawingml/2006/main" uniqueId="urn:microsoft.com/office/officeart/2005/8/quickstyle/simple1">
   <dgm:title val=""/>
@@ -10419,1040 +9679,6 @@
 </file>
 
 <file path=ppt/diagrams/quickStyle3.xml><?xml version="1.0" encoding="utf-8"?>
-<dgm:styleDef xmlns:dgm="http://schemas.openxmlformats.org/drawingml/2006/diagram" xmlns:a="http://schemas.openxmlformats.org/drawingml/2006/main" uniqueId="urn:microsoft.com/office/officeart/2005/8/quickstyle/simple1">
-  <dgm:title val=""/>
-  <dgm:desc val=""/>
-  <dgm:catLst>
-    <dgm:cat type="simple" pri="10100"/>
-  </dgm:catLst>
-  <dgm:scene3d>
-    <a:camera prst="orthographicFront"/>
-    <a:lightRig rig="threePt" dir="t"/>
-  </dgm:scene3d>
-  <dgm:styleLbl name="node0">
-    <dgm:scene3d>
-      <a:camera prst="orthographicFront"/>
-      <a:lightRig rig="threePt" dir="t"/>
-    </dgm:scene3d>
-    <dgm:sp3d/>
-    <dgm:txPr/>
-    <dgm:style>
-      <a:lnRef idx="2">
-        <a:scrgbClr r="0" g="0" b="0"/>
-      </a:lnRef>
-      <a:fillRef idx="1">
-        <a:scrgbClr r="0" g="0" b="0"/>
-      </a:fillRef>
-      <a:effectRef idx="0">
-        <a:scrgbClr r="0" g="0" b="0"/>
-      </a:effectRef>
-      <a:fontRef idx="minor">
-        <a:schemeClr val="lt1"/>
-      </a:fontRef>
-    </dgm:style>
-  </dgm:styleLbl>
-  <dgm:styleLbl name="lnNode1">
-    <dgm:scene3d>
-      <a:camera prst="orthographicFront"/>
-      <a:lightRig rig="threePt" dir="t"/>
-    </dgm:scene3d>
-    <dgm:sp3d/>
-    <dgm:txPr/>
-    <dgm:style>
-      <a:lnRef idx="2">
-        <a:scrgbClr r="0" g="0" b="0"/>
-      </a:lnRef>
-      <a:fillRef idx="1">
-        <a:scrgbClr r="0" g="0" b="0"/>
-      </a:fillRef>
-      <a:effectRef idx="0">
-        <a:scrgbClr r="0" g="0" b="0"/>
-      </a:effectRef>
-      <a:fontRef idx="minor">
-        <a:schemeClr val="lt1"/>
-      </a:fontRef>
-    </dgm:style>
-  </dgm:styleLbl>
-  <dgm:styleLbl name="vennNode1">
-    <dgm:scene3d>
-      <a:camera prst="orthographicFront"/>
-      <a:lightRig rig="threePt" dir="t"/>
-    </dgm:scene3d>
-    <dgm:sp3d/>
-    <dgm:txPr/>
-    <dgm:style>
-      <a:lnRef idx="2">
-        <a:scrgbClr r="0" g="0" b="0"/>
-      </a:lnRef>
-      <a:fillRef idx="1">
-        <a:scrgbClr r="0" g="0" b="0"/>
-      </a:fillRef>
-      <a:effectRef idx="0">
-        <a:scrgbClr r="0" g="0" b="0"/>
-      </a:effectRef>
-      <a:fontRef idx="minor">
-        <a:schemeClr val="tx1"/>
-      </a:fontRef>
-    </dgm:style>
-  </dgm:styleLbl>
-  <dgm:styleLbl name="alignNode1">
-    <dgm:scene3d>
-      <a:camera prst="orthographicFront"/>
-      <a:lightRig rig="threePt" dir="t"/>
-    </dgm:scene3d>
-    <dgm:sp3d/>
-    <dgm:txPr/>
-    <dgm:style>
-      <a:lnRef idx="2">
-        <a:scrgbClr r="0" g="0" b="0"/>
-      </a:lnRef>
-      <a:fillRef idx="1">
-        <a:scrgbClr r="0" g="0" b="0"/>
-      </a:fillRef>
-      <a:effectRef idx="0">
-        <a:scrgbClr r="0" g="0" b="0"/>
-      </a:effectRef>
-      <a:fontRef idx="minor">
-        <a:schemeClr val="lt1"/>
-      </a:fontRef>
-    </dgm:style>
-  </dgm:styleLbl>
-  <dgm:styleLbl name="node1">
-    <dgm:scene3d>
-      <a:camera prst="orthographicFront"/>
-      <a:lightRig rig="threePt" dir="t"/>
-    </dgm:scene3d>
-    <dgm:sp3d/>
-    <dgm:txPr/>
-    <dgm:style>
-      <a:lnRef idx="2">
-        <a:scrgbClr r="0" g="0" b="0"/>
-      </a:lnRef>
-      <a:fillRef idx="1">
-        <a:scrgbClr r="0" g="0" b="0"/>
-      </a:fillRef>
-      <a:effectRef idx="0">
-        <a:scrgbClr r="0" g="0" b="0"/>
-      </a:effectRef>
-      <a:fontRef idx="minor">
-        <a:schemeClr val="lt1"/>
-      </a:fontRef>
-    </dgm:style>
-  </dgm:styleLbl>
-  <dgm:styleLbl name="node2">
-    <dgm:scene3d>
-      <a:camera prst="orthographicFront"/>
-      <a:lightRig rig="threePt" dir="t"/>
-    </dgm:scene3d>
-    <dgm:sp3d/>
-    <dgm:txPr/>
-    <dgm:style>
-      <a:lnRef idx="2">
-        <a:scrgbClr r="0" g="0" b="0"/>
-      </a:lnRef>
-      <a:fillRef idx="1">
-        <a:scrgbClr r="0" g="0" b="0"/>
-      </a:fillRef>
-      <a:effectRef idx="0">
-        <a:scrgbClr r="0" g="0" b="0"/>
-      </a:effectRef>
-      <a:fontRef idx="minor">
-        <a:schemeClr val="lt1"/>
-      </a:fontRef>
-    </dgm:style>
-  </dgm:styleLbl>
-  <dgm:styleLbl name="node3">
-    <dgm:scene3d>
-      <a:camera prst="orthographicFront"/>
-      <a:lightRig rig="threePt" dir="t"/>
-    </dgm:scene3d>
-    <dgm:sp3d/>
-    <dgm:txPr/>
-    <dgm:style>
-      <a:lnRef idx="2">
-        <a:scrgbClr r="0" g="0" b="0"/>
-      </a:lnRef>
-      <a:fillRef idx="1">
-        <a:scrgbClr r="0" g="0" b="0"/>
-      </a:fillRef>
-      <a:effectRef idx="0">
-        <a:scrgbClr r="0" g="0" b="0"/>
-      </a:effectRef>
-      <a:fontRef idx="minor">
-        <a:schemeClr val="lt1"/>
-      </a:fontRef>
-    </dgm:style>
-  </dgm:styleLbl>
-  <dgm:styleLbl name="node4">
-    <dgm:scene3d>
-      <a:camera prst="orthographicFront"/>
-      <a:lightRig rig="threePt" dir="t"/>
-    </dgm:scene3d>
-    <dgm:sp3d/>
-    <dgm:txPr/>
-    <dgm:style>
-      <a:lnRef idx="2">
-        <a:scrgbClr r="0" g="0" b="0"/>
-      </a:lnRef>
-      <a:fillRef idx="1">
-        <a:scrgbClr r="0" g="0" b="0"/>
-      </a:fillRef>
-      <a:effectRef idx="0">
-        <a:scrgbClr r="0" g="0" b="0"/>
-      </a:effectRef>
-      <a:fontRef idx="minor">
-        <a:schemeClr val="lt1"/>
-      </a:fontRef>
-    </dgm:style>
-  </dgm:styleLbl>
-  <dgm:styleLbl name="fgImgPlace1">
-    <dgm:scene3d>
-      <a:camera prst="orthographicFront"/>
-      <a:lightRig rig="threePt" dir="t"/>
-    </dgm:scene3d>
-    <dgm:sp3d/>
-    <dgm:txPr/>
-    <dgm:style>
-      <a:lnRef idx="2">
-        <a:scrgbClr r="0" g="0" b="0"/>
-      </a:lnRef>
-      <a:fillRef idx="1">
-        <a:scrgbClr r="0" g="0" b="0"/>
-      </a:fillRef>
-      <a:effectRef idx="0">
-        <a:scrgbClr r="0" g="0" b="0"/>
-      </a:effectRef>
-      <a:fontRef idx="minor"/>
-    </dgm:style>
-  </dgm:styleLbl>
-  <dgm:styleLbl name="alignImgPlace1">
-    <dgm:scene3d>
-      <a:camera prst="orthographicFront"/>
-      <a:lightRig rig="threePt" dir="t"/>
-    </dgm:scene3d>
-    <dgm:sp3d/>
-    <dgm:txPr/>
-    <dgm:style>
-      <a:lnRef idx="2">
-        <a:scrgbClr r="0" g="0" b="0"/>
-      </a:lnRef>
-      <a:fillRef idx="1">
-        <a:scrgbClr r="0" g="0" b="0"/>
-      </a:fillRef>
-      <a:effectRef idx="0">
-        <a:scrgbClr r="0" g="0" b="0"/>
-      </a:effectRef>
-      <a:fontRef idx="minor"/>
-    </dgm:style>
-  </dgm:styleLbl>
-  <dgm:styleLbl name="bgImgPlace1">
-    <dgm:scene3d>
-      <a:camera prst="orthographicFront"/>
-      <a:lightRig rig="threePt" dir="t"/>
-    </dgm:scene3d>
-    <dgm:sp3d/>
-    <dgm:txPr/>
-    <dgm:style>
-      <a:lnRef idx="2">
-        <a:scrgbClr r="0" g="0" b="0"/>
-      </a:lnRef>
-      <a:fillRef idx="1">
-        <a:scrgbClr r="0" g="0" b="0"/>
-      </a:fillRef>
-      <a:effectRef idx="0">
-        <a:scrgbClr r="0" g="0" b="0"/>
-      </a:effectRef>
-      <a:fontRef idx="minor"/>
-    </dgm:style>
-  </dgm:styleLbl>
-  <dgm:styleLbl name="sibTrans2D1">
-    <dgm:scene3d>
-      <a:camera prst="orthographicFront"/>
-      <a:lightRig rig="threePt" dir="t"/>
-    </dgm:scene3d>
-    <dgm:sp3d/>
-    <dgm:txPr/>
-    <dgm:style>
-      <a:lnRef idx="0">
-        <a:scrgbClr r="0" g="0" b="0"/>
-      </a:lnRef>
-      <a:fillRef idx="1">
-        <a:scrgbClr r="0" g="0" b="0"/>
-      </a:fillRef>
-      <a:effectRef idx="0">
-        <a:scrgbClr r="0" g="0" b="0"/>
-      </a:effectRef>
-      <a:fontRef idx="minor">
-        <a:schemeClr val="lt1"/>
-      </a:fontRef>
-    </dgm:style>
-  </dgm:styleLbl>
-  <dgm:styleLbl name="fgSibTrans2D1">
-    <dgm:scene3d>
-      <a:camera prst="orthographicFront"/>
-      <a:lightRig rig="threePt" dir="t"/>
-    </dgm:scene3d>
-    <dgm:sp3d/>
-    <dgm:txPr/>
-    <dgm:style>
-      <a:lnRef idx="0">
-        <a:scrgbClr r="0" g="0" b="0"/>
-      </a:lnRef>
-      <a:fillRef idx="1">
-        <a:scrgbClr r="0" g="0" b="0"/>
-      </a:fillRef>
-      <a:effectRef idx="0">
-        <a:scrgbClr r="0" g="0" b="0"/>
-      </a:effectRef>
-      <a:fontRef idx="minor">
-        <a:schemeClr val="lt1"/>
-      </a:fontRef>
-    </dgm:style>
-  </dgm:styleLbl>
-  <dgm:styleLbl name="bgSibTrans2D1">
-    <dgm:scene3d>
-      <a:camera prst="orthographicFront"/>
-      <a:lightRig rig="threePt" dir="t"/>
-    </dgm:scene3d>
-    <dgm:sp3d/>
-    <dgm:txPr/>
-    <dgm:style>
-      <a:lnRef idx="0">
-        <a:scrgbClr r="0" g="0" b="0"/>
-      </a:lnRef>
-      <a:fillRef idx="1">
-        <a:scrgbClr r="0" g="0" b="0"/>
-      </a:fillRef>
-      <a:effectRef idx="0">
-        <a:scrgbClr r="0" g="0" b="0"/>
-      </a:effectRef>
-      <a:fontRef idx="minor">
-        <a:schemeClr val="lt1"/>
-      </a:fontRef>
-    </dgm:style>
-  </dgm:styleLbl>
-  <dgm:styleLbl name="sibTrans1D1">
-    <dgm:scene3d>
-      <a:camera prst="orthographicFront"/>
-      <a:lightRig rig="threePt" dir="t"/>
-    </dgm:scene3d>
-    <dgm:sp3d/>
-    <dgm:txPr/>
-    <dgm:style>
-      <a:lnRef idx="1">
-        <a:scrgbClr r="0" g="0" b="0"/>
-      </a:lnRef>
-      <a:fillRef idx="0">
-        <a:scrgbClr r="0" g="0" b="0"/>
-      </a:fillRef>
-      <a:effectRef idx="0">
-        <a:scrgbClr r="0" g="0" b="0"/>
-      </a:effectRef>
-      <a:fontRef idx="minor"/>
-    </dgm:style>
-  </dgm:styleLbl>
-  <dgm:styleLbl name="callout">
-    <dgm:scene3d>
-      <a:camera prst="orthographicFront"/>
-      <a:lightRig rig="threePt" dir="t"/>
-    </dgm:scene3d>
-    <dgm:sp3d/>
-    <dgm:txPr/>
-    <dgm:style>
-      <a:lnRef idx="2">
-        <a:scrgbClr r="0" g="0" b="0"/>
-      </a:lnRef>
-      <a:fillRef idx="1">
-        <a:scrgbClr r="0" g="0" b="0"/>
-      </a:fillRef>
-      <a:effectRef idx="0">
-        <a:scrgbClr r="0" g="0" b="0"/>
-      </a:effectRef>
-      <a:fontRef idx="minor"/>
-    </dgm:style>
-  </dgm:styleLbl>
-  <dgm:styleLbl name="asst0">
-    <dgm:scene3d>
-      <a:camera prst="orthographicFront"/>
-      <a:lightRig rig="threePt" dir="t"/>
-    </dgm:scene3d>
-    <dgm:sp3d/>
-    <dgm:txPr/>
-    <dgm:style>
-      <a:lnRef idx="2">
-        <a:scrgbClr r="0" g="0" b="0"/>
-      </a:lnRef>
-      <a:fillRef idx="1">
-        <a:scrgbClr r="0" g="0" b="0"/>
-      </a:fillRef>
-      <a:effectRef idx="0">
-        <a:scrgbClr r="0" g="0" b="0"/>
-      </a:effectRef>
-      <a:fontRef idx="minor">
-        <a:schemeClr val="lt1"/>
-      </a:fontRef>
-    </dgm:style>
-  </dgm:styleLbl>
-  <dgm:styleLbl name="asst1">
-    <dgm:scene3d>
-      <a:camera prst="orthographicFront"/>
-      <a:lightRig rig="threePt" dir="t"/>
-    </dgm:scene3d>
-    <dgm:sp3d/>
-    <dgm:txPr/>
-    <dgm:style>
-      <a:lnRef idx="2">
-        <a:scrgbClr r="0" g="0" b="0"/>
-      </a:lnRef>
-      <a:fillRef idx="1">
-        <a:scrgbClr r="0" g="0" b="0"/>
-      </a:fillRef>
-      <a:effectRef idx="0">
-        <a:scrgbClr r="0" g="0" b="0"/>
-      </a:effectRef>
-      <a:fontRef idx="minor">
-        <a:schemeClr val="lt1"/>
-      </a:fontRef>
-    </dgm:style>
-  </dgm:styleLbl>
-  <dgm:styleLbl name="asst2">
-    <dgm:scene3d>
-      <a:camera prst="orthographicFront"/>
-      <a:lightRig rig="threePt" dir="t"/>
-    </dgm:scene3d>
-    <dgm:sp3d/>
-    <dgm:txPr/>
-    <dgm:style>
-      <a:lnRef idx="2">
-        <a:scrgbClr r="0" g="0" b="0"/>
-      </a:lnRef>
-      <a:fillRef idx="1">
-        <a:scrgbClr r="0" g="0" b="0"/>
-      </a:fillRef>
-      <a:effectRef idx="0">
-        <a:scrgbClr r="0" g="0" b="0"/>
-      </a:effectRef>
-      <a:fontRef idx="minor">
-        <a:schemeClr val="lt1"/>
-      </a:fontRef>
-    </dgm:style>
-  </dgm:styleLbl>
-  <dgm:styleLbl name="asst3">
-    <dgm:scene3d>
-      <a:camera prst="orthographicFront"/>
-      <a:lightRig rig="threePt" dir="t"/>
-    </dgm:scene3d>
-    <dgm:sp3d/>
-    <dgm:txPr/>
-    <dgm:style>
-      <a:lnRef idx="2">
-        <a:scrgbClr r="0" g="0" b="0"/>
-      </a:lnRef>
-      <a:fillRef idx="1">
-        <a:scrgbClr r="0" g="0" b="0"/>
-      </a:fillRef>
-      <a:effectRef idx="0">
-        <a:scrgbClr r="0" g="0" b="0"/>
-      </a:effectRef>
-      <a:fontRef idx="minor">
-        <a:schemeClr val="lt1"/>
-      </a:fontRef>
-    </dgm:style>
-  </dgm:styleLbl>
-  <dgm:styleLbl name="asst4">
-    <dgm:scene3d>
-      <a:camera prst="orthographicFront"/>
-      <a:lightRig rig="threePt" dir="t"/>
-    </dgm:scene3d>
-    <dgm:sp3d/>
-    <dgm:txPr/>
-    <dgm:style>
-      <a:lnRef idx="2">
-        <a:scrgbClr r="0" g="0" b="0"/>
-      </a:lnRef>
-      <a:fillRef idx="1">
-        <a:scrgbClr r="0" g="0" b="0"/>
-      </a:fillRef>
-      <a:effectRef idx="0">
-        <a:scrgbClr r="0" g="0" b="0"/>
-      </a:effectRef>
-      <a:fontRef idx="minor">
-        <a:schemeClr val="lt1"/>
-      </a:fontRef>
-    </dgm:style>
-  </dgm:styleLbl>
-  <dgm:styleLbl name="parChTrans2D1">
-    <dgm:scene3d>
-      <a:camera prst="orthographicFront"/>
-      <a:lightRig rig="threePt" dir="t"/>
-    </dgm:scene3d>
-    <dgm:sp3d/>
-    <dgm:txPr/>
-    <dgm:style>
-      <a:lnRef idx="2">
-        <a:scrgbClr r="0" g="0" b="0"/>
-      </a:lnRef>
-      <a:fillRef idx="1">
-        <a:scrgbClr r="0" g="0" b="0"/>
-      </a:fillRef>
-      <a:effectRef idx="0">
-        <a:scrgbClr r="0" g="0" b="0"/>
-      </a:effectRef>
-      <a:fontRef idx="minor">
-        <a:schemeClr val="lt1"/>
-      </a:fontRef>
-    </dgm:style>
-  </dgm:styleLbl>
-  <dgm:styleLbl name="parChTrans2D2">
-    <dgm:scene3d>
-      <a:camera prst="orthographicFront"/>
-      <a:lightRig rig="threePt" dir="t"/>
-    </dgm:scene3d>
-    <dgm:sp3d/>
-    <dgm:txPr/>
-    <dgm:style>
-      <a:lnRef idx="2">
-        <a:scrgbClr r="0" g="0" b="0"/>
-      </a:lnRef>
-      <a:fillRef idx="1">
-        <a:scrgbClr r="0" g="0" b="0"/>
-      </a:fillRef>
-      <a:effectRef idx="0">
-        <a:scrgbClr r="0" g="0" b="0"/>
-      </a:effectRef>
-      <a:fontRef idx="minor">
-        <a:schemeClr val="lt1"/>
-      </a:fontRef>
-    </dgm:style>
-  </dgm:styleLbl>
-  <dgm:styleLbl name="parChTrans2D3">
-    <dgm:scene3d>
-      <a:camera prst="orthographicFront"/>
-      <a:lightRig rig="threePt" dir="t"/>
-    </dgm:scene3d>
-    <dgm:sp3d/>
-    <dgm:txPr/>
-    <dgm:style>
-      <a:lnRef idx="2">
-        <a:scrgbClr r="0" g="0" b="0"/>
-      </a:lnRef>
-      <a:fillRef idx="1">
-        <a:scrgbClr r="0" g="0" b="0"/>
-      </a:fillRef>
-      <a:effectRef idx="0">
-        <a:scrgbClr r="0" g="0" b="0"/>
-      </a:effectRef>
-      <a:fontRef idx="minor">
-        <a:schemeClr val="lt1"/>
-      </a:fontRef>
-    </dgm:style>
-  </dgm:styleLbl>
-  <dgm:styleLbl name="parChTrans2D4">
-    <dgm:scene3d>
-      <a:camera prst="orthographicFront"/>
-      <a:lightRig rig="threePt" dir="t"/>
-    </dgm:scene3d>
-    <dgm:sp3d/>
-    <dgm:txPr/>
-    <dgm:style>
-      <a:lnRef idx="2">
-        <a:scrgbClr r="0" g="0" b="0"/>
-      </a:lnRef>
-      <a:fillRef idx="1">
-        <a:scrgbClr r="0" g="0" b="0"/>
-      </a:fillRef>
-      <a:effectRef idx="0">
-        <a:scrgbClr r="0" g="0" b="0"/>
-      </a:effectRef>
-      <a:fontRef idx="minor">
-        <a:schemeClr val="lt1"/>
-      </a:fontRef>
-    </dgm:style>
-  </dgm:styleLbl>
-  <dgm:styleLbl name="parChTrans1D1">
-    <dgm:scene3d>
-      <a:camera prst="orthographicFront"/>
-      <a:lightRig rig="threePt" dir="t"/>
-    </dgm:scene3d>
-    <dgm:sp3d/>
-    <dgm:txPr/>
-    <dgm:style>
-      <a:lnRef idx="2">
-        <a:scrgbClr r="0" g="0" b="0"/>
-      </a:lnRef>
-      <a:fillRef idx="0">
-        <a:scrgbClr r="0" g="0" b="0"/>
-      </a:fillRef>
-      <a:effectRef idx="0">
-        <a:scrgbClr r="0" g="0" b="0"/>
-      </a:effectRef>
-      <a:fontRef idx="minor"/>
-    </dgm:style>
-  </dgm:styleLbl>
-  <dgm:styleLbl name="parChTrans1D2">
-    <dgm:scene3d>
-      <a:camera prst="orthographicFront"/>
-      <a:lightRig rig="threePt" dir="t"/>
-    </dgm:scene3d>
-    <dgm:sp3d/>
-    <dgm:txPr/>
-    <dgm:style>
-      <a:lnRef idx="2">
-        <a:scrgbClr r="0" g="0" b="0"/>
-      </a:lnRef>
-      <a:fillRef idx="0">
-        <a:scrgbClr r="0" g="0" b="0"/>
-      </a:fillRef>
-      <a:effectRef idx="0">
-        <a:scrgbClr r="0" g="0" b="0"/>
-      </a:effectRef>
-      <a:fontRef idx="minor"/>
-    </dgm:style>
-  </dgm:styleLbl>
-  <dgm:styleLbl name="parChTrans1D3">
-    <dgm:scene3d>
-      <a:camera prst="orthographicFront"/>
-      <a:lightRig rig="threePt" dir="t"/>
-    </dgm:scene3d>
-    <dgm:sp3d/>
-    <dgm:txPr/>
-    <dgm:style>
-      <a:lnRef idx="2">
-        <a:scrgbClr r="0" g="0" b="0"/>
-      </a:lnRef>
-      <a:fillRef idx="0">
-        <a:scrgbClr r="0" g="0" b="0"/>
-      </a:fillRef>
-      <a:effectRef idx="0">
-        <a:scrgbClr r="0" g="0" b="0"/>
-      </a:effectRef>
-      <a:fontRef idx="minor"/>
-    </dgm:style>
-  </dgm:styleLbl>
-  <dgm:styleLbl name="parChTrans1D4">
-    <dgm:scene3d>
-      <a:camera prst="orthographicFront"/>
-      <a:lightRig rig="threePt" dir="t"/>
-    </dgm:scene3d>
-    <dgm:sp3d/>
-    <dgm:txPr/>
-    <dgm:style>
-      <a:lnRef idx="2">
-        <a:scrgbClr r="0" g="0" b="0"/>
-      </a:lnRef>
-      <a:fillRef idx="0">
-        <a:scrgbClr r="0" g="0" b="0"/>
-      </a:fillRef>
-      <a:effectRef idx="0">
-        <a:scrgbClr r="0" g="0" b="0"/>
-      </a:effectRef>
-      <a:fontRef idx="minor"/>
-    </dgm:style>
-  </dgm:styleLbl>
-  <dgm:styleLbl name="fgAcc1">
-    <dgm:scene3d>
-      <a:camera prst="orthographicFront"/>
-      <a:lightRig rig="threePt" dir="t"/>
-    </dgm:scene3d>
-    <dgm:sp3d/>
-    <dgm:txPr/>
-    <dgm:style>
-      <a:lnRef idx="2">
-        <a:scrgbClr r="0" g="0" b="0"/>
-      </a:lnRef>
-      <a:fillRef idx="1">
-        <a:scrgbClr r="0" g="0" b="0"/>
-      </a:fillRef>
-      <a:effectRef idx="0">
-        <a:scrgbClr r="0" g="0" b="0"/>
-      </a:effectRef>
-      <a:fontRef idx="minor"/>
-    </dgm:style>
-  </dgm:styleLbl>
-  <dgm:styleLbl name="conFgAcc1">
-    <dgm:scene3d>
-      <a:camera prst="orthographicFront"/>
-      <a:lightRig rig="threePt" dir="t"/>
-    </dgm:scene3d>
-    <dgm:sp3d/>
-    <dgm:txPr/>
-    <dgm:style>
-      <a:lnRef idx="2">
-        <a:scrgbClr r="0" g="0" b="0"/>
-      </a:lnRef>
-      <a:fillRef idx="1">
-        <a:scrgbClr r="0" g="0" b="0"/>
-      </a:fillRef>
-      <a:effectRef idx="0">
-        <a:scrgbClr r="0" g="0" b="0"/>
-      </a:effectRef>
-      <a:fontRef idx="minor"/>
-    </dgm:style>
-  </dgm:styleLbl>
-  <dgm:styleLbl name="alignAcc1">
-    <dgm:scene3d>
-      <a:camera prst="orthographicFront"/>
-      <a:lightRig rig="threePt" dir="t"/>
-    </dgm:scene3d>
-    <dgm:sp3d/>
-    <dgm:txPr/>
-    <dgm:style>
-      <a:lnRef idx="2">
-        <a:scrgbClr r="0" g="0" b="0"/>
-      </a:lnRef>
-      <a:fillRef idx="1">
-        <a:scrgbClr r="0" g="0" b="0"/>
-      </a:fillRef>
-      <a:effectRef idx="0">
-        <a:scrgbClr r="0" g="0" b="0"/>
-      </a:effectRef>
-      <a:fontRef idx="minor"/>
-    </dgm:style>
-  </dgm:styleLbl>
-  <dgm:styleLbl name="trAlignAcc1">
-    <dgm:scene3d>
-      <a:camera prst="orthographicFront"/>
-      <a:lightRig rig="threePt" dir="t"/>
-    </dgm:scene3d>
-    <dgm:sp3d/>
-    <dgm:txPr/>
-    <dgm:style>
-      <a:lnRef idx="1">
-        <a:scrgbClr r="0" g="0" b="0"/>
-      </a:lnRef>
-      <a:fillRef idx="1">
-        <a:scrgbClr r="0" g="0" b="0"/>
-      </a:fillRef>
-      <a:effectRef idx="0">
-        <a:scrgbClr r="0" g="0" b="0"/>
-      </a:effectRef>
-      <a:fontRef idx="minor"/>
-    </dgm:style>
-  </dgm:styleLbl>
-  <dgm:styleLbl name="bgAcc1">
-    <dgm:scene3d>
-      <a:camera prst="orthographicFront"/>
-      <a:lightRig rig="threePt" dir="t"/>
-    </dgm:scene3d>
-    <dgm:sp3d/>
-    <dgm:txPr/>
-    <dgm:style>
-      <a:lnRef idx="2">
-        <a:scrgbClr r="0" g="0" b="0"/>
-      </a:lnRef>
-      <a:fillRef idx="1">
-        <a:scrgbClr r="0" g="0" b="0"/>
-      </a:fillRef>
-      <a:effectRef idx="0">
-        <a:scrgbClr r="0" g="0" b="0"/>
-      </a:effectRef>
-      <a:fontRef idx="minor"/>
-    </dgm:style>
-  </dgm:styleLbl>
-  <dgm:styleLbl name="solidFgAcc1">
-    <dgm:scene3d>
-      <a:camera prst="orthographicFront"/>
-      <a:lightRig rig="threePt" dir="t"/>
-    </dgm:scene3d>
-    <dgm:sp3d/>
-    <dgm:txPr/>
-    <dgm:style>
-      <a:lnRef idx="2">
-        <a:scrgbClr r="0" g="0" b="0"/>
-      </a:lnRef>
-      <a:fillRef idx="1">
-        <a:scrgbClr r="0" g="0" b="0"/>
-      </a:fillRef>
-      <a:effectRef idx="0">
-        <a:scrgbClr r="0" g="0" b="0"/>
-      </a:effectRef>
-      <a:fontRef idx="minor"/>
-    </dgm:style>
-  </dgm:styleLbl>
-  <dgm:styleLbl name="solidAlignAcc1">
-    <dgm:scene3d>
-      <a:camera prst="orthographicFront"/>
-      <a:lightRig rig="threePt" dir="t"/>
-    </dgm:scene3d>
-    <dgm:sp3d/>
-    <dgm:txPr/>
-    <dgm:style>
-      <a:lnRef idx="2">
-        <a:scrgbClr r="0" g="0" b="0"/>
-      </a:lnRef>
-      <a:fillRef idx="1">
-        <a:scrgbClr r="0" g="0" b="0"/>
-      </a:fillRef>
-      <a:effectRef idx="0">
-        <a:scrgbClr r="0" g="0" b="0"/>
-      </a:effectRef>
-      <a:fontRef idx="minor"/>
-    </dgm:style>
-  </dgm:styleLbl>
-  <dgm:styleLbl name="solidBgAcc1">
-    <dgm:scene3d>
-      <a:camera prst="orthographicFront"/>
-      <a:lightRig rig="threePt" dir="t"/>
-    </dgm:scene3d>
-    <dgm:sp3d/>
-    <dgm:txPr/>
-    <dgm:style>
-      <a:lnRef idx="2">
-        <a:scrgbClr r="0" g="0" b="0"/>
-      </a:lnRef>
-      <a:fillRef idx="1">
-        <a:scrgbClr r="0" g="0" b="0"/>
-      </a:fillRef>
-      <a:effectRef idx="0">
-        <a:scrgbClr r="0" g="0" b="0"/>
-      </a:effectRef>
-      <a:fontRef idx="minor"/>
-    </dgm:style>
-  </dgm:styleLbl>
-  <dgm:styleLbl name="fgAccFollowNode1">
-    <dgm:scene3d>
-      <a:camera prst="orthographicFront"/>
-      <a:lightRig rig="threePt" dir="t"/>
-    </dgm:scene3d>
-    <dgm:sp3d/>
-    <dgm:txPr/>
-    <dgm:style>
-      <a:lnRef idx="2">
-        <a:scrgbClr r="0" g="0" b="0"/>
-      </a:lnRef>
-      <a:fillRef idx="1">
-        <a:scrgbClr r="0" g="0" b="0"/>
-      </a:fillRef>
-      <a:effectRef idx="0">
-        <a:scrgbClr r="0" g="0" b="0"/>
-      </a:effectRef>
-      <a:fontRef idx="minor"/>
-    </dgm:style>
-  </dgm:styleLbl>
-  <dgm:styleLbl name="alignAccFollowNode1">
-    <dgm:scene3d>
-      <a:camera prst="orthographicFront"/>
-      <a:lightRig rig="threePt" dir="t"/>
-    </dgm:scene3d>
-    <dgm:sp3d/>
-    <dgm:txPr/>
-    <dgm:style>
-      <a:lnRef idx="2">
-        <a:scrgbClr r="0" g="0" b="0"/>
-      </a:lnRef>
-      <a:fillRef idx="1">
-        <a:scrgbClr r="0" g="0" b="0"/>
-      </a:fillRef>
-      <a:effectRef idx="0">
-        <a:scrgbClr r="0" g="0" b="0"/>
-      </a:effectRef>
-      <a:fontRef idx="minor"/>
-    </dgm:style>
-  </dgm:styleLbl>
-  <dgm:styleLbl name="bgAccFollowNode1">
-    <dgm:scene3d>
-      <a:camera prst="orthographicFront"/>
-      <a:lightRig rig="threePt" dir="t"/>
-    </dgm:scene3d>
-    <dgm:sp3d/>
-    <dgm:txPr/>
-    <dgm:style>
-      <a:lnRef idx="2">
-        <a:scrgbClr r="0" g="0" b="0"/>
-      </a:lnRef>
-      <a:fillRef idx="1">
-        <a:scrgbClr r="0" g="0" b="0"/>
-      </a:fillRef>
-      <a:effectRef idx="0">
-        <a:scrgbClr r="0" g="0" b="0"/>
-      </a:effectRef>
-      <a:fontRef idx="minor"/>
-    </dgm:style>
-  </dgm:styleLbl>
-  <dgm:styleLbl name="fgAcc0">
-    <dgm:scene3d>
-      <a:camera prst="orthographicFront"/>
-      <a:lightRig rig="threePt" dir="t"/>
-    </dgm:scene3d>
-    <dgm:sp3d/>
-    <dgm:txPr/>
-    <dgm:style>
-      <a:lnRef idx="2">
-        <a:scrgbClr r="0" g="0" b="0"/>
-      </a:lnRef>
-      <a:fillRef idx="1">
-        <a:scrgbClr r="0" g="0" b="0"/>
-      </a:fillRef>
-      <a:effectRef idx="0">
-        <a:scrgbClr r="0" g="0" b="0"/>
-      </a:effectRef>
-      <a:fontRef idx="minor"/>
-    </dgm:style>
-  </dgm:styleLbl>
-  <dgm:styleLbl name="fgAcc2">
-    <dgm:scene3d>
-      <a:camera prst="orthographicFront"/>
-      <a:lightRig rig="threePt" dir="t"/>
-    </dgm:scene3d>
-    <dgm:sp3d/>
-    <dgm:txPr/>
-    <dgm:style>
-      <a:lnRef idx="2">
-        <a:scrgbClr r="0" g="0" b="0"/>
-      </a:lnRef>
-      <a:fillRef idx="1">
-        <a:scrgbClr r="0" g="0" b="0"/>
-      </a:fillRef>
-      <a:effectRef idx="0">
-        <a:scrgbClr r="0" g="0" b="0"/>
-      </a:effectRef>
-      <a:fontRef idx="minor"/>
-    </dgm:style>
-  </dgm:styleLbl>
-  <dgm:styleLbl name="fgAcc3">
-    <dgm:scene3d>
-      <a:camera prst="orthographicFront"/>
-      <a:lightRig rig="threePt" dir="t"/>
-    </dgm:scene3d>
-    <dgm:sp3d/>
-    <dgm:txPr/>
-    <dgm:style>
-      <a:lnRef idx="2">
-        <a:scrgbClr r="0" g="0" b="0"/>
-      </a:lnRef>
-      <a:fillRef idx="1">
-        <a:scrgbClr r="0" g="0" b="0"/>
-      </a:fillRef>
-      <a:effectRef idx="0">
-        <a:scrgbClr r="0" g="0" b="0"/>
-      </a:effectRef>
-      <a:fontRef idx="minor"/>
-    </dgm:style>
-  </dgm:styleLbl>
-  <dgm:styleLbl name="fgAcc4">
-    <dgm:scene3d>
-      <a:camera prst="orthographicFront"/>
-      <a:lightRig rig="threePt" dir="t"/>
-    </dgm:scene3d>
-    <dgm:sp3d/>
-    <dgm:txPr/>
-    <dgm:style>
-      <a:lnRef idx="2">
-        <a:scrgbClr r="0" g="0" b="0"/>
-      </a:lnRef>
-      <a:fillRef idx="1">
-        <a:scrgbClr r="0" g="0" b="0"/>
-      </a:fillRef>
-      <a:effectRef idx="0">
-        <a:scrgbClr r="0" g="0" b="0"/>
-      </a:effectRef>
-      <a:fontRef idx="minor"/>
-    </dgm:style>
-  </dgm:styleLbl>
-  <dgm:styleLbl name="bgShp">
-    <dgm:scene3d>
-      <a:camera prst="orthographicFront"/>
-      <a:lightRig rig="threePt" dir="t"/>
-    </dgm:scene3d>
-    <dgm:sp3d/>
-    <dgm:txPr/>
-    <dgm:style>
-      <a:lnRef idx="0">
-        <a:scrgbClr r="0" g="0" b="0"/>
-      </a:lnRef>
-      <a:fillRef idx="1">
-        <a:scrgbClr r="0" g="0" b="0"/>
-      </a:fillRef>
-      <a:effectRef idx="0">
-        <a:scrgbClr r="0" g="0" b="0"/>
-      </a:effectRef>
-      <a:fontRef idx="minor"/>
-    </dgm:style>
-  </dgm:styleLbl>
-  <dgm:styleLbl name="dkBgShp">
-    <dgm:scene3d>
-      <a:camera prst="orthographicFront"/>
-      <a:lightRig rig="threePt" dir="t"/>
-    </dgm:scene3d>
-    <dgm:sp3d/>
-    <dgm:txPr/>
-    <dgm:style>
-      <a:lnRef idx="0">
-        <a:scrgbClr r="0" g="0" b="0"/>
-      </a:lnRef>
-      <a:fillRef idx="1">
-        <a:scrgbClr r="0" g="0" b="0"/>
-      </a:fillRef>
-      <a:effectRef idx="0">
-        <a:scrgbClr r="0" g="0" b="0"/>
-      </a:effectRef>
-      <a:fontRef idx="minor"/>
-    </dgm:style>
-  </dgm:styleLbl>
-  <dgm:styleLbl name="trBgShp">
-    <dgm:scene3d>
-      <a:camera prst="orthographicFront"/>
-      <a:lightRig rig="threePt" dir="t"/>
-    </dgm:scene3d>
-    <dgm:sp3d/>
-    <dgm:txPr/>
-    <dgm:style>
-      <a:lnRef idx="0">
-        <a:scrgbClr r="0" g="0" b="0"/>
-      </a:lnRef>
-      <a:fillRef idx="1">
-        <a:scrgbClr r="0" g="0" b="0"/>
-      </a:fillRef>
-      <a:effectRef idx="0">
-        <a:scrgbClr r="0" g="0" b="0"/>
-      </a:effectRef>
-      <a:fontRef idx="minor"/>
-    </dgm:style>
-  </dgm:styleLbl>
-  <dgm:styleLbl name="fgShp">
-    <dgm:scene3d>
-      <a:camera prst="orthographicFront"/>
-      <a:lightRig rig="threePt" dir="t"/>
-    </dgm:scene3d>
-    <dgm:sp3d/>
-    <dgm:txPr/>
-    <dgm:style>
-      <a:lnRef idx="2">
-        <a:scrgbClr r="0" g="0" b="0"/>
-      </a:lnRef>
-      <a:fillRef idx="1">
-        <a:scrgbClr r="0" g="0" b="0"/>
-      </a:fillRef>
-      <a:effectRef idx="0">
-        <a:scrgbClr r="0" g="0" b="0"/>
-      </a:effectRef>
-      <a:fontRef idx="minor"/>
-    </dgm:style>
-  </dgm:styleLbl>
-  <dgm:styleLbl name="revTx">
-    <dgm:scene3d>
-      <a:camera prst="orthographicFront"/>
-      <a:lightRig rig="threePt" dir="t"/>
-    </dgm:scene3d>
-    <dgm:sp3d/>
-    <dgm:txPr/>
-    <dgm:style>
-      <a:lnRef idx="0">
-        <a:scrgbClr r="0" g="0" b="0"/>
-      </a:lnRef>
-      <a:fillRef idx="0">
-        <a:scrgbClr r="0" g="0" b="0"/>
-      </a:fillRef>
-      <a:effectRef idx="0">
-        <a:scrgbClr r="0" g="0" b="0"/>
-      </a:effectRef>
-      <a:fontRef idx="minor"/>
-    </dgm:style>
-  </dgm:styleLbl>
-</dgm:styleDef>
-</file>
-
-<file path=ppt/diagrams/quickStyle4.xml><?xml version="1.0" encoding="utf-8"?>
 <dgm:styleDef xmlns:dgm="http://schemas.openxmlformats.org/drawingml/2006/diagram" xmlns:a="http://schemas.openxmlformats.org/drawingml/2006/main" uniqueId="urn:microsoft.com/office/officeart/2005/8/quickstyle/simple1">
   <dgm:title val=""/>
   <dgm:desc val=""/>
@@ -12988,7 +11214,7 @@
           <a:p>
             <a:fld id="{92A0F858-A9A6-4EE9-B7FD-3CDD227960BD}" type="datetimeFigureOut">
               <a:rPr lang="ru-RU" smtClean="0"/>
-              <a:t>26.05.2021</a:t>
+              <a:t>27.05.2021</a:t>
             </a:fld>
             <a:endParaRPr lang="ru-RU"/>
           </a:p>
@@ -13284,7 +11510,7 @@
           <a:p>
             <a:fld id="{92A0F858-A9A6-4EE9-B7FD-3CDD227960BD}" type="datetimeFigureOut">
               <a:rPr lang="ru-RU" smtClean="0"/>
-              <a:t>26.05.2021</a:t>
+              <a:t>27.05.2021</a:t>
             </a:fld>
             <a:endParaRPr lang="ru-RU"/>
           </a:p>
@@ -13532,7 +11758,7 @@
           <a:p>
             <a:fld id="{92A0F858-A9A6-4EE9-B7FD-3CDD227960BD}" type="datetimeFigureOut">
               <a:rPr lang="ru-RU" smtClean="0"/>
-              <a:t>26.05.2021</a:t>
+              <a:t>27.05.2021</a:t>
             </a:fld>
             <a:endParaRPr lang="ru-RU"/>
           </a:p>
@@ -14072,7 +12298,7 @@
           <a:p>
             <a:fld id="{92A0F858-A9A6-4EE9-B7FD-3CDD227960BD}" type="datetimeFigureOut">
               <a:rPr lang="ru-RU" smtClean="0"/>
-              <a:t>26.05.2021</a:t>
+              <a:t>27.05.2021</a:t>
             </a:fld>
             <a:endParaRPr lang="ru-RU"/>
           </a:p>
@@ -14320,7 +12546,7 @@
           <a:p>
             <a:fld id="{92A0F858-A9A6-4EE9-B7FD-3CDD227960BD}" type="datetimeFigureOut">
               <a:rPr lang="ru-RU" smtClean="0"/>
-              <a:t>26.05.2021</a:t>
+              <a:t>27.05.2021</a:t>
             </a:fld>
             <a:endParaRPr lang="ru-RU"/>
           </a:p>
@@ -14852,7 +13078,7 @@
           <a:p>
             <a:fld id="{92A0F858-A9A6-4EE9-B7FD-3CDD227960BD}" type="datetimeFigureOut">
               <a:rPr lang="ru-RU" smtClean="0"/>
-              <a:t>26.05.2021</a:t>
+              <a:t>27.05.2021</a:t>
             </a:fld>
             <a:endParaRPr lang="ru-RU"/>
           </a:p>
@@ -15149,7 +13375,7 @@
           <a:p>
             <a:fld id="{92A0F858-A9A6-4EE9-B7FD-3CDD227960BD}" type="datetimeFigureOut">
               <a:rPr lang="ru-RU" smtClean="0"/>
-              <a:t>26.05.2021</a:t>
+              <a:t>27.05.2021</a:t>
             </a:fld>
             <a:endParaRPr lang="ru-RU"/>
           </a:p>
@@ -15323,7 +13549,7 @@
           <a:p>
             <a:fld id="{92A0F858-A9A6-4EE9-B7FD-3CDD227960BD}" type="datetimeFigureOut">
               <a:rPr lang="ru-RU" smtClean="0"/>
-              <a:t>26.05.2021</a:t>
+              <a:t>27.05.2021</a:t>
             </a:fld>
             <a:endParaRPr lang="ru-RU"/>
           </a:p>
@@ -15503,7 +13729,7 @@
           <a:p>
             <a:fld id="{92A0F858-A9A6-4EE9-B7FD-3CDD227960BD}" type="datetimeFigureOut">
               <a:rPr lang="ru-RU" smtClean="0"/>
-              <a:t>26.05.2021</a:t>
+              <a:t>27.05.2021</a:t>
             </a:fld>
             <a:endParaRPr lang="ru-RU"/>
           </a:p>
@@ -15673,7 +13899,7 @@
           <a:p>
             <a:fld id="{92A0F858-A9A6-4EE9-B7FD-3CDD227960BD}" type="datetimeFigureOut">
               <a:rPr lang="ru-RU" smtClean="0"/>
-              <a:t>26.05.2021</a:t>
+              <a:t>27.05.2021</a:t>
             </a:fld>
             <a:endParaRPr lang="ru-RU"/>
           </a:p>
@@ -15924,7 +14150,7 @@
           <a:p>
             <a:fld id="{92A0F858-A9A6-4EE9-B7FD-3CDD227960BD}" type="datetimeFigureOut">
               <a:rPr lang="ru-RU" smtClean="0"/>
-              <a:t>26.05.2021</a:t>
+              <a:t>27.05.2021</a:t>
             </a:fld>
             <a:endParaRPr lang="ru-RU"/>
           </a:p>
@@ -16221,7 +14447,7 @@
           <a:p>
             <a:fld id="{92A0F858-A9A6-4EE9-B7FD-3CDD227960BD}" type="datetimeFigureOut">
               <a:rPr lang="ru-RU" smtClean="0"/>
-              <a:t>26.05.2021</a:t>
+              <a:t>27.05.2021</a:t>
             </a:fld>
             <a:endParaRPr lang="ru-RU"/>
           </a:p>
@@ -16663,7 +14889,7 @@
           <a:p>
             <a:fld id="{92A0F858-A9A6-4EE9-B7FD-3CDD227960BD}" type="datetimeFigureOut">
               <a:rPr lang="ru-RU" smtClean="0"/>
-              <a:t>26.05.2021</a:t>
+              <a:t>27.05.2021</a:t>
             </a:fld>
             <a:endParaRPr lang="ru-RU"/>
           </a:p>
@@ -16781,7 +15007,7 @@
           <a:p>
             <a:fld id="{92A0F858-A9A6-4EE9-B7FD-3CDD227960BD}" type="datetimeFigureOut">
               <a:rPr lang="ru-RU" smtClean="0"/>
-              <a:t>26.05.2021</a:t>
+              <a:t>27.05.2021</a:t>
             </a:fld>
             <a:endParaRPr lang="ru-RU"/>
           </a:p>
@@ -16876,7 +15102,7 @@
           <a:p>
             <a:fld id="{92A0F858-A9A6-4EE9-B7FD-3CDD227960BD}" type="datetimeFigureOut">
               <a:rPr lang="ru-RU" smtClean="0"/>
-              <a:t>26.05.2021</a:t>
+              <a:t>27.05.2021</a:t>
             </a:fld>
             <a:endParaRPr lang="ru-RU"/>
           </a:p>
@@ -17159,7 +15385,7 @@
           <a:p>
             <a:fld id="{92A0F858-A9A6-4EE9-B7FD-3CDD227960BD}" type="datetimeFigureOut">
               <a:rPr lang="ru-RU" smtClean="0"/>
-              <a:t>26.05.2021</a:t>
+              <a:t>27.05.2021</a:t>
             </a:fld>
             <a:endParaRPr lang="ru-RU"/>
           </a:p>
@@ -17450,7 +15676,7 @@
           <a:p>
             <a:fld id="{92A0F858-A9A6-4EE9-B7FD-3CDD227960BD}" type="datetimeFigureOut">
               <a:rPr lang="ru-RU" smtClean="0"/>
-              <a:t>26.05.2021</a:t>
+              <a:t>27.05.2021</a:t>
             </a:fld>
             <a:endParaRPr lang="ru-RU"/>
           </a:p>
@@ -17980,7 +16206,7 @@
           <a:p>
             <a:fld id="{92A0F858-A9A6-4EE9-B7FD-3CDD227960BD}" type="datetimeFigureOut">
               <a:rPr lang="ru-RU" smtClean="0"/>
-              <a:t>26.05.2021</a:t>
+              <a:t>27.05.2021</a:t>
             </a:fld>
             <a:endParaRPr lang="ru-RU"/>
           </a:p>
@@ -23414,6 +21640,790 @@
 </p:sld>
 </file>
 
+<file path=ppt/slides/slide18.xml><?xml version="1.0" encoding="utf-8"?>
+<p:sld xmlns:a="http://schemas.openxmlformats.org/drawingml/2006/main" xmlns:r="http://schemas.openxmlformats.org/officeDocument/2006/relationships" xmlns:p="http://schemas.openxmlformats.org/presentationml/2006/main">
+  <p:cSld>
+    <p:spTree>
+      <p:nvGrpSpPr>
+        <p:cNvPr id="1" name=""/>
+        <p:cNvGrpSpPr/>
+        <p:nvPr/>
+      </p:nvGrpSpPr>
+      <p:grpSpPr>
+        <a:xfrm>
+          <a:off x="0" y="0"/>
+          <a:ext cx="0" cy="0"/>
+          <a:chOff x="0" y="0"/>
+          <a:chExt cx="0" cy="0"/>
+        </a:xfrm>
+      </p:grpSpPr>
+      <p:sp>
+        <p:nvSpPr>
+          <p:cNvPr id="2" name="Заголовок 1"/>
+          <p:cNvSpPr>
+            <a:spLocks noGrp="1"/>
+          </p:cNvSpPr>
+          <p:nvPr>
+            <p:ph type="title"/>
+          </p:nvPr>
+        </p:nvSpPr>
+        <p:spPr>
+          <a:xfrm>
+            <a:off x="1484309" y="1"/>
+            <a:ext cx="10018713" cy="1122218"/>
+          </a:xfrm>
+        </p:spPr>
+        <p:txBody>
+          <a:bodyPr/>
+          <a:lstStyle/>
+          <a:p>
+            <a:r>
+              <a:rPr lang="ru-RU" dirty="0" smtClean="0">
+                <a:latin typeface="Times New Roman" panose="02020603050405020304" pitchFamily="18" charset="0"/>
+                <a:cs typeface="Times New Roman" panose="02020603050405020304" pitchFamily="18" charset="0"/>
+              </a:rPr>
+              <a:t>Заключение</a:t>
+            </a:r>
+            <a:endParaRPr lang="ru-RU" dirty="0">
+              <a:latin typeface="Times New Roman" panose="02020603050405020304" pitchFamily="18" charset="0"/>
+              <a:cs typeface="Times New Roman" panose="02020603050405020304" pitchFamily="18" charset="0"/>
+            </a:endParaRPr>
+          </a:p>
+        </p:txBody>
+      </p:sp>
+      <p:sp>
+        <p:nvSpPr>
+          <p:cNvPr id="12" name="Объект 3"/>
+          <p:cNvSpPr txBox="1">
+            <a:spLocks/>
+          </p:cNvSpPr>
+          <p:nvPr/>
+        </p:nvSpPr>
+        <p:spPr>
+          <a:xfrm>
+            <a:off x="2702195" y="3991207"/>
+            <a:ext cx="8708408" cy="2119746"/>
+          </a:xfrm>
+          <a:prstGeom prst="rect">
+            <a:avLst/>
+          </a:prstGeom>
+        </p:spPr>
+        <p:txBody>
+          <a:bodyPr vert="horz" lIns="91440" tIns="45720" rIns="91440" bIns="45720" rtlCol="0" anchor="ctr">
+            <a:normAutofit/>
+          </a:bodyPr>
+          <a:lstStyle>
+            <a:lvl1pPr marL="285750" indent="-285750" algn="l" defTabSz="457200" rtl="0" eaLnBrk="1" latinLnBrk="0" hangingPunct="1">
+              <a:spcBef>
+                <a:spcPct val="20000"/>
+              </a:spcBef>
+              <a:spcAft>
+                <a:spcPts val="600"/>
+              </a:spcAft>
+              <a:buClr>
+                <a:schemeClr val="accent1">
+                  <a:lumMod val="75000"/>
+                </a:schemeClr>
+              </a:buClr>
+              <a:buSzPct val="145000"/>
+              <a:buFont typeface="Arial"/>
+              <a:buChar char="•"/>
+              <a:defRPr sz="2400" kern="1200" cap="none">
+                <a:solidFill>
+                  <a:schemeClr val="tx1"/>
+                </a:solidFill>
+                <a:effectLst/>
+                <a:latin typeface="+mn-lt"/>
+                <a:ea typeface="+mn-ea"/>
+                <a:cs typeface="+mn-cs"/>
+              </a:defRPr>
+            </a:lvl1pPr>
+            <a:lvl2pPr marL="742950" indent="-285750" algn="l" defTabSz="457200" rtl="0" eaLnBrk="1" latinLnBrk="0" hangingPunct="1">
+              <a:spcBef>
+                <a:spcPct val="20000"/>
+              </a:spcBef>
+              <a:spcAft>
+                <a:spcPts val="600"/>
+              </a:spcAft>
+              <a:buClr>
+                <a:schemeClr val="accent1">
+                  <a:lumMod val="75000"/>
+                </a:schemeClr>
+              </a:buClr>
+              <a:buSzPct val="145000"/>
+              <a:buFont typeface="Arial"/>
+              <a:buChar char="•"/>
+              <a:defRPr sz="2000" kern="1200" cap="none">
+                <a:solidFill>
+                  <a:schemeClr val="tx1"/>
+                </a:solidFill>
+                <a:effectLst/>
+                <a:latin typeface="+mn-lt"/>
+                <a:ea typeface="+mn-ea"/>
+                <a:cs typeface="+mn-cs"/>
+              </a:defRPr>
+            </a:lvl2pPr>
+            <a:lvl3pPr marL="1200150" indent="-285750" algn="l" defTabSz="457200" rtl="0" eaLnBrk="1" latinLnBrk="0" hangingPunct="1">
+              <a:spcBef>
+                <a:spcPct val="20000"/>
+              </a:spcBef>
+              <a:spcAft>
+                <a:spcPts val="600"/>
+              </a:spcAft>
+              <a:buClr>
+                <a:schemeClr val="accent1">
+                  <a:lumMod val="75000"/>
+                </a:schemeClr>
+              </a:buClr>
+              <a:buSzPct val="145000"/>
+              <a:buFont typeface="Arial"/>
+              <a:buChar char="•"/>
+              <a:defRPr sz="1800" kern="1200" cap="none">
+                <a:solidFill>
+                  <a:schemeClr val="tx1"/>
+                </a:solidFill>
+                <a:effectLst/>
+                <a:latin typeface="+mn-lt"/>
+                <a:ea typeface="+mn-ea"/>
+                <a:cs typeface="+mn-cs"/>
+              </a:defRPr>
+            </a:lvl3pPr>
+            <a:lvl4pPr marL="1543050" indent="-171450" algn="l" defTabSz="457200" rtl="0" eaLnBrk="1" latinLnBrk="0" hangingPunct="1">
+              <a:spcBef>
+                <a:spcPct val="20000"/>
+              </a:spcBef>
+              <a:spcAft>
+                <a:spcPts val="600"/>
+              </a:spcAft>
+              <a:buClr>
+                <a:schemeClr val="accent1">
+                  <a:lumMod val="75000"/>
+                </a:schemeClr>
+              </a:buClr>
+              <a:buSzPct val="145000"/>
+              <a:buFont typeface="Arial"/>
+              <a:buChar char="•"/>
+              <a:defRPr sz="1600" kern="1200" cap="none">
+                <a:solidFill>
+                  <a:schemeClr val="tx1"/>
+                </a:solidFill>
+                <a:effectLst/>
+                <a:latin typeface="+mn-lt"/>
+                <a:ea typeface="+mn-ea"/>
+                <a:cs typeface="+mn-cs"/>
+              </a:defRPr>
+            </a:lvl4pPr>
+            <a:lvl5pPr marL="2000250" indent="-171450" algn="l" defTabSz="457200" rtl="0" eaLnBrk="1" latinLnBrk="0" hangingPunct="1">
+              <a:spcBef>
+                <a:spcPct val="20000"/>
+              </a:spcBef>
+              <a:spcAft>
+                <a:spcPts val="600"/>
+              </a:spcAft>
+              <a:buClr>
+                <a:schemeClr val="accent1">
+                  <a:lumMod val="75000"/>
+                </a:schemeClr>
+              </a:buClr>
+              <a:buSzPct val="145000"/>
+              <a:buFont typeface="Arial"/>
+              <a:buChar char="•"/>
+              <a:defRPr sz="1400" kern="1200" cap="none">
+                <a:solidFill>
+                  <a:schemeClr val="tx1"/>
+                </a:solidFill>
+                <a:effectLst/>
+                <a:latin typeface="+mn-lt"/>
+                <a:ea typeface="+mn-ea"/>
+                <a:cs typeface="+mn-cs"/>
+              </a:defRPr>
+            </a:lvl5pPr>
+            <a:lvl6pPr marL="2514600" indent="-228600" algn="l" defTabSz="457200" rtl="0" eaLnBrk="1" latinLnBrk="0" hangingPunct="1">
+              <a:spcBef>
+                <a:spcPct val="20000"/>
+              </a:spcBef>
+              <a:spcAft>
+                <a:spcPts val="600"/>
+              </a:spcAft>
+              <a:buClr>
+                <a:schemeClr val="accent1">
+                  <a:lumMod val="75000"/>
+                </a:schemeClr>
+              </a:buClr>
+              <a:buSzPct val="145000"/>
+              <a:buFont typeface="Arial"/>
+              <a:buChar char="•"/>
+              <a:defRPr sz="1400" kern="1200" cap="none">
+                <a:solidFill>
+                  <a:schemeClr val="tx1"/>
+                </a:solidFill>
+                <a:effectLst/>
+                <a:latin typeface="+mn-lt"/>
+                <a:ea typeface="+mn-ea"/>
+                <a:cs typeface="+mn-cs"/>
+              </a:defRPr>
+            </a:lvl6pPr>
+            <a:lvl7pPr marL="2971800" indent="-228600" algn="l" defTabSz="457200" rtl="0" eaLnBrk="1" latinLnBrk="0" hangingPunct="1">
+              <a:spcBef>
+                <a:spcPct val="20000"/>
+              </a:spcBef>
+              <a:spcAft>
+                <a:spcPts val="600"/>
+              </a:spcAft>
+              <a:buClr>
+                <a:schemeClr val="accent1">
+                  <a:lumMod val="75000"/>
+                </a:schemeClr>
+              </a:buClr>
+              <a:buSzPct val="145000"/>
+              <a:buFont typeface="Arial"/>
+              <a:buChar char="•"/>
+              <a:defRPr sz="1400" kern="1200" cap="none">
+                <a:solidFill>
+                  <a:schemeClr val="tx1"/>
+                </a:solidFill>
+                <a:effectLst/>
+                <a:latin typeface="+mn-lt"/>
+                <a:ea typeface="+mn-ea"/>
+                <a:cs typeface="+mn-cs"/>
+              </a:defRPr>
+            </a:lvl7pPr>
+            <a:lvl8pPr marL="3429000" indent="-228600" algn="l" defTabSz="457200" rtl="0" eaLnBrk="1" latinLnBrk="0" hangingPunct="1">
+              <a:spcBef>
+                <a:spcPct val="20000"/>
+              </a:spcBef>
+              <a:spcAft>
+                <a:spcPts val="600"/>
+              </a:spcAft>
+              <a:buClr>
+                <a:schemeClr val="accent1">
+                  <a:lumMod val="75000"/>
+                </a:schemeClr>
+              </a:buClr>
+              <a:buSzPct val="145000"/>
+              <a:buFont typeface="Arial"/>
+              <a:buChar char="•"/>
+              <a:defRPr sz="1400" kern="1200" cap="none">
+                <a:solidFill>
+                  <a:schemeClr val="tx1"/>
+                </a:solidFill>
+                <a:effectLst/>
+                <a:latin typeface="+mn-lt"/>
+                <a:ea typeface="+mn-ea"/>
+                <a:cs typeface="+mn-cs"/>
+              </a:defRPr>
+            </a:lvl8pPr>
+            <a:lvl9pPr marL="3886200" indent="-228600" algn="l" defTabSz="457200" rtl="0" eaLnBrk="1" latinLnBrk="0" hangingPunct="1">
+              <a:spcBef>
+                <a:spcPct val="20000"/>
+              </a:spcBef>
+              <a:spcAft>
+                <a:spcPts val="600"/>
+              </a:spcAft>
+              <a:buClr>
+                <a:schemeClr val="accent1">
+                  <a:lumMod val="75000"/>
+                </a:schemeClr>
+              </a:buClr>
+              <a:buSzPct val="145000"/>
+              <a:buFont typeface="Arial"/>
+              <a:buChar char="•"/>
+              <a:defRPr sz="1400" kern="1200" cap="none">
+                <a:solidFill>
+                  <a:schemeClr val="tx1"/>
+                </a:solidFill>
+                <a:effectLst/>
+                <a:latin typeface="+mn-lt"/>
+                <a:ea typeface="+mn-ea"/>
+                <a:cs typeface="+mn-cs"/>
+              </a:defRPr>
+            </a:lvl9pPr>
+          </a:lstStyle>
+          <a:p>
+            <a:endParaRPr lang="ru-RU" dirty="0" smtClean="0"/>
+          </a:p>
+          <a:p>
+            <a:endParaRPr lang="ru-RU" dirty="0"/>
+          </a:p>
+        </p:txBody>
+      </p:sp>
+      <p:sp>
+        <p:nvSpPr>
+          <p:cNvPr id="9" name="Объект 3"/>
+          <p:cNvSpPr txBox="1">
+            <a:spLocks/>
+          </p:cNvSpPr>
+          <p:nvPr/>
+        </p:nvSpPr>
+        <p:spPr>
+          <a:xfrm>
+            <a:off x="1704109" y="1122220"/>
+            <a:ext cx="9706494" cy="5217620"/>
+          </a:xfrm>
+          <a:prstGeom prst="rect">
+            <a:avLst/>
+          </a:prstGeom>
+        </p:spPr>
+        <p:txBody>
+          <a:bodyPr vert="horz" lIns="91440" tIns="45720" rIns="91440" bIns="45720" rtlCol="0" anchor="ctr">
+            <a:normAutofit/>
+          </a:bodyPr>
+          <a:lstStyle>
+            <a:lvl1pPr marL="285750" indent="-285750" algn="l" defTabSz="457200" rtl="0" eaLnBrk="1" latinLnBrk="0" hangingPunct="1">
+              <a:spcBef>
+                <a:spcPct val="20000"/>
+              </a:spcBef>
+              <a:spcAft>
+                <a:spcPts val="600"/>
+              </a:spcAft>
+              <a:buClr>
+                <a:schemeClr val="accent1">
+                  <a:lumMod val="75000"/>
+                </a:schemeClr>
+              </a:buClr>
+              <a:buSzPct val="145000"/>
+              <a:buFont typeface="Arial"/>
+              <a:buChar char="•"/>
+              <a:defRPr sz="2400" kern="1200" cap="none">
+                <a:solidFill>
+                  <a:schemeClr val="tx1"/>
+                </a:solidFill>
+                <a:effectLst/>
+                <a:latin typeface="+mn-lt"/>
+                <a:ea typeface="+mn-ea"/>
+                <a:cs typeface="+mn-cs"/>
+              </a:defRPr>
+            </a:lvl1pPr>
+            <a:lvl2pPr marL="742950" indent="-285750" algn="l" defTabSz="457200" rtl="0" eaLnBrk="1" latinLnBrk="0" hangingPunct="1">
+              <a:spcBef>
+                <a:spcPct val="20000"/>
+              </a:spcBef>
+              <a:spcAft>
+                <a:spcPts val="600"/>
+              </a:spcAft>
+              <a:buClr>
+                <a:schemeClr val="accent1">
+                  <a:lumMod val="75000"/>
+                </a:schemeClr>
+              </a:buClr>
+              <a:buSzPct val="145000"/>
+              <a:buFont typeface="Arial"/>
+              <a:buChar char="•"/>
+              <a:defRPr sz="2000" kern="1200" cap="none">
+                <a:solidFill>
+                  <a:schemeClr val="tx1"/>
+                </a:solidFill>
+                <a:effectLst/>
+                <a:latin typeface="+mn-lt"/>
+                <a:ea typeface="+mn-ea"/>
+                <a:cs typeface="+mn-cs"/>
+              </a:defRPr>
+            </a:lvl2pPr>
+            <a:lvl3pPr marL="1200150" indent="-285750" algn="l" defTabSz="457200" rtl="0" eaLnBrk="1" latinLnBrk="0" hangingPunct="1">
+              <a:spcBef>
+                <a:spcPct val="20000"/>
+              </a:spcBef>
+              <a:spcAft>
+                <a:spcPts val="600"/>
+              </a:spcAft>
+              <a:buClr>
+                <a:schemeClr val="accent1">
+                  <a:lumMod val="75000"/>
+                </a:schemeClr>
+              </a:buClr>
+              <a:buSzPct val="145000"/>
+              <a:buFont typeface="Arial"/>
+              <a:buChar char="•"/>
+              <a:defRPr sz="1800" kern="1200" cap="none">
+                <a:solidFill>
+                  <a:schemeClr val="tx1"/>
+                </a:solidFill>
+                <a:effectLst/>
+                <a:latin typeface="+mn-lt"/>
+                <a:ea typeface="+mn-ea"/>
+                <a:cs typeface="+mn-cs"/>
+              </a:defRPr>
+            </a:lvl3pPr>
+            <a:lvl4pPr marL="1543050" indent="-171450" algn="l" defTabSz="457200" rtl="0" eaLnBrk="1" latinLnBrk="0" hangingPunct="1">
+              <a:spcBef>
+                <a:spcPct val="20000"/>
+              </a:spcBef>
+              <a:spcAft>
+                <a:spcPts val="600"/>
+              </a:spcAft>
+              <a:buClr>
+                <a:schemeClr val="accent1">
+                  <a:lumMod val="75000"/>
+                </a:schemeClr>
+              </a:buClr>
+              <a:buSzPct val="145000"/>
+              <a:buFont typeface="Arial"/>
+              <a:buChar char="•"/>
+              <a:defRPr sz="1600" kern="1200" cap="none">
+                <a:solidFill>
+                  <a:schemeClr val="tx1"/>
+                </a:solidFill>
+                <a:effectLst/>
+                <a:latin typeface="+mn-lt"/>
+                <a:ea typeface="+mn-ea"/>
+                <a:cs typeface="+mn-cs"/>
+              </a:defRPr>
+            </a:lvl4pPr>
+            <a:lvl5pPr marL="2000250" indent="-171450" algn="l" defTabSz="457200" rtl="0" eaLnBrk="1" latinLnBrk="0" hangingPunct="1">
+              <a:spcBef>
+                <a:spcPct val="20000"/>
+              </a:spcBef>
+              <a:spcAft>
+                <a:spcPts val="600"/>
+              </a:spcAft>
+              <a:buClr>
+                <a:schemeClr val="accent1">
+                  <a:lumMod val="75000"/>
+                </a:schemeClr>
+              </a:buClr>
+              <a:buSzPct val="145000"/>
+              <a:buFont typeface="Arial"/>
+              <a:buChar char="•"/>
+              <a:defRPr sz="1400" kern="1200" cap="none">
+                <a:solidFill>
+                  <a:schemeClr val="tx1"/>
+                </a:solidFill>
+                <a:effectLst/>
+                <a:latin typeface="+mn-lt"/>
+                <a:ea typeface="+mn-ea"/>
+                <a:cs typeface="+mn-cs"/>
+              </a:defRPr>
+            </a:lvl5pPr>
+            <a:lvl6pPr marL="2514600" indent="-228600" algn="l" defTabSz="457200" rtl="0" eaLnBrk="1" latinLnBrk="0" hangingPunct="1">
+              <a:spcBef>
+                <a:spcPct val="20000"/>
+              </a:spcBef>
+              <a:spcAft>
+                <a:spcPts val="600"/>
+              </a:spcAft>
+              <a:buClr>
+                <a:schemeClr val="accent1">
+                  <a:lumMod val="75000"/>
+                </a:schemeClr>
+              </a:buClr>
+              <a:buSzPct val="145000"/>
+              <a:buFont typeface="Arial"/>
+              <a:buChar char="•"/>
+              <a:defRPr sz="1400" kern="1200" cap="none">
+                <a:solidFill>
+                  <a:schemeClr val="tx1"/>
+                </a:solidFill>
+                <a:effectLst/>
+                <a:latin typeface="+mn-lt"/>
+                <a:ea typeface="+mn-ea"/>
+                <a:cs typeface="+mn-cs"/>
+              </a:defRPr>
+            </a:lvl6pPr>
+            <a:lvl7pPr marL="2971800" indent="-228600" algn="l" defTabSz="457200" rtl="0" eaLnBrk="1" latinLnBrk="0" hangingPunct="1">
+              <a:spcBef>
+                <a:spcPct val="20000"/>
+              </a:spcBef>
+              <a:spcAft>
+                <a:spcPts val="600"/>
+              </a:spcAft>
+              <a:buClr>
+                <a:schemeClr val="accent1">
+                  <a:lumMod val="75000"/>
+                </a:schemeClr>
+              </a:buClr>
+              <a:buSzPct val="145000"/>
+              <a:buFont typeface="Arial"/>
+              <a:buChar char="•"/>
+              <a:defRPr sz="1400" kern="1200" cap="none">
+                <a:solidFill>
+                  <a:schemeClr val="tx1"/>
+                </a:solidFill>
+                <a:effectLst/>
+                <a:latin typeface="+mn-lt"/>
+                <a:ea typeface="+mn-ea"/>
+                <a:cs typeface="+mn-cs"/>
+              </a:defRPr>
+            </a:lvl7pPr>
+            <a:lvl8pPr marL="3429000" indent="-228600" algn="l" defTabSz="457200" rtl="0" eaLnBrk="1" latinLnBrk="0" hangingPunct="1">
+              <a:spcBef>
+                <a:spcPct val="20000"/>
+              </a:spcBef>
+              <a:spcAft>
+                <a:spcPts val="600"/>
+              </a:spcAft>
+              <a:buClr>
+                <a:schemeClr val="accent1">
+                  <a:lumMod val="75000"/>
+                </a:schemeClr>
+              </a:buClr>
+              <a:buSzPct val="145000"/>
+              <a:buFont typeface="Arial"/>
+              <a:buChar char="•"/>
+              <a:defRPr sz="1400" kern="1200" cap="none">
+                <a:solidFill>
+                  <a:schemeClr val="tx1"/>
+                </a:solidFill>
+                <a:effectLst/>
+                <a:latin typeface="+mn-lt"/>
+                <a:ea typeface="+mn-ea"/>
+                <a:cs typeface="+mn-cs"/>
+              </a:defRPr>
+            </a:lvl8pPr>
+            <a:lvl9pPr marL="3886200" indent="-228600" algn="l" defTabSz="457200" rtl="0" eaLnBrk="1" latinLnBrk="0" hangingPunct="1">
+              <a:spcBef>
+                <a:spcPct val="20000"/>
+              </a:spcBef>
+              <a:spcAft>
+                <a:spcPts val="600"/>
+              </a:spcAft>
+              <a:buClr>
+                <a:schemeClr val="accent1">
+                  <a:lumMod val="75000"/>
+                </a:schemeClr>
+              </a:buClr>
+              <a:buSzPct val="145000"/>
+              <a:buFont typeface="Arial"/>
+              <a:buChar char="•"/>
+              <a:defRPr sz="1400" kern="1200" cap="none">
+                <a:solidFill>
+                  <a:schemeClr val="tx1"/>
+                </a:solidFill>
+                <a:effectLst/>
+                <a:latin typeface="+mn-lt"/>
+                <a:ea typeface="+mn-ea"/>
+                <a:cs typeface="+mn-cs"/>
+              </a:defRPr>
+            </a:lvl9pPr>
+          </a:lstStyle>
+          <a:p>
+            <a:r>
+              <a:rPr lang="ru-RU" dirty="0"/>
+              <a:t>В соответствии с техническим заданием на квалификационную работу бакалавра, разработана автоматизированная система </a:t>
+            </a:r>
+            <a:r>
+              <a:rPr lang="ru-RU" dirty="0" smtClean="0"/>
+              <a:t>управления взаимоотношениями </a:t>
+            </a:r>
+            <a:r>
+              <a:rPr lang="ru-RU" dirty="0"/>
+              <a:t>с клиентами (</a:t>
+            </a:r>
+            <a:r>
+              <a:rPr lang="en-US" dirty="0"/>
+              <a:t>CRM</a:t>
+            </a:r>
+            <a:r>
+              <a:rPr lang="ru-RU" dirty="0"/>
+              <a:t>), использующая технологии </a:t>
+            </a:r>
+            <a:r>
+              <a:rPr lang="en-US" dirty="0"/>
+              <a:t>Python</a:t>
+            </a:r>
+            <a:r>
+              <a:rPr lang="ru-RU" dirty="0"/>
+              <a:t> и </a:t>
+            </a:r>
+            <a:r>
+              <a:rPr lang="en-US" dirty="0" err="1"/>
+              <a:t>Django</a:t>
+            </a:r>
+            <a:r>
+              <a:rPr lang="ru-RU" dirty="0"/>
+              <a:t>.</a:t>
+            </a:r>
+          </a:p>
+          <a:p>
+            <a:pPr marL="0" indent="0">
+              <a:buNone/>
+            </a:pPr>
+            <a:endParaRPr lang="ru-RU" dirty="0" smtClean="0">
+              <a:latin typeface="Times New Roman" panose="02020603050405020304" pitchFamily="18" charset="0"/>
+              <a:cs typeface="Times New Roman" panose="02020603050405020304" pitchFamily="18" charset="0"/>
+            </a:endParaRPr>
+          </a:p>
+        </p:txBody>
+      </p:sp>
+    </p:spTree>
+    <p:extLst>
+      <p:ext uri="{BB962C8B-B14F-4D97-AF65-F5344CB8AC3E}">
+        <p14:creationId xmlns:p14="http://schemas.microsoft.com/office/powerpoint/2010/main" val="3029719737"/>
+      </p:ext>
+    </p:extLst>
+  </p:cSld>
+  <p:clrMapOvr>
+    <a:masterClrMapping/>
+  </p:clrMapOvr>
+  <p:timing>
+    <p:tnLst>
+      <p:par>
+        <p:cTn id="1" dur="indefinite" restart="never" nodeType="tmRoot"/>
+      </p:par>
+    </p:tnLst>
+  </p:timing>
+</p:sld>
+</file>
+
+<file path=ppt/slides/slide19.xml><?xml version="1.0" encoding="utf-8"?>
+<p:sld xmlns:a="http://schemas.openxmlformats.org/drawingml/2006/main" xmlns:r="http://schemas.openxmlformats.org/officeDocument/2006/relationships" xmlns:p="http://schemas.openxmlformats.org/presentationml/2006/main">
+  <p:cSld>
+    <p:spTree>
+      <p:nvGrpSpPr>
+        <p:cNvPr id="1" name=""/>
+        <p:cNvGrpSpPr/>
+        <p:nvPr/>
+      </p:nvGrpSpPr>
+      <p:grpSpPr>
+        <a:xfrm>
+          <a:off x="0" y="0"/>
+          <a:ext cx="0" cy="0"/>
+          <a:chOff x="0" y="0"/>
+          <a:chExt cx="0" cy="0"/>
+        </a:xfrm>
+      </p:grpSpPr>
+      <p:sp>
+        <p:nvSpPr>
+          <p:cNvPr id="2" name="Заголовок 1"/>
+          <p:cNvSpPr>
+            <a:spLocks noGrp="1"/>
+          </p:cNvSpPr>
+          <p:nvPr>
+            <p:ph type="ctrTitle"/>
+          </p:nvPr>
+        </p:nvSpPr>
+        <p:spPr>
+          <a:xfrm>
+            <a:off x="2321572" y="532170"/>
+            <a:ext cx="8574622" cy="2616199"/>
+          </a:xfrm>
+        </p:spPr>
+        <p:txBody>
+          <a:bodyPr>
+            <a:normAutofit/>
+          </a:bodyPr>
+          <a:lstStyle/>
+          <a:p>
+            <a:pPr algn="ctr"/>
+            <a:r>
+              <a:rPr lang="ru-RU" dirty="0" smtClean="0">
+                <a:latin typeface="Times New Roman" panose="02020603050405020304" pitchFamily="18" charset="0"/>
+                <a:cs typeface="Times New Roman" panose="02020603050405020304" pitchFamily="18" charset="0"/>
+              </a:rPr>
+              <a:t>Спасибо за внимание!</a:t>
+            </a:r>
+            <a:endParaRPr lang="ru-RU" dirty="0">
+              <a:latin typeface="Times New Roman" panose="02020603050405020304" pitchFamily="18" charset="0"/>
+              <a:cs typeface="Times New Roman" panose="02020603050405020304" pitchFamily="18" charset="0"/>
+            </a:endParaRPr>
+          </a:p>
+        </p:txBody>
+      </p:sp>
+      <p:sp>
+        <p:nvSpPr>
+          <p:cNvPr id="3" name="Подзаголовок 2"/>
+          <p:cNvSpPr>
+            <a:spLocks noGrp="1"/>
+          </p:cNvSpPr>
+          <p:nvPr>
+            <p:ph type="subTitle" idx="1"/>
+          </p:nvPr>
+        </p:nvSpPr>
+        <p:spPr>
+          <a:xfrm>
+            <a:off x="3908549" y="4395278"/>
+            <a:ext cx="6987645" cy="1731201"/>
+          </a:xfrm>
+        </p:spPr>
+        <p:txBody>
+          <a:bodyPr>
+            <a:normAutofit/>
+          </a:bodyPr>
+          <a:lstStyle/>
+          <a:p>
+            <a:r>
+              <a:rPr lang="ru-RU" dirty="0" smtClean="0">
+                <a:latin typeface="Times New Roman" panose="02020603050405020304" pitchFamily="18" charset="0"/>
+                <a:cs typeface="Times New Roman" panose="02020603050405020304" pitchFamily="18" charset="0"/>
+              </a:rPr>
+              <a:t>Студент кафедры </a:t>
+            </a:r>
+            <a:r>
+              <a:rPr lang="ru-RU" dirty="0">
+                <a:latin typeface="Times New Roman" panose="02020603050405020304" pitchFamily="18" charset="0"/>
+                <a:cs typeface="Times New Roman" panose="02020603050405020304" pitchFamily="18" charset="0"/>
+              </a:rPr>
+              <a:t>307 «Цифровые технологии и информационные системы</a:t>
+            </a:r>
+            <a:r>
+              <a:rPr lang="ru-RU" dirty="0" smtClean="0">
+                <a:latin typeface="Times New Roman" panose="02020603050405020304" pitchFamily="18" charset="0"/>
+                <a:cs typeface="Times New Roman" panose="02020603050405020304" pitchFamily="18" charset="0"/>
+              </a:rPr>
+              <a:t>»</a:t>
+            </a:r>
+          </a:p>
+          <a:p>
+            <a:r>
+              <a:rPr lang="ru-RU" dirty="0" smtClean="0">
+                <a:latin typeface="Times New Roman" panose="02020603050405020304" pitchFamily="18" charset="0"/>
+                <a:cs typeface="Times New Roman" panose="02020603050405020304" pitchFamily="18" charset="0"/>
+              </a:rPr>
+              <a:t>Столбунов Ярослав Андреевич </a:t>
+            </a:r>
+            <a:endParaRPr lang="en-US" dirty="0" smtClean="0">
+              <a:latin typeface="Times New Roman" panose="02020603050405020304" pitchFamily="18" charset="0"/>
+              <a:cs typeface="Times New Roman" panose="02020603050405020304" pitchFamily="18" charset="0"/>
+            </a:endParaRPr>
+          </a:p>
+          <a:p>
+            <a:r>
+              <a:rPr lang="ru-RU" dirty="0" smtClean="0">
+                <a:latin typeface="Times New Roman" panose="02020603050405020304" pitchFamily="18" charset="0"/>
+                <a:cs typeface="Times New Roman" panose="02020603050405020304" pitchFamily="18" charset="0"/>
+              </a:rPr>
+              <a:t>Учебная группа - М</a:t>
+            </a:r>
+            <a:r>
+              <a:rPr lang="ru-RU" sz="2000" dirty="0" smtClean="0">
+                <a:latin typeface="Times New Roman" panose="02020603050405020304" pitchFamily="18" charset="0"/>
+                <a:cs typeface="Times New Roman" panose="02020603050405020304" pitchFamily="18" charset="0"/>
+              </a:rPr>
+              <a:t>30-412</a:t>
+            </a:r>
+            <a:r>
+              <a:rPr lang="ru-RU" dirty="0" smtClean="0">
+                <a:latin typeface="Times New Roman" panose="02020603050405020304" pitchFamily="18" charset="0"/>
+                <a:cs typeface="Times New Roman" panose="02020603050405020304" pitchFamily="18" charset="0"/>
+              </a:rPr>
+              <a:t>Б</a:t>
+            </a:r>
+            <a:endParaRPr lang="ru-RU" dirty="0">
+              <a:latin typeface="Times New Roman" panose="02020603050405020304" pitchFamily="18" charset="0"/>
+              <a:cs typeface="Times New Roman" panose="02020603050405020304" pitchFamily="18" charset="0"/>
+            </a:endParaRPr>
+          </a:p>
+        </p:txBody>
+      </p:sp>
+    </p:spTree>
+    <p:extLst>
+      <p:ext uri="{BB962C8B-B14F-4D97-AF65-F5344CB8AC3E}">
+        <p14:creationId xmlns:p14="http://schemas.microsoft.com/office/powerpoint/2010/main" val="403655526"/>
+      </p:ext>
+    </p:extLst>
+  </p:cSld>
+  <p:clrMapOvr>
+    <a:masterClrMapping/>
+  </p:clrMapOvr>
+  <p:timing>
+    <p:tnLst>
+      <p:par>
+        <p:cTn id="1" dur="indefinite" restart="never" nodeType="tmRoot"/>
+      </p:par>
+    </p:tnLst>
+  </p:timing>
+</p:sld>
+</file>
+
 <file path=ppt/slides/slide2.xml><?xml version="1.0" encoding="utf-8"?>
 <p:sld xmlns:a="http://schemas.openxmlformats.org/drawingml/2006/main" xmlns:r="http://schemas.openxmlformats.org/officeDocument/2006/relationships" xmlns:p="http://schemas.openxmlformats.org/presentationml/2006/main">
   <p:cSld>
@@ -24532,8 +23542,8 @@
           <a:lstStyle/>
           <a:p>
             <a:r>
-              <a:rPr lang="ru-RU" dirty="0" smtClean="0"/>
-              <a:t>Структура системы</a:t>
+              <a:rPr lang="en-US" dirty="0" smtClean="0"/>
+              <a:t>MVC</a:t>
             </a:r>
             <a:endParaRPr lang="ru-RU" dirty="0"/>
           </a:p>
@@ -24551,8 +23561,8 @@
         </p:nvSpPr>
         <p:spPr>
           <a:xfrm>
-            <a:off x="1718729" y="1223046"/>
-            <a:ext cx="6436056" cy="5452073"/>
+            <a:off x="1614226" y="989215"/>
+            <a:ext cx="5447591" cy="2581298"/>
           </a:xfrm>
         </p:spPr>
         <p:txBody>
@@ -24561,72 +23571,80 @@
           </a:bodyPr>
           <a:lstStyle/>
           <a:p>
-            <a:pPr marL="0" indent="0">
-              <a:buNone/>
-            </a:pPr>
             <a:r>
-              <a:rPr lang="ru-RU" dirty="0" smtClean="0"/>
-              <a:t>Инструменты, необходимые для работы с клиентом </a:t>
+              <a:rPr lang="ru-RU" dirty="0"/>
+              <a:t>схема разделения данных приложения, пользовательского интерфейса и управляющей логики на три отдельных компонента: модель, представление и контроллер</a:t>
             </a:r>
-          </a:p>
-          <a:p>
-            <a:r>
-              <a:rPr lang="ru-RU" dirty="0" smtClean="0"/>
-              <a:t>Работа с воронкой продаж</a:t>
-            </a:r>
-          </a:p>
-          <a:p>
-            <a:r>
-              <a:rPr lang="ru-RU" dirty="0" smtClean="0"/>
-              <a:t>Работа с кейсами</a:t>
-            </a:r>
-          </a:p>
-          <a:p>
-            <a:r>
-              <a:rPr lang="ru-RU" dirty="0" smtClean="0"/>
-              <a:t>Работа с пулом клиентов</a:t>
-            </a:r>
-          </a:p>
-          <a:p>
-            <a:r>
-              <a:rPr lang="ru-RU" dirty="0" smtClean="0"/>
-              <a:t>Трекинг задач</a:t>
-            </a:r>
-          </a:p>
-          <a:p>
-            <a:r>
-              <a:rPr lang="ru-RU" dirty="0" smtClean="0"/>
-              <a:t>Способы аналитики</a:t>
-            </a:r>
-            <a:endParaRPr lang="ru-RU" dirty="0"/>
-          </a:p>
-          <a:p>
             <a:endParaRPr lang="ru-RU" dirty="0"/>
           </a:p>
         </p:txBody>
       </p:sp>
-      <p:graphicFrame>
-        <p:nvGraphicFramePr>
-          <p:cNvPr id="3" name="Схема 2"/>
-          <p:cNvGraphicFramePr/>
-          <p:nvPr>
-            <p:extLst>
-              <p:ext uri="{D42A27DB-BD31-4B8C-83A1-F6EECF244321}">
-                <p14:modId xmlns:p14="http://schemas.microsoft.com/office/powerpoint/2010/main" val="2738790237"/>
-              </p:ext>
-            </p:extLst>
-          </p:nvPr>
-        </p:nvGraphicFramePr>
-        <p:xfrm>
-          <a:off x="7077826" y="1720735"/>
-          <a:ext cx="4676371" cy="4073235"/>
-        </p:xfrm>
-        <a:graphic>
-          <a:graphicData uri="http://schemas.openxmlformats.org/drawingml/2006/diagram">
-            <dgm:relIds xmlns:dgm="http://schemas.openxmlformats.org/drawingml/2006/diagram" xmlns:r="http://schemas.openxmlformats.org/officeDocument/2006/relationships" r:dm="rId2" r:lo="rId3" r:qs="rId4" r:cs="rId5"/>
-          </a:graphicData>
-        </a:graphic>
-      </p:graphicFrame>
+      <p:pic>
+        <p:nvPicPr>
+          <p:cNvPr id="5" name="Рисунок 4" descr="https://tproger.ru/s3/uploads/2018/07/Img-2-2x-1.png"/>
+          <p:cNvPicPr/>
+          <p:nvPr/>
+        </p:nvPicPr>
+        <p:blipFill>
+          <a:blip r:embed="rId2" cstate="print">
+            <a:extLst>
+              <a:ext uri="{28A0092B-C50C-407E-A947-70E740481C1C}">
+                <a14:useLocalDpi xmlns:a14="http://schemas.microsoft.com/office/drawing/2010/main" val="0"/>
+              </a:ext>
+            </a:extLst>
+          </a:blip>
+          <a:srcRect/>
+          <a:stretch>
+            <a:fillRect/>
+          </a:stretch>
+        </p:blipFill>
+        <p:spPr bwMode="auto">
+          <a:xfrm>
+            <a:off x="2580204" y="3370217"/>
+            <a:ext cx="4099270" cy="3248297"/>
+          </a:xfrm>
+          <a:prstGeom prst="rect">
+            <a:avLst/>
+          </a:prstGeom>
+          <a:noFill/>
+          <a:ln>
+            <a:noFill/>
+          </a:ln>
+        </p:spPr>
+      </p:pic>
+      <p:pic>
+        <p:nvPicPr>
+          <p:cNvPr id="6" name="Рисунок 5" descr="https://mdn.mozillademos.org/files/13931/basic-django.png"/>
+          <p:cNvPicPr/>
+          <p:nvPr/>
+        </p:nvPicPr>
+        <p:blipFill>
+          <a:blip r:embed="rId3" cstate="print">
+            <a:extLst>
+              <a:ext uri="{28A0092B-C50C-407E-A947-70E740481C1C}">
+                <a14:useLocalDpi xmlns:a14="http://schemas.microsoft.com/office/drawing/2010/main" val="0"/>
+              </a:ext>
+            </a:extLst>
+          </a:blip>
+          <a:srcRect/>
+          <a:stretch>
+            <a:fillRect/>
+          </a:stretch>
+        </p:blipFill>
+        <p:spPr bwMode="auto">
+          <a:xfrm>
+            <a:off x="7061817" y="1468186"/>
+            <a:ext cx="4997450" cy="4575562"/>
+          </a:xfrm>
+          <a:prstGeom prst="rect">
+            <a:avLst/>
+          </a:prstGeom>
+          <a:noFill/>
+          <a:ln>
+            <a:noFill/>
+          </a:ln>
+        </p:spPr>
+      </p:pic>
     </p:spTree>
     <p:extLst>
       <p:ext uri="{BB962C8B-B14F-4D97-AF65-F5344CB8AC3E}">

--- a/diplom_preza.pptx
+++ b/diplom_preza.pptx
@@ -5,7 +5,7 @@
     <p:sldMasterId id="2147483888" r:id="rId1"/>
   </p:sldMasterIdLst>
   <p:notesMasterIdLst>
-    <p:notesMasterId r:id="rId18"/>
+    <p:notesMasterId r:id="rId19"/>
   </p:notesMasterIdLst>
   <p:sldIdLst>
     <p:sldId id="281" r:id="rId2"/>
@@ -22,8 +22,9 @@
     <p:sldId id="271" r:id="rId13"/>
     <p:sldId id="274" r:id="rId14"/>
     <p:sldId id="283" r:id="rId15"/>
-    <p:sldId id="278" r:id="rId16"/>
-    <p:sldId id="277" r:id="rId17"/>
+    <p:sldId id="284" r:id="rId16"/>
+    <p:sldId id="278" r:id="rId17"/>
+    <p:sldId id="277" r:id="rId18"/>
   </p:sldIdLst>
   <p:sldSz cx="12192000" cy="6858000"/>
   <p:notesSz cx="6858000" cy="9144000"/>
@@ -6824,7 +6825,7 @@
           </a:ln>
           <a:extLst>
             <a:ext uri="{C572A759-6A51-4108-AA02-DFA0A04FC94B}">
-              <ma14:wrappingTextBoxFlag xmlns:ma14="http://schemas.microsoft.com/office/mac/drawingml/2011/main" xmlns:a14="http://schemas.microsoft.com/office/drawing/2010/main" xmlns:m="http://schemas.openxmlformats.org/officeDocument/2006/math" xmlns="" val="1"/>
+              <ma14:wrappingTextBoxFlag xmlns="" xmlns:m="http://schemas.openxmlformats.org/officeDocument/2006/math" xmlns:a14="http://schemas.microsoft.com/office/drawing/2010/main" xmlns:ma14="http://schemas.microsoft.com/office/mac/drawingml/2011/main" val="1"/>
             </a:ext>
           </a:extLst>
         </p:spPr>
@@ -6902,7 +6903,7 @@
           </a:ln>
           <a:extLst>
             <a:ext uri="{C572A759-6A51-4108-AA02-DFA0A04FC94B}">
-              <ma14:wrappingTextBoxFlag xmlns:ma14="http://schemas.microsoft.com/office/mac/drawingml/2011/main" xmlns:a14="http://schemas.microsoft.com/office/drawing/2010/main" xmlns:m="http://schemas.openxmlformats.org/officeDocument/2006/math" xmlns="" val="1"/>
+              <ma14:wrappingTextBoxFlag xmlns="" xmlns:m="http://schemas.openxmlformats.org/officeDocument/2006/math" xmlns:a14="http://schemas.microsoft.com/office/drawing/2010/main" xmlns:ma14="http://schemas.microsoft.com/office/mac/drawingml/2011/main" val="1"/>
             </a:ext>
           </a:extLst>
         </p:spPr>
@@ -6996,7 +6997,7 @@
           </a:ln>
           <a:extLst>
             <a:ext uri="{C572A759-6A51-4108-AA02-DFA0A04FC94B}">
-              <ma14:wrappingTextBoxFlag xmlns:ma14="http://schemas.microsoft.com/office/mac/drawingml/2011/main" xmlns:a14="http://schemas.microsoft.com/office/drawing/2010/main" xmlns:m="http://schemas.openxmlformats.org/officeDocument/2006/math" xmlns="" val="1"/>
+              <ma14:wrappingTextBoxFlag xmlns="" xmlns:m="http://schemas.openxmlformats.org/officeDocument/2006/math" xmlns:a14="http://schemas.microsoft.com/office/drawing/2010/main" xmlns:ma14="http://schemas.microsoft.com/office/mac/drawingml/2011/main" val="1"/>
             </a:ext>
           </a:extLst>
         </p:spPr>
@@ -7067,7 +7068,7 @@
           </a:ln>
           <a:extLst>
             <a:ext uri="{C572A759-6A51-4108-AA02-DFA0A04FC94B}">
-              <ma14:wrappingTextBoxFlag xmlns:ma14="http://schemas.microsoft.com/office/mac/drawingml/2011/main" xmlns:a14="http://schemas.microsoft.com/office/drawing/2010/main" xmlns:m="http://schemas.openxmlformats.org/officeDocument/2006/math" xmlns="" val="1"/>
+              <ma14:wrappingTextBoxFlag xmlns="" xmlns:m="http://schemas.openxmlformats.org/officeDocument/2006/math" xmlns:a14="http://schemas.microsoft.com/office/drawing/2010/main" xmlns:ma14="http://schemas.microsoft.com/office/mac/drawingml/2011/main" val="1"/>
             </a:ext>
           </a:extLst>
         </p:spPr>
@@ -7161,7 +7162,7 @@
           </a:ln>
           <a:extLst>
             <a:ext uri="{C572A759-6A51-4108-AA02-DFA0A04FC94B}">
-              <ma14:wrappingTextBoxFlag xmlns:ma14="http://schemas.microsoft.com/office/mac/drawingml/2011/main" xmlns:a14="http://schemas.microsoft.com/office/drawing/2010/main" xmlns:m="http://schemas.openxmlformats.org/officeDocument/2006/math" xmlns="" val="1"/>
+              <ma14:wrappingTextBoxFlag xmlns="" xmlns:m="http://schemas.openxmlformats.org/officeDocument/2006/math" xmlns:a14="http://schemas.microsoft.com/office/drawing/2010/main" xmlns:ma14="http://schemas.microsoft.com/office/mac/drawingml/2011/main" val="1"/>
             </a:ext>
           </a:extLst>
         </p:spPr>
@@ -7206,7 +7207,7 @@
           </a:ln>
           <a:extLst>
             <a:ext uri="{C572A759-6A51-4108-AA02-DFA0A04FC94B}">
-              <ma14:wrappingTextBoxFlag xmlns:ma14="http://schemas.microsoft.com/office/mac/drawingml/2011/main" xmlns:a14="http://schemas.microsoft.com/office/drawing/2010/main" xmlns:m="http://schemas.openxmlformats.org/officeDocument/2006/math" xmlns="" val="1"/>
+              <ma14:wrappingTextBoxFlag xmlns="" xmlns:m="http://schemas.openxmlformats.org/officeDocument/2006/math" xmlns:a14="http://schemas.microsoft.com/office/drawing/2010/main" xmlns:ma14="http://schemas.microsoft.com/office/mac/drawingml/2011/main" val="1"/>
             </a:ext>
           </a:extLst>
         </p:spPr>
@@ -7251,7 +7252,7 @@
           </a:ln>
           <a:extLst>
             <a:ext uri="{C572A759-6A51-4108-AA02-DFA0A04FC94B}">
-              <ma14:wrappingTextBoxFlag xmlns:ma14="http://schemas.microsoft.com/office/mac/drawingml/2011/main" xmlns:a14="http://schemas.microsoft.com/office/drawing/2010/main" xmlns:m="http://schemas.openxmlformats.org/officeDocument/2006/math" xmlns="" val="1"/>
+              <ma14:wrappingTextBoxFlag xmlns="" xmlns:m="http://schemas.openxmlformats.org/officeDocument/2006/math" xmlns:a14="http://schemas.microsoft.com/office/drawing/2010/main" xmlns:ma14="http://schemas.microsoft.com/office/mac/drawingml/2011/main" val="1"/>
             </a:ext>
           </a:extLst>
         </p:spPr>
@@ -7332,7 +7333,7 @@
           </a:ln>
           <a:extLst>
             <a:ext uri="{C572A759-6A51-4108-AA02-DFA0A04FC94B}">
-              <ma14:wrappingTextBoxFlag xmlns:ma14="http://schemas.microsoft.com/office/mac/drawingml/2011/main" xmlns:a14="http://schemas.microsoft.com/office/drawing/2010/main" xmlns:m="http://schemas.openxmlformats.org/officeDocument/2006/math" xmlns="" val="1"/>
+              <ma14:wrappingTextBoxFlag xmlns="" xmlns:m="http://schemas.openxmlformats.org/officeDocument/2006/math" xmlns:a14="http://schemas.microsoft.com/office/drawing/2010/main" xmlns:ma14="http://schemas.microsoft.com/office/mac/drawingml/2011/main" val="1"/>
             </a:ext>
           </a:extLst>
         </p:spPr>
@@ -7865,7 +7866,6 @@
               <a:rPr lang="ru-RU" dirty="0" smtClean="0"/>
               <a:t>Изменение</a:t>
             </a:r>
-            <a:endParaRPr lang="ru-RU" dirty="0" smtClean="0"/>
           </a:p>
         </p:txBody>
       </p:sp>
@@ -9229,10 +9229,6 @@
               </a:rPr>
               <a:t>Нагрузочное тестирование</a:t>
             </a:r>
-            <a:endParaRPr lang="ru-RU" dirty="0" smtClean="0">
-              <a:latin typeface="Times New Roman" panose="02020603050405020304" pitchFamily="18" charset="0"/>
-              <a:cs typeface="Times New Roman" panose="02020603050405020304" pitchFamily="18" charset="0"/>
-            </a:endParaRPr>
           </a:p>
           <a:p>
             <a:pPr lvl="0"/>
@@ -9579,10 +9575,6 @@
               </a:rPr>
               <a:t>Тестирование интерфейса</a:t>
             </a:r>
-            <a:endParaRPr lang="ru-RU" dirty="0" smtClean="0">
-              <a:latin typeface="Times New Roman" panose="02020603050405020304" pitchFamily="18" charset="0"/>
-              <a:cs typeface="Times New Roman" panose="02020603050405020304" pitchFamily="18" charset="0"/>
-            </a:endParaRPr>
           </a:p>
           <a:p>
             <a:pPr lvl="0"/>
@@ -10077,40 +10069,6 @@
       </p:grpSpPr>
       <p:sp>
         <p:nvSpPr>
-          <p:cNvPr id="2" name="Заголовок 1"/>
-          <p:cNvSpPr>
-            <a:spLocks noGrp="1"/>
-          </p:cNvSpPr>
-          <p:nvPr>
-            <p:ph type="title"/>
-          </p:nvPr>
-        </p:nvSpPr>
-        <p:spPr>
-          <a:xfrm>
-            <a:off x="1584518" y="-117205"/>
-            <a:ext cx="10018713" cy="1122218"/>
-          </a:xfrm>
-        </p:spPr>
-        <p:txBody>
-          <a:bodyPr/>
-          <a:lstStyle/>
-          <a:p>
-            <a:r>
-              <a:rPr lang="ru-RU" dirty="0" smtClean="0">
-                <a:latin typeface="Times New Roman" panose="02020603050405020304" pitchFamily="18" charset="0"/>
-                <a:cs typeface="Times New Roman" panose="02020603050405020304" pitchFamily="18" charset="0"/>
-              </a:rPr>
-              <a:t>Заключение</a:t>
-            </a:r>
-            <a:endParaRPr lang="ru-RU" dirty="0">
-              <a:latin typeface="Times New Roman" panose="02020603050405020304" pitchFamily="18" charset="0"/>
-              <a:cs typeface="Times New Roman" panose="02020603050405020304" pitchFamily="18" charset="0"/>
-            </a:endParaRPr>
-          </a:p>
-        </p:txBody>
-      </p:sp>
-      <p:sp>
-        <p:nvSpPr>
           <p:cNvPr id="12" name="Объект 3"/>
           <p:cNvSpPr txBox="1">
             <a:spLocks/>
@@ -10367,311 +10325,20 @@
       </p:sp>
       <p:sp>
         <p:nvSpPr>
-          <p:cNvPr id="9" name="Объект 3"/>
-          <p:cNvSpPr txBox="1">
-            <a:spLocks/>
-          </p:cNvSpPr>
-          <p:nvPr/>
+          <p:cNvPr id="8" name="Номер слайда 7"/>
+          <p:cNvSpPr>
+            <a:spLocks noGrp="1"/>
+          </p:cNvSpPr>
+          <p:nvPr>
+            <p:ph type="sldNum" sz="quarter" idx="12"/>
+          </p:nvPr>
         </p:nvSpPr>
         <p:spPr>
           <a:xfrm>
-            <a:off x="2794199" y="1345235"/>
-            <a:ext cx="7599349" cy="4521896"/>
+            <a:off x="11540775" y="6218687"/>
+            <a:ext cx="551167" cy="365125"/>
           </a:xfrm>
-          <a:prstGeom prst="rect">
-            <a:avLst/>
-          </a:prstGeom>
         </p:spPr>
-        <p:txBody>
-          <a:bodyPr vert="horz" lIns="91440" tIns="45720" rIns="91440" bIns="45720" rtlCol="0" anchor="ctr">
-            <a:normAutofit/>
-          </a:bodyPr>
-          <a:lstStyle>
-            <a:lvl1pPr marL="285750" indent="-285750" algn="l" defTabSz="457200" rtl="0" eaLnBrk="1" latinLnBrk="0" hangingPunct="1">
-              <a:spcBef>
-                <a:spcPct val="20000"/>
-              </a:spcBef>
-              <a:spcAft>
-                <a:spcPts val="600"/>
-              </a:spcAft>
-              <a:buClr>
-                <a:schemeClr val="accent1">
-                  <a:lumMod val="75000"/>
-                </a:schemeClr>
-              </a:buClr>
-              <a:buSzPct val="145000"/>
-              <a:buFont typeface="Arial"/>
-              <a:buChar char="•"/>
-              <a:defRPr sz="2400" kern="1200" cap="none">
-                <a:solidFill>
-                  <a:schemeClr val="tx1"/>
-                </a:solidFill>
-                <a:effectLst/>
-                <a:latin typeface="+mn-lt"/>
-                <a:ea typeface="+mn-ea"/>
-                <a:cs typeface="+mn-cs"/>
-              </a:defRPr>
-            </a:lvl1pPr>
-            <a:lvl2pPr marL="742950" indent="-285750" algn="l" defTabSz="457200" rtl="0" eaLnBrk="1" latinLnBrk="0" hangingPunct="1">
-              <a:spcBef>
-                <a:spcPct val="20000"/>
-              </a:spcBef>
-              <a:spcAft>
-                <a:spcPts val="600"/>
-              </a:spcAft>
-              <a:buClr>
-                <a:schemeClr val="accent1">
-                  <a:lumMod val="75000"/>
-                </a:schemeClr>
-              </a:buClr>
-              <a:buSzPct val="145000"/>
-              <a:buFont typeface="Arial"/>
-              <a:buChar char="•"/>
-              <a:defRPr sz="2000" kern="1200" cap="none">
-                <a:solidFill>
-                  <a:schemeClr val="tx1"/>
-                </a:solidFill>
-                <a:effectLst/>
-                <a:latin typeface="+mn-lt"/>
-                <a:ea typeface="+mn-ea"/>
-                <a:cs typeface="+mn-cs"/>
-              </a:defRPr>
-            </a:lvl2pPr>
-            <a:lvl3pPr marL="1200150" indent="-285750" algn="l" defTabSz="457200" rtl="0" eaLnBrk="1" latinLnBrk="0" hangingPunct="1">
-              <a:spcBef>
-                <a:spcPct val="20000"/>
-              </a:spcBef>
-              <a:spcAft>
-                <a:spcPts val="600"/>
-              </a:spcAft>
-              <a:buClr>
-                <a:schemeClr val="accent1">
-                  <a:lumMod val="75000"/>
-                </a:schemeClr>
-              </a:buClr>
-              <a:buSzPct val="145000"/>
-              <a:buFont typeface="Arial"/>
-              <a:buChar char="•"/>
-              <a:defRPr sz="1800" kern="1200" cap="none">
-                <a:solidFill>
-                  <a:schemeClr val="tx1"/>
-                </a:solidFill>
-                <a:effectLst/>
-                <a:latin typeface="+mn-lt"/>
-                <a:ea typeface="+mn-ea"/>
-                <a:cs typeface="+mn-cs"/>
-              </a:defRPr>
-            </a:lvl3pPr>
-            <a:lvl4pPr marL="1543050" indent="-171450" algn="l" defTabSz="457200" rtl="0" eaLnBrk="1" latinLnBrk="0" hangingPunct="1">
-              <a:spcBef>
-                <a:spcPct val="20000"/>
-              </a:spcBef>
-              <a:spcAft>
-                <a:spcPts val="600"/>
-              </a:spcAft>
-              <a:buClr>
-                <a:schemeClr val="accent1">
-                  <a:lumMod val="75000"/>
-                </a:schemeClr>
-              </a:buClr>
-              <a:buSzPct val="145000"/>
-              <a:buFont typeface="Arial"/>
-              <a:buChar char="•"/>
-              <a:defRPr sz="1600" kern="1200" cap="none">
-                <a:solidFill>
-                  <a:schemeClr val="tx1"/>
-                </a:solidFill>
-                <a:effectLst/>
-                <a:latin typeface="+mn-lt"/>
-                <a:ea typeface="+mn-ea"/>
-                <a:cs typeface="+mn-cs"/>
-              </a:defRPr>
-            </a:lvl4pPr>
-            <a:lvl5pPr marL="2000250" indent="-171450" algn="l" defTabSz="457200" rtl="0" eaLnBrk="1" latinLnBrk="0" hangingPunct="1">
-              <a:spcBef>
-                <a:spcPct val="20000"/>
-              </a:spcBef>
-              <a:spcAft>
-                <a:spcPts val="600"/>
-              </a:spcAft>
-              <a:buClr>
-                <a:schemeClr val="accent1">
-                  <a:lumMod val="75000"/>
-                </a:schemeClr>
-              </a:buClr>
-              <a:buSzPct val="145000"/>
-              <a:buFont typeface="Arial"/>
-              <a:buChar char="•"/>
-              <a:defRPr sz="1400" kern="1200" cap="none">
-                <a:solidFill>
-                  <a:schemeClr val="tx1"/>
-                </a:solidFill>
-                <a:effectLst/>
-                <a:latin typeface="+mn-lt"/>
-                <a:ea typeface="+mn-ea"/>
-                <a:cs typeface="+mn-cs"/>
-              </a:defRPr>
-            </a:lvl5pPr>
-            <a:lvl6pPr marL="2514600" indent="-228600" algn="l" defTabSz="457200" rtl="0" eaLnBrk="1" latinLnBrk="0" hangingPunct="1">
-              <a:spcBef>
-                <a:spcPct val="20000"/>
-              </a:spcBef>
-              <a:spcAft>
-                <a:spcPts val="600"/>
-              </a:spcAft>
-              <a:buClr>
-                <a:schemeClr val="accent1">
-                  <a:lumMod val="75000"/>
-                </a:schemeClr>
-              </a:buClr>
-              <a:buSzPct val="145000"/>
-              <a:buFont typeface="Arial"/>
-              <a:buChar char="•"/>
-              <a:defRPr sz="1400" kern="1200" cap="none">
-                <a:solidFill>
-                  <a:schemeClr val="tx1"/>
-                </a:solidFill>
-                <a:effectLst/>
-                <a:latin typeface="+mn-lt"/>
-                <a:ea typeface="+mn-ea"/>
-                <a:cs typeface="+mn-cs"/>
-              </a:defRPr>
-            </a:lvl6pPr>
-            <a:lvl7pPr marL="2971800" indent="-228600" algn="l" defTabSz="457200" rtl="0" eaLnBrk="1" latinLnBrk="0" hangingPunct="1">
-              <a:spcBef>
-                <a:spcPct val="20000"/>
-              </a:spcBef>
-              <a:spcAft>
-                <a:spcPts val="600"/>
-              </a:spcAft>
-              <a:buClr>
-                <a:schemeClr val="accent1">
-                  <a:lumMod val="75000"/>
-                </a:schemeClr>
-              </a:buClr>
-              <a:buSzPct val="145000"/>
-              <a:buFont typeface="Arial"/>
-              <a:buChar char="•"/>
-              <a:defRPr sz="1400" kern="1200" cap="none">
-                <a:solidFill>
-                  <a:schemeClr val="tx1"/>
-                </a:solidFill>
-                <a:effectLst/>
-                <a:latin typeface="+mn-lt"/>
-                <a:ea typeface="+mn-ea"/>
-                <a:cs typeface="+mn-cs"/>
-              </a:defRPr>
-            </a:lvl7pPr>
-            <a:lvl8pPr marL="3429000" indent="-228600" algn="l" defTabSz="457200" rtl="0" eaLnBrk="1" latinLnBrk="0" hangingPunct="1">
-              <a:spcBef>
-                <a:spcPct val="20000"/>
-              </a:spcBef>
-              <a:spcAft>
-                <a:spcPts val="600"/>
-              </a:spcAft>
-              <a:buClr>
-                <a:schemeClr val="accent1">
-                  <a:lumMod val="75000"/>
-                </a:schemeClr>
-              </a:buClr>
-              <a:buSzPct val="145000"/>
-              <a:buFont typeface="Arial"/>
-              <a:buChar char="•"/>
-              <a:defRPr sz="1400" kern="1200" cap="none">
-                <a:solidFill>
-                  <a:schemeClr val="tx1"/>
-                </a:solidFill>
-                <a:effectLst/>
-                <a:latin typeface="+mn-lt"/>
-                <a:ea typeface="+mn-ea"/>
-                <a:cs typeface="+mn-cs"/>
-              </a:defRPr>
-            </a:lvl8pPr>
-            <a:lvl9pPr marL="3886200" indent="-228600" algn="l" defTabSz="457200" rtl="0" eaLnBrk="1" latinLnBrk="0" hangingPunct="1">
-              <a:spcBef>
-                <a:spcPct val="20000"/>
-              </a:spcBef>
-              <a:spcAft>
-                <a:spcPts val="600"/>
-              </a:spcAft>
-              <a:buClr>
-                <a:schemeClr val="accent1">
-                  <a:lumMod val="75000"/>
-                </a:schemeClr>
-              </a:buClr>
-              <a:buSzPct val="145000"/>
-              <a:buFont typeface="Arial"/>
-              <a:buChar char="•"/>
-              <a:defRPr sz="1400" kern="1200" cap="none">
-                <a:solidFill>
-                  <a:schemeClr val="tx1"/>
-                </a:solidFill>
-                <a:effectLst/>
-                <a:latin typeface="+mn-lt"/>
-                <a:ea typeface="+mn-ea"/>
-                <a:cs typeface="+mn-cs"/>
-              </a:defRPr>
-            </a:lvl9pPr>
-          </a:lstStyle>
-          <a:p>
-            <a:r>
-              <a:rPr lang="ru-RU" dirty="0" smtClean="0"/>
-              <a:t>Реализована работа с продажами</a:t>
-            </a:r>
-          </a:p>
-          <a:p>
-            <a:r>
-              <a:rPr lang="ru-RU" dirty="0" smtClean="0"/>
-              <a:t>Создан планировщик задач</a:t>
-            </a:r>
-          </a:p>
-          <a:p>
-            <a:r>
-              <a:rPr lang="ru-RU" dirty="0" smtClean="0"/>
-              <a:t>Организована работа с данными</a:t>
-            </a:r>
-          </a:p>
-          <a:p>
-            <a:r>
-              <a:rPr lang="ru-RU" dirty="0" smtClean="0"/>
-              <a:t>Обеспечена гибкая система анализа данных</a:t>
-            </a:r>
-          </a:p>
-          <a:p>
-            <a:r>
-              <a:rPr lang="ru-RU" dirty="0" smtClean="0"/>
-              <a:t>Создана возможность локального развёртывания</a:t>
-            </a:r>
-          </a:p>
-          <a:p>
-            <a:r>
-              <a:rPr lang="ru-RU" dirty="0" smtClean="0"/>
-              <a:t>Проведено тестирование системы</a:t>
-            </a:r>
-            <a:endParaRPr lang="ru-RU" dirty="0"/>
-          </a:p>
-          <a:p>
-            <a:pPr marL="0" indent="0">
-              <a:buNone/>
-            </a:pPr>
-            <a:endParaRPr lang="ru-RU" dirty="0" smtClean="0">
-              <a:latin typeface="Times New Roman" panose="02020603050405020304" pitchFamily="18" charset="0"/>
-              <a:cs typeface="Times New Roman" panose="02020603050405020304" pitchFamily="18" charset="0"/>
-            </a:endParaRPr>
-          </a:p>
-        </p:txBody>
-      </p:sp>
-      <p:sp>
-        <p:nvSpPr>
-          <p:cNvPr id="4" name="Номер слайда 3"/>
-          <p:cNvSpPr>
-            <a:spLocks noGrp="1"/>
-          </p:cNvSpPr>
-          <p:nvPr>
-            <p:ph type="sldNum" sz="quarter" idx="12"/>
-          </p:nvPr>
-        </p:nvSpPr>
-        <p:spPr/>
         <p:txBody>
           <a:bodyPr/>
           <a:lstStyle/>
@@ -10690,10 +10357,40 @@
           </a:p>
         </p:txBody>
       </p:sp>
+      <p:pic>
+        <p:nvPicPr>
+          <p:cNvPr id="4" name="Рисунок 3"/>
+          <p:cNvPicPr>
+            <a:picLocks noChangeAspect="1"/>
+          </p:cNvPicPr>
+          <p:nvPr/>
+        </p:nvPicPr>
+        <p:blipFill>
+          <a:blip r:embed="rId2" cstate="print">
+            <a:extLst>
+              <a:ext uri="{28A0092B-C50C-407E-A947-70E740481C1C}">
+                <a14:useLocalDpi xmlns:a14="http://schemas.microsoft.com/office/drawing/2010/main" val="0"/>
+              </a:ext>
+            </a:extLst>
+          </a:blip>
+          <a:stretch>
+            <a:fillRect/>
+          </a:stretch>
+        </p:blipFill>
+        <p:spPr>
+          <a:xfrm>
+            <a:off x="4069312" y="1"/>
+            <a:ext cx="4848706" cy="6858000"/>
+          </a:xfrm>
+          <a:prstGeom prst="rect">
+            <a:avLst/>
+          </a:prstGeom>
+        </p:spPr>
+      </p:pic>
     </p:spTree>
     <p:extLst>
       <p:ext uri="{BB962C8B-B14F-4D97-AF65-F5344CB8AC3E}">
-        <p14:creationId xmlns:p14="http://schemas.microsoft.com/office/powerpoint/2010/main" val="3029719737"/>
+        <p14:creationId xmlns:p14="http://schemas.microsoft.com/office/powerpoint/2010/main" val="4198462274"/>
       </p:ext>
     </p:extLst>
   </p:cSld>
@@ -10734,6 +10431,658 @@
             <a:spLocks noGrp="1"/>
           </p:cNvSpPr>
           <p:nvPr>
+            <p:ph type="title"/>
+          </p:nvPr>
+        </p:nvSpPr>
+        <p:spPr>
+          <a:xfrm>
+            <a:off x="1584518" y="-117205"/>
+            <a:ext cx="10018713" cy="1122218"/>
+          </a:xfrm>
+        </p:spPr>
+        <p:txBody>
+          <a:bodyPr/>
+          <a:lstStyle/>
+          <a:p>
+            <a:r>
+              <a:rPr lang="ru-RU" dirty="0" smtClean="0">
+                <a:latin typeface="Times New Roman" panose="02020603050405020304" pitchFamily="18" charset="0"/>
+                <a:cs typeface="Times New Roman" panose="02020603050405020304" pitchFamily="18" charset="0"/>
+              </a:rPr>
+              <a:t>Заключение</a:t>
+            </a:r>
+            <a:endParaRPr lang="ru-RU" dirty="0">
+              <a:latin typeface="Times New Roman" panose="02020603050405020304" pitchFamily="18" charset="0"/>
+              <a:cs typeface="Times New Roman" panose="02020603050405020304" pitchFamily="18" charset="0"/>
+            </a:endParaRPr>
+          </a:p>
+        </p:txBody>
+      </p:sp>
+      <p:sp>
+        <p:nvSpPr>
+          <p:cNvPr id="12" name="Объект 3"/>
+          <p:cNvSpPr txBox="1">
+            <a:spLocks/>
+          </p:cNvSpPr>
+          <p:nvPr/>
+        </p:nvSpPr>
+        <p:spPr>
+          <a:xfrm>
+            <a:off x="2702195" y="3991207"/>
+            <a:ext cx="8708408" cy="2119746"/>
+          </a:xfrm>
+          <a:prstGeom prst="rect">
+            <a:avLst/>
+          </a:prstGeom>
+        </p:spPr>
+        <p:txBody>
+          <a:bodyPr vert="horz" lIns="91440" tIns="45720" rIns="91440" bIns="45720" rtlCol="0" anchor="ctr">
+            <a:normAutofit/>
+          </a:bodyPr>
+          <a:lstStyle>
+            <a:lvl1pPr marL="285750" indent="-285750" algn="l" defTabSz="457200" rtl="0" eaLnBrk="1" latinLnBrk="0" hangingPunct="1">
+              <a:spcBef>
+                <a:spcPct val="20000"/>
+              </a:spcBef>
+              <a:spcAft>
+                <a:spcPts val="600"/>
+              </a:spcAft>
+              <a:buClr>
+                <a:schemeClr val="accent1">
+                  <a:lumMod val="75000"/>
+                </a:schemeClr>
+              </a:buClr>
+              <a:buSzPct val="145000"/>
+              <a:buFont typeface="Arial"/>
+              <a:buChar char="•"/>
+              <a:defRPr sz="2400" kern="1200" cap="none">
+                <a:solidFill>
+                  <a:schemeClr val="tx1"/>
+                </a:solidFill>
+                <a:effectLst/>
+                <a:latin typeface="+mn-lt"/>
+                <a:ea typeface="+mn-ea"/>
+                <a:cs typeface="+mn-cs"/>
+              </a:defRPr>
+            </a:lvl1pPr>
+            <a:lvl2pPr marL="742950" indent="-285750" algn="l" defTabSz="457200" rtl="0" eaLnBrk="1" latinLnBrk="0" hangingPunct="1">
+              <a:spcBef>
+                <a:spcPct val="20000"/>
+              </a:spcBef>
+              <a:spcAft>
+                <a:spcPts val="600"/>
+              </a:spcAft>
+              <a:buClr>
+                <a:schemeClr val="accent1">
+                  <a:lumMod val="75000"/>
+                </a:schemeClr>
+              </a:buClr>
+              <a:buSzPct val="145000"/>
+              <a:buFont typeface="Arial"/>
+              <a:buChar char="•"/>
+              <a:defRPr sz="2000" kern="1200" cap="none">
+                <a:solidFill>
+                  <a:schemeClr val="tx1"/>
+                </a:solidFill>
+                <a:effectLst/>
+                <a:latin typeface="+mn-lt"/>
+                <a:ea typeface="+mn-ea"/>
+                <a:cs typeface="+mn-cs"/>
+              </a:defRPr>
+            </a:lvl2pPr>
+            <a:lvl3pPr marL="1200150" indent="-285750" algn="l" defTabSz="457200" rtl="0" eaLnBrk="1" latinLnBrk="0" hangingPunct="1">
+              <a:spcBef>
+                <a:spcPct val="20000"/>
+              </a:spcBef>
+              <a:spcAft>
+                <a:spcPts val="600"/>
+              </a:spcAft>
+              <a:buClr>
+                <a:schemeClr val="accent1">
+                  <a:lumMod val="75000"/>
+                </a:schemeClr>
+              </a:buClr>
+              <a:buSzPct val="145000"/>
+              <a:buFont typeface="Arial"/>
+              <a:buChar char="•"/>
+              <a:defRPr sz="1800" kern="1200" cap="none">
+                <a:solidFill>
+                  <a:schemeClr val="tx1"/>
+                </a:solidFill>
+                <a:effectLst/>
+                <a:latin typeface="+mn-lt"/>
+                <a:ea typeface="+mn-ea"/>
+                <a:cs typeface="+mn-cs"/>
+              </a:defRPr>
+            </a:lvl3pPr>
+            <a:lvl4pPr marL="1543050" indent="-171450" algn="l" defTabSz="457200" rtl="0" eaLnBrk="1" latinLnBrk="0" hangingPunct="1">
+              <a:spcBef>
+                <a:spcPct val="20000"/>
+              </a:spcBef>
+              <a:spcAft>
+                <a:spcPts val="600"/>
+              </a:spcAft>
+              <a:buClr>
+                <a:schemeClr val="accent1">
+                  <a:lumMod val="75000"/>
+                </a:schemeClr>
+              </a:buClr>
+              <a:buSzPct val="145000"/>
+              <a:buFont typeface="Arial"/>
+              <a:buChar char="•"/>
+              <a:defRPr sz="1600" kern="1200" cap="none">
+                <a:solidFill>
+                  <a:schemeClr val="tx1"/>
+                </a:solidFill>
+                <a:effectLst/>
+                <a:latin typeface="+mn-lt"/>
+                <a:ea typeface="+mn-ea"/>
+                <a:cs typeface="+mn-cs"/>
+              </a:defRPr>
+            </a:lvl4pPr>
+            <a:lvl5pPr marL="2000250" indent="-171450" algn="l" defTabSz="457200" rtl="0" eaLnBrk="1" latinLnBrk="0" hangingPunct="1">
+              <a:spcBef>
+                <a:spcPct val="20000"/>
+              </a:spcBef>
+              <a:spcAft>
+                <a:spcPts val="600"/>
+              </a:spcAft>
+              <a:buClr>
+                <a:schemeClr val="accent1">
+                  <a:lumMod val="75000"/>
+                </a:schemeClr>
+              </a:buClr>
+              <a:buSzPct val="145000"/>
+              <a:buFont typeface="Arial"/>
+              <a:buChar char="•"/>
+              <a:defRPr sz="1400" kern="1200" cap="none">
+                <a:solidFill>
+                  <a:schemeClr val="tx1"/>
+                </a:solidFill>
+                <a:effectLst/>
+                <a:latin typeface="+mn-lt"/>
+                <a:ea typeface="+mn-ea"/>
+                <a:cs typeface="+mn-cs"/>
+              </a:defRPr>
+            </a:lvl5pPr>
+            <a:lvl6pPr marL="2514600" indent="-228600" algn="l" defTabSz="457200" rtl="0" eaLnBrk="1" latinLnBrk="0" hangingPunct="1">
+              <a:spcBef>
+                <a:spcPct val="20000"/>
+              </a:spcBef>
+              <a:spcAft>
+                <a:spcPts val="600"/>
+              </a:spcAft>
+              <a:buClr>
+                <a:schemeClr val="accent1">
+                  <a:lumMod val="75000"/>
+                </a:schemeClr>
+              </a:buClr>
+              <a:buSzPct val="145000"/>
+              <a:buFont typeface="Arial"/>
+              <a:buChar char="•"/>
+              <a:defRPr sz="1400" kern="1200" cap="none">
+                <a:solidFill>
+                  <a:schemeClr val="tx1"/>
+                </a:solidFill>
+                <a:effectLst/>
+                <a:latin typeface="+mn-lt"/>
+                <a:ea typeface="+mn-ea"/>
+                <a:cs typeface="+mn-cs"/>
+              </a:defRPr>
+            </a:lvl6pPr>
+            <a:lvl7pPr marL="2971800" indent="-228600" algn="l" defTabSz="457200" rtl="0" eaLnBrk="1" latinLnBrk="0" hangingPunct="1">
+              <a:spcBef>
+                <a:spcPct val="20000"/>
+              </a:spcBef>
+              <a:spcAft>
+                <a:spcPts val="600"/>
+              </a:spcAft>
+              <a:buClr>
+                <a:schemeClr val="accent1">
+                  <a:lumMod val="75000"/>
+                </a:schemeClr>
+              </a:buClr>
+              <a:buSzPct val="145000"/>
+              <a:buFont typeface="Arial"/>
+              <a:buChar char="•"/>
+              <a:defRPr sz="1400" kern="1200" cap="none">
+                <a:solidFill>
+                  <a:schemeClr val="tx1"/>
+                </a:solidFill>
+                <a:effectLst/>
+                <a:latin typeface="+mn-lt"/>
+                <a:ea typeface="+mn-ea"/>
+                <a:cs typeface="+mn-cs"/>
+              </a:defRPr>
+            </a:lvl7pPr>
+            <a:lvl8pPr marL="3429000" indent="-228600" algn="l" defTabSz="457200" rtl="0" eaLnBrk="1" latinLnBrk="0" hangingPunct="1">
+              <a:spcBef>
+                <a:spcPct val="20000"/>
+              </a:spcBef>
+              <a:spcAft>
+                <a:spcPts val="600"/>
+              </a:spcAft>
+              <a:buClr>
+                <a:schemeClr val="accent1">
+                  <a:lumMod val="75000"/>
+                </a:schemeClr>
+              </a:buClr>
+              <a:buSzPct val="145000"/>
+              <a:buFont typeface="Arial"/>
+              <a:buChar char="•"/>
+              <a:defRPr sz="1400" kern="1200" cap="none">
+                <a:solidFill>
+                  <a:schemeClr val="tx1"/>
+                </a:solidFill>
+                <a:effectLst/>
+                <a:latin typeface="+mn-lt"/>
+                <a:ea typeface="+mn-ea"/>
+                <a:cs typeface="+mn-cs"/>
+              </a:defRPr>
+            </a:lvl8pPr>
+            <a:lvl9pPr marL="3886200" indent="-228600" algn="l" defTabSz="457200" rtl="0" eaLnBrk="1" latinLnBrk="0" hangingPunct="1">
+              <a:spcBef>
+                <a:spcPct val="20000"/>
+              </a:spcBef>
+              <a:spcAft>
+                <a:spcPts val="600"/>
+              </a:spcAft>
+              <a:buClr>
+                <a:schemeClr val="accent1">
+                  <a:lumMod val="75000"/>
+                </a:schemeClr>
+              </a:buClr>
+              <a:buSzPct val="145000"/>
+              <a:buFont typeface="Arial"/>
+              <a:buChar char="•"/>
+              <a:defRPr sz="1400" kern="1200" cap="none">
+                <a:solidFill>
+                  <a:schemeClr val="tx1"/>
+                </a:solidFill>
+                <a:effectLst/>
+                <a:latin typeface="+mn-lt"/>
+                <a:ea typeface="+mn-ea"/>
+                <a:cs typeface="+mn-cs"/>
+              </a:defRPr>
+            </a:lvl9pPr>
+          </a:lstStyle>
+          <a:p>
+            <a:endParaRPr lang="ru-RU" dirty="0" smtClean="0"/>
+          </a:p>
+          <a:p>
+            <a:endParaRPr lang="ru-RU" dirty="0"/>
+          </a:p>
+        </p:txBody>
+      </p:sp>
+      <p:sp>
+        <p:nvSpPr>
+          <p:cNvPr id="9" name="Объект 3"/>
+          <p:cNvSpPr txBox="1">
+            <a:spLocks/>
+          </p:cNvSpPr>
+          <p:nvPr/>
+        </p:nvSpPr>
+        <p:spPr>
+          <a:xfrm>
+            <a:off x="2794199" y="1345235"/>
+            <a:ext cx="7599349" cy="4521896"/>
+          </a:xfrm>
+          <a:prstGeom prst="rect">
+            <a:avLst/>
+          </a:prstGeom>
+        </p:spPr>
+        <p:txBody>
+          <a:bodyPr vert="horz" lIns="91440" tIns="45720" rIns="91440" bIns="45720" rtlCol="0" anchor="ctr">
+            <a:normAutofit/>
+          </a:bodyPr>
+          <a:lstStyle>
+            <a:lvl1pPr marL="285750" indent="-285750" algn="l" defTabSz="457200" rtl="0" eaLnBrk="1" latinLnBrk="0" hangingPunct="1">
+              <a:spcBef>
+                <a:spcPct val="20000"/>
+              </a:spcBef>
+              <a:spcAft>
+                <a:spcPts val="600"/>
+              </a:spcAft>
+              <a:buClr>
+                <a:schemeClr val="accent1">
+                  <a:lumMod val="75000"/>
+                </a:schemeClr>
+              </a:buClr>
+              <a:buSzPct val="145000"/>
+              <a:buFont typeface="Arial"/>
+              <a:buChar char="•"/>
+              <a:defRPr sz="2400" kern="1200" cap="none">
+                <a:solidFill>
+                  <a:schemeClr val="tx1"/>
+                </a:solidFill>
+                <a:effectLst/>
+                <a:latin typeface="+mn-lt"/>
+                <a:ea typeface="+mn-ea"/>
+                <a:cs typeface="+mn-cs"/>
+              </a:defRPr>
+            </a:lvl1pPr>
+            <a:lvl2pPr marL="742950" indent="-285750" algn="l" defTabSz="457200" rtl="0" eaLnBrk="1" latinLnBrk="0" hangingPunct="1">
+              <a:spcBef>
+                <a:spcPct val="20000"/>
+              </a:spcBef>
+              <a:spcAft>
+                <a:spcPts val="600"/>
+              </a:spcAft>
+              <a:buClr>
+                <a:schemeClr val="accent1">
+                  <a:lumMod val="75000"/>
+                </a:schemeClr>
+              </a:buClr>
+              <a:buSzPct val="145000"/>
+              <a:buFont typeface="Arial"/>
+              <a:buChar char="•"/>
+              <a:defRPr sz="2000" kern="1200" cap="none">
+                <a:solidFill>
+                  <a:schemeClr val="tx1"/>
+                </a:solidFill>
+                <a:effectLst/>
+                <a:latin typeface="+mn-lt"/>
+                <a:ea typeface="+mn-ea"/>
+                <a:cs typeface="+mn-cs"/>
+              </a:defRPr>
+            </a:lvl2pPr>
+            <a:lvl3pPr marL="1200150" indent="-285750" algn="l" defTabSz="457200" rtl="0" eaLnBrk="1" latinLnBrk="0" hangingPunct="1">
+              <a:spcBef>
+                <a:spcPct val="20000"/>
+              </a:spcBef>
+              <a:spcAft>
+                <a:spcPts val="600"/>
+              </a:spcAft>
+              <a:buClr>
+                <a:schemeClr val="accent1">
+                  <a:lumMod val="75000"/>
+                </a:schemeClr>
+              </a:buClr>
+              <a:buSzPct val="145000"/>
+              <a:buFont typeface="Arial"/>
+              <a:buChar char="•"/>
+              <a:defRPr sz="1800" kern="1200" cap="none">
+                <a:solidFill>
+                  <a:schemeClr val="tx1"/>
+                </a:solidFill>
+                <a:effectLst/>
+                <a:latin typeface="+mn-lt"/>
+                <a:ea typeface="+mn-ea"/>
+                <a:cs typeface="+mn-cs"/>
+              </a:defRPr>
+            </a:lvl3pPr>
+            <a:lvl4pPr marL="1543050" indent="-171450" algn="l" defTabSz="457200" rtl="0" eaLnBrk="1" latinLnBrk="0" hangingPunct="1">
+              <a:spcBef>
+                <a:spcPct val="20000"/>
+              </a:spcBef>
+              <a:spcAft>
+                <a:spcPts val="600"/>
+              </a:spcAft>
+              <a:buClr>
+                <a:schemeClr val="accent1">
+                  <a:lumMod val="75000"/>
+                </a:schemeClr>
+              </a:buClr>
+              <a:buSzPct val="145000"/>
+              <a:buFont typeface="Arial"/>
+              <a:buChar char="•"/>
+              <a:defRPr sz="1600" kern="1200" cap="none">
+                <a:solidFill>
+                  <a:schemeClr val="tx1"/>
+                </a:solidFill>
+                <a:effectLst/>
+                <a:latin typeface="+mn-lt"/>
+                <a:ea typeface="+mn-ea"/>
+                <a:cs typeface="+mn-cs"/>
+              </a:defRPr>
+            </a:lvl4pPr>
+            <a:lvl5pPr marL="2000250" indent="-171450" algn="l" defTabSz="457200" rtl="0" eaLnBrk="1" latinLnBrk="0" hangingPunct="1">
+              <a:spcBef>
+                <a:spcPct val="20000"/>
+              </a:spcBef>
+              <a:spcAft>
+                <a:spcPts val="600"/>
+              </a:spcAft>
+              <a:buClr>
+                <a:schemeClr val="accent1">
+                  <a:lumMod val="75000"/>
+                </a:schemeClr>
+              </a:buClr>
+              <a:buSzPct val="145000"/>
+              <a:buFont typeface="Arial"/>
+              <a:buChar char="•"/>
+              <a:defRPr sz="1400" kern="1200" cap="none">
+                <a:solidFill>
+                  <a:schemeClr val="tx1"/>
+                </a:solidFill>
+                <a:effectLst/>
+                <a:latin typeface="+mn-lt"/>
+                <a:ea typeface="+mn-ea"/>
+                <a:cs typeface="+mn-cs"/>
+              </a:defRPr>
+            </a:lvl5pPr>
+            <a:lvl6pPr marL="2514600" indent="-228600" algn="l" defTabSz="457200" rtl="0" eaLnBrk="1" latinLnBrk="0" hangingPunct="1">
+              <a:spcBef>
+                <a:spcPct val="20000"/>
+              </a:spcBef>
+              <a:spcAft>
+                <a:spcPts val="600"/>
+              </a:spcAft>
+              <a:buClr>
+                <a:schemeClr val="accent1">
+                  <a:lumMod val="75000"/>
+                </a:schemeClr>
+              </a:buClr>
+              <a:buSzPct val="145000"/>
+              <a:buFont typeface="Arial"/>
+              <a:buChar char="•"/>
+              <a:defRPr sz="1400" kern="1200" cap="none">
+                <a:solidFill>
+                  <a:schemeClr val="tx1"/>
+                </a:solidFill>
+                <a:effectLst/>
+                <a:latin typeface="+mn-lt"/>
+                <a:ea typeface="+mn-ea"/>
+                <a:cs typeface="+mn-cs"/>
+              </a:defRPr>
+            </a:lvl6pPr>
+            <a:lvl7pPr marL="2971800" indent="-228600" algn="l" defTabSz="457200" rtl="0" eaLnBrk="1" latinLnBrk="0" hangingPunct="1">
+              <a:spcBef>
+                <a:spcPct val="20000"/>
+              </a:spcBef>
+              <a:spcAft>
+                <a:spcPts val="600"/>
+              </a:spcAft>
+              <a:buClr>
+                <a:schemeClr val="accent1">
+                  <a:lumMod val="75000"/>
+                </a:schemeClr>
+              </a:buClr>
+              <a:buSzPct val="145000"/>
+              <a:buFont typeface="Arial"/>
+              <a:buChar char="•"/>
+              <a:defRPr sz="1400" kern="1200" cap="none">
+                <a:solidFill>
+                  <a:schemeClr val="tx1"/>
+                </a:solidFill>
+                <a:effectLst/>
+                <a:latin typeface="+mn-lt"/>
+                <a:ea typeface="+mn-ea"/>
+                <a:cs typeface="+mn-cs"/>
+              </a:defRPr>
+            </a:lvl7pPr>
+            <a:lvl8pPr marL="3429000" indent="-228600" algn="l" defTabSz="457200" rtl="0" eaLnBrk="1" latinLnBrk="0" hangingPunct="1">
+              <a:spcBef>
+                <a:spcPct val="20000"/>
+              </a:spcBef>
+              <a:spcAft>
+                <a:spcPts val="600"/>
+              </a:spcAft>
+              <a:buClr>
+                <a:schemeClr val="accent1">
+                  <a:lumMod val="75000"/>
+                </a:schemeClr>
+              </a:buClr>
+              <a:buSzPct val="145000"/>
+              <a:buFont typeface="Arial"/>
+              <a:buChar char="•"/>
+              <a:defRPr sz="1400" kern="1200" cap="none">
+                <a:solidFill>
+                  <a:schemeClr val="tx1"/>
+                </a:solidFill>
+                <a:effectLst/>
+                <a:latin typeface="+mn-lt"/>
+                <a:ea typeface="+mn-ea"/>
+                <a:cs typeface="+mn-cs"/>
+              </a:defRPr>
+            </a:lvl8pPr>
+            <a:lvl9pPr marL="3886200" indent="-228600" algn="l" defTabSz="457200" rtl="0" eaLnBrk="1" latinLnBrk="0" hangingPunct="1">
+              <a:spcBef>
+                <a:spcPct val="20000"/>
+              </a:spcBef>
+              <a:spcAft>
+                <a:spcPts val="600"/>
+              </a:spcAft>
+              <a:buClr>
+                <a:schemeClr val="accent1">
+                  <a:lumMod val="75000"/>
+                </a:schemeClr>
+              </a:buClr>
+              <a:buSzPct val="145000"/>
+              <a:buFont typeface="Arial"/>
+              <a:buChar char="•"/>
+              <a:defRPr sz="1400" kern="1200" cap="none">
+                <a:solidFill>
+                  <a:schemeClr val="tx1"/>
+                </a:solidFill>
+                <a:effectLst/>
+                <a:latin typeface="+mn-lt"/>
+                <a:ea typeface="+mn-ea"/>
+                <a:cs typeface="+mn-cs"/>
+              </a:defRPr>
+            </a:lvl9pPr>
+          </a:lstStyle>
+          <a:p>
+            <a:r>
+              <a:rPr lang="ru-RU" dirty="0" smtClean="0"/>
+              <a:t>Реализована работа с продажами</a:t>
+            </a:r>
+          </a:p>
+          <a:p>
+            <a:r>
+              <a:rPr lang="ru-RU" dirty="0" smtClean="0"/>
+              <a:t>Создан планировщик задач</a:t>
+            </a:r>
+          </a:p>
+          <a:p>
+            <a:r>
+              <a:rPr lang="ru-RU" dirty="0" smtClean="0"/>
+              <a:t>Организована работа с данными</a:t>
+            </a:r>
+          </a:p>
+          <a:p>
+            <a:r>
+              <a:rPr lang="ru-RU" dirty="0" smtClean="0"/>
+              <a:t>Обеспечена гибкая система анализа данных</a:t>
+            </a:r>
+          </a:p>
+          <a:p>
+            <a:r>
+              <a:rPr lang="ru-RU" dirty="0" smtClean="0"/>
+              <a:t>Создана возможность локального развёртывания</a:t>
+            </a:r>
+          </a:p>
+          <a:p>
+            <a:r>
+              <a:rPr lang="ru-RU" dirty="0" smtClean="0"/>
+              <a:t>Проведено тестирование системы</a:t>
+            </a:r>
+            <a:endParaRPr lang="ru-RU" dirty="0"/>
+          </a:p>
+          <a:p>
+            <a:pPr marL="0" indent="0">
+              <a:buNone/>
+            </a:pPr>
+            <a:endParaRPr lang="ru-RU" dirty="0" smtClean="0">
+              <a:latin typeface="Times New Roman" panose="02020603050405020304" pitchFamily="18" charset="0"/>
+              <a:cs typeface="Times New Roman" panose="02020603050405020304" pitchFamily="18" charset="0"/>
+            </a:endParaRPr>
+          </a:p>
+        </p:txBody>
+      </p:sp>
+      <p:sp>
+        <p:nvSpPr>
+          <p:cNvPr id="4" name="Номер слайда 3"/>
+          <p:cNvSpPr>
+            <a:spLocks noGrp="1"/>
+          </p:cNvSpPr>
+          <p:nvPr>
+            <p:ph type="sldNum" sz="quarter" idx="12"/>
+          </p:nvPr>
+        </p:nvSpPr>
+        <p:spPr/>
+        <p:txBody>
+          <a:bodyPr/>
+          <a:lstStyle/>
+          <a:p>
+            <a:fld id="{D7C832C9-149B-4F25-80B4-5375E42BB2F1}" type="slidenum">
+              <a:rPr lang="ru-RU" sz="1400" smtClean="0">
+                <a:latin typeface="Times New Roman" panose="02020603050405020304" pitchFamily="18" charset="0"/>
+                <a:cs typeface="Times New Roman" panose="02020603050405020304" pitchFamily="18" charset="0"/>
+              </a:rPr>
+              <a:t>16</a:t>
+            </a:fld>
+            <a:endParaRPr lang="ru-RU" sz="1400" dirty="0">
+              <a:latin typeface="Times New Roman" panose="02020603050405020304" pitchFamily="18" charset="0"/>
+              <a:cs typeface="Times New Roman" panose="02020603050405020304" pitchFamily="18" charset="0"/>
+            </a:endParaRPr>
+          </a:p>
+        </p:txBody>
+      </p:sp>
+    </p:spTree>
+    <p:extLst>
+      <p:ext uri="{BB962C8B-B14F-4D97-AF65-F5344CB8AC3E}">
+        <p14:creationId xmlns:p14="http://schemas.microsoft.com/office/powerpoint/2010/main" val="3029719737"/>
+      </p:ext>
+    </p:extLst>
+  </p:cSld>
+  <p:clrMapOvr>
+    <a:masterClrMapping/>
+  </p:clrMapOvr>
+  <p:timing>
+    <p:tnLst>
+      <p:par>
+        <p:cTn id="1" dur="indefinite" restart="never" nodeType="tmRoot"/>
+      </p:par>
+    </p:tnLst>
+  </p:timing>
+</p:sld>
+</file>
+
+<file path=ppt/slides/slide17.xml><?xml version="1.0" encoding="utf-8"?>
+<p:sld xmlns:a="http://schemas.openxmlformats.org/drawingml/2006/main" xmlns:r="http://schemas.openxmlformats.org/officeDocument/2006/relationships" xmlns:p="http://schemas.openxmlformats.org/presentationml/2006/main">
+  <p:cSld>
+    <p:spTree>
+      <p:nvGrpSpPr>
+        <p:cNvPr id="1" name=""/>
+        <p:cNvGrpSpPr/>
+        <p:nvPr/>
+      </p:nvGrpSpPr>
+      <p:grpSpPr>
+        <a:xfrm>
+          <a:off x="0" y="0"/>
+          <a:ext cx="0" cy="0"/>
+          <a:chOff x="0" y="0"/>
+          <a:chExt cx="0" cy="0"/>
+        </a:xfrm>
+      </p:grpSpPr>
+      <p:sp>
+        <p:nvSpPr>
+          <p:cNvPr id="2" name="Заголовок 1"/>
+          <p:cNvSpPr>
+            <a:spLocks noGrp="1"/>
+          </p:cNvSpPr>
+          <p:nvPr>
             <p:ph type="ctrTitle"/>
           </p:nvPr>
         </p:nvSpPr>
@@ -10875,7 +11224,7 @@
                 <a:latin typeface="Times New Roman" panose="02020603050405020304" pitchFamily="18" charset="0"/>
                 <a:cs typeface="Times New Roman" panose="02020603050405020304" pitchFamily="18" charset="0"/>
               </a:rPr>
-              <a:t>16</a:t>
+              <a:t>17</a:t>
             </a:fld>
             <a:endParaRPr lang="ru-RU" sz="1400" dirty="0">
               <a:latin typeface="Times New Roman" panose="02020603050405020304" pitchFamily="18" charset="0"/>
@@ -12575,11 +12924,7 @@
           <a:p>
             <a:r>
               <a:rPr lang="ru-RU" dirty="0" smtClean="0"/>
-              <a:t>Регистрация </a:t>
-            </a:r>
-            <a:r>
-              <a:rPr lang="ru-RU" dirty="0" smtClean="0"/>
-              <a:t>и авторизация</a:t>
+              <a:t>Регистрация и авторизация</a:t>
             </a:r>
             <a:endParaRPr lang="ru-RU" dirty="0"/>
           </a:p>

--- a/diplom_preza.pptx
+++ b/diplom_preza.pptx
@@ -6825,7 +6825,7 @@
           </a:ln>
           <a:extLst>
             <a:ext uri="{C572A759-6A51-4108-AA02-DFA0A04FC94B}">
-              <ma14:wrappingTextBoxFlag xmlns="" xmlns:m="http://schemas.openxmlformats.org/officeDocument/2006/math" xmlns:a14="http://schemas.microsoft.com/office/drawing/2010/main" xmlns:ma14="http://schemas.microsoft.com/office/mac/drawingml/2011/main" val="1"/>
+              <ma14:wrappingTextBoxFlag xmlns:ma14="http://schemas.microsoft.com/office/mac/drawingml/2011/main" xmlns:a14="http://schemas.microsoft.com/office/drawing/2010/main" xmlns:m="http://schemas.openxmlformats.org/officeDocument/2006/math" xmlns="" val="1"/>
             </a:ext>
           </a:extLst>
         </p:spPr>
@@ -6903,7 +6903,7 @@
           </a:ln>
           <a:extLst>
             <a:ext uri="{C572A759-6A51-4108-AA02-DFA0A04FC94B}">
-              <ma14:wrappingTextBoxFlag xmlns="" xmlns:m="http://schemas.openxmlformats.org/officeDocument/2006/math" xmlns:a14="http://schemas.microsoft.com/office/drawing/2010/main" xmlns:ma14="http://schemas.microsoft.com/office/mac/drawingml/2011/main" val="1"/>
+              <ma14:wrappingTextBoxFlag xmlns:ma14="http://schemas.microsoft.com/office/mac/drawingml/2011/main" xmlns:a14="http://schemas.microsoft.com/office/drawing/2010/main" xmlns:m="http://schemas.openxmlformats.org/officeDocument/2006/math" xmlns="" val="1"/>
             </a:ext>
           </a:extLst>
         </p:spPr>
@@ -6997,7 +6997,7 @@
           </a:ln>
           <a:extLst>
             <a:ext uri="{C572A759-6A51-4108-AA02-DFA0A04FC94B}">
-              <ma14:wrappingTextBoxFlag xmlns="" xmlns:m="http://schemas.openxmlformats.org/officeDocument/2006/math" xmlns:a14="http://schemas.microsoft.com/office/drawing/2010/main" xmlns:ma14="http://schemas.microsoft.com/office/mac/drawingml/2011/main" val="1"/>
+              <ma14:wrappingTextBoxFlag xmlns:ma14="http://schemas.microsoft.com/office/mac/drawingml/2011/main" xmlns:a14="http://schemas.microsoft.com/office/drawing/2010/main" xmlns:m="http://schemas.openxmlformats.org/officeDocument/2006/math" xmlns="" val="1"/>
             </a:ext>
           </a:extLst>
         </p:spPr>
@@ -7068,7 +7068,7 @@
           </a:ln>
           <a:extLst>
             <a:ext uri="{C572A759-6A51-4108-AA02-DFA0A04FC94B}">
-              <ma14:wrappingTextBoxFlag xmlns="" xmlns:m="http://schemas.openxmlformats.org/officeDocument/2006/math" xmlns:a14="http://schemas.microsoft.com/office/drawing/2010/main" xmlns:ma14="http://schemas.microsoft.com/office/mac/drawingml/2011/main" val="1"/>
+              <ma14:wrappingTextBoxFlag xmlns:ma14="http://schemas.microsoft.com/office/mac/drawingml/2011/main" xmlns:a14="http://schemas.microsoft.com/office/drawing/2010/main" xmlns:m="http://schemas.openxmlformats.org/officeDocument/2006/math" xmlns="" val="1"/>
             </a:ext>
           </a:extLst>
         </p:spPr>
@@ -7162,7 +7162,7 @@
           </a:ln>
           <a:extLst>
             <a:ext uri="{C572A759-6A51-4108-AA02-DFA0A04FC94B}">
-              <ma14:wrappingTextBoxFlag xmlns="" xmlns:m="http://schemas.openxmlformats.org/officeDocument/2006/math" xmlns:a14="http://schemas.microsoft.com/office/drawing/2010/main" xmlns:ma14="http://schemas.microsoft.com/office/mac/drawingml/2011/main" val="1"/>
+              <ma14:wrappingTextBoxFlag xmlns:ma14="http://schemas.microsoft.com/office/mac/drawingml/2011/main" xmlns:a14="http://schemas.microsoft.com/office/drawing/2010/main" xmlns:m="http://schemas.openxmlformats.org/officeDocument/2006/math" xmlns="" val="1"/>
             </a:ext>
           </a:extLst>
         </p:spPr>
@@ -7207,7 +7207,7 @@
           </a:ln>
           <a:extLst>
             <a:ext uri="{C572A759-6A51-4108-AA02-DFA0A04FC94B}">
-              <ma14:wrappingTextBoxFlag xmlns="" xmlns:m="http://schemas.openxmlformats.org/officeDocument/2006/math" xmlns:a14="http://schemas.microsoft.com/office/drawing/2010/main" xmlns:ma14="http://schemas.microsoft.com/office/mac/drawingml/2011/main" val="1"/>
+              <ma14:wrappingTextBoxFlag xmlns:ma14="http://schemas.microsoft.com/office/mac/drawingml/2011/main" xmlns:a14="http://schemas.microsoft.com/office/drawing/2010/main" xmlns:m="http://schemas.openxmlformats.org/officeDocument/2006/math" xmlns="" val="1"/>
             </a:ext>
           </a:extLst>
         </p:spPr>
@@ -7252,7 +7252,7 @@
           </a:ln>
           <a:extLst>
             <a:ext uri="{C572A759-6A51-4108-AA02-DFA0A04FC94B}">
-              <ma14:wrappingTextBoxFlag xmlns="" xmlns:m="http://schemas.openxmlformats.org/officeDocument/2006/math" xmlns:a14="http://schemas.microsoft.com/office/drawing/2010/main" xmlns:ma14="http://schemas.microsoft.com/office/mac/drawingml/2011/main" val="1"/>
+              <ma14:wrappingTextBoxFlag xmlns:ma14="http://schemas.microsoft.com/office/mac/drawingml/2011/main" xmlns:a14="http://schemas.microsoft.com/office/drawing/2010/main" xmlns:m="http://schemas.openxmlformats.org/officeDocument/2006/math" xmlns="" val="1"/>
             </a:ext>
           </a:extLst>
         </p:spPr>
@@ -7333,7 +7333,7 @@
           </a:ln>
           <a:extLst>
             <a:ext uri="{C572A759-6A51-4108-AA02-DFA0A04FC94B}">
-              <ma14:wrappingTextBoxFlag xmlns="" xmlns:m="http://schemas.openxmlformats.org/officeDocument/2006/math" xmlns:a14="http://schemas.microsoft.com/office/drawing/2010/main" xmlns:ma14="http://schemas.microsoft.com/office/mac/drawingml/2011/main" val="1"/>
+              <ma14:wrappingTextBoxFlag xmlns:ma14="http://schemas.microsoft.com/office/mac/drawingml/2011/main" xmlns:a14="http://schemas.microsoft.com/office/drawing/2010/main" xmlns:m="http://schemas.openxmlformats.org/officeDocument/2006/math" xmlns="" val="1"/>
             </a:ext>
           </a:extLst>
         </p:spPr>
@@ -7442,6 +7442,13 @@
       <p:transition spd="slow"/>
     </mc:Fallback>
   </mc:AlternateContent>
+  <p:timing>
+    <p:tnLst>
+      <p:par>
+        <p:cTn id="1" dur="indefinite" restart="never" nodeType="tmRoot"/>
+      </p:par>
+    </p:tnLst>
+  </p:timing>
 </p:sld>
 </file>
 
@@ -9254,7 +9261,21 @@
                 <a:latin typeface="Times New Roman" panose="02020603050405020304" pitchFamily="18" charset="0"/>
                 <a:cs typeface="Times New Roman" panose="02020603050405020304" pitchFamily="18" charset="0"/>
               </a:rPr>
-              <a:t>За время теста было обработано 1579 запросов</a:t>
+              <a:t>За время </a:t>
+            </a:r>
+            <a:r>
+              <a:rPr lang="ru-RU" dirty="0" smtClean="0">
+                <a:latin typeface="Times New Roman" panose="02020603050405020304" pitchFamily="18" charset="0"/>
+                <a:cs typeface="Times New Roman" panose="02020603050405020304" pitchFamily="18" charset="0"/>
+              </a:rPr>
+              <a:t>теста (30 с) </a:t>
+            </a:r>
+            <a:r>
+              <a:rPr lang="ru-RU" dirty="0">
+                <a:latin typeface="Times New Roman" panose="02020603050405020304" pitchFamily="18" charset="0"/>
+                <a:cs typeface="Times New Roman" panose="02020603050405020304" pitchFamily="18" charset="0"/>
+              </a:rPr>
+              <a:t>было обработано 1579 запросов</a:t>
             </a:r>
           </a:p>
           <a:p>
@@ -10379,8 +10400,8 @@
         </p:blipFill>
         <p:spPr>
           <a:xfrm>
-            <a:off x="4069312" y="1"/>
-            <a:ext cx="4848706" cy="6858000"/>
+            <a:off x="4069311" y="0"/>
+            <a:ext cx="5301251" cy="7498079"/>
           </a:xfrm>
           <a:prstGeom prst="rect">
             <a:avLst/>
@@ -12533,17 +12554,23 @@
         </p:nvSpPr>
         <p:spPr>
           <a:xfrm>
-            <a:off x="1484309" y="1"/>
-            <a:ext cx="10018713" cy="1122218"/>
+            <a:off x="1617927" y="162098"/>
+            <a:ext cx="4649135" cy="1392381"/>
           </a:xfrm>
         </p:spPr>
         <p:txBody>
-          <a:bodyPr/>
+          <a:bodyPr>
+            <a:normAutofit fontScale="90000"/>
+          </a:bodyPr>
           <a:lstStyle/>
           <a:p>
             <a:r>
               <a:rPr lang="ru-RU" dirty="0" smtClean="0"/>
-              <a:t>Разработка структуры БД</a:t>
+              <a:t>Разработка структуры </a:t>
+            </a:r>
+            <a:r>
+              <a:rPr lang="ru-RU" dirty="0" smtClean="0"/>
+              <a:t>базы данных</a:t>
             </a:r>
             <a:endParaRPr lang="ru-RU" dirty="0"/>
           </a:p>
@@ -12824,8 +12851,8 @@
         </p:blipFill>
         <p:spPr bwMode="auto">
           <a:xfrm>
-            <a:off x="4753813" y="1122219"/>
-            <a:ext cx="3309532" cy="5735781"/>
+            <a:off x="6489714" y="0"/>
+            <a:ext cx="4239490" cy="6858000"/>
           </a:xfrm>
           <a:prstGeom prst="rect">
             <a:avLst/>
